--- a/docs/ミーティング/発表資料/25_0711_進捗.pptx
+++ b/docs/ミーティング/発表資料/25_0711_進捗.pptx
@@ -5,7 +5,7 @@
     <p:sldMasterId id="2147483648" r:id="rId1"/>
   </p:sldMasterIdLst>
   <p:notesMasterIdLst>
-    <p:notesMasterId r:id="rId10"/>
+    <p:notesMasterId r:id="rId12"/>
   </p:notesMasterIdLst>
   <p:sldIdLst>
     <p:sldId id="256" r:id="rId2"/>
@@ -15,20 +15,22 @@
     <p:sldId id="303" r:id="rId6"/>
     <p:sldId id="304" r:id="rId7"/>
     <p:sldId id="305" r:id="rId8"/>
-    <p:sldId id="288" r:id="rId9"/>
+    <p:sldId id="306" r:id="rId9"/>
+    <p:sldId id="307" r:id="rId10"/>
+    <p:sldId id="288" r:id="rId11"/>
   </p:sldIdLst>
   <p:sldSz cx="18288000" cy="10287000"/>
   <p:notesSz cx="6858000" cy="9144000"/>
   <p:embeddedFontLst>
     <p:embeddedFont>
       <p:font typeface="游ゴシック" panose="020B0400000000000000" pitchFamily="34" charset="-128"/>
-      <p:regular r:id="rId11"/>
-      <p:bold r:id="rId12"/>
+      <p:regular r:id="rId13"/>
+      <p:bold r:id="rId14"/>
     </p:embeddedFont>
     <p:embeddedFont>
       <p:font typeface="游ゴシック" panose="020B0400000000000000" pitchFamily="34" charset="-128"/>
-      <p:regular r:id="rId11"/>
-      <p:bold r:id="rId12"/>
+      <p:regular r:id="rId13"/>
+      <p:bold r:id="rId14"/>
     </p:embeddedFont>
   </p:embeddedFontLst>
   <p:defaultTextStyle>
@@ -7076,6 +7078,698 @@
   <p:cSld>
     <p:spTree>
       <p:nvGrpSpPr>
+        <p:cNvPr id="1" name="">
+          <a:extLst>
+            <a:ext uri="{FF2B5EF4-FFF2-40B4-BE49-F238E27FC236}">
+              <a16:creationId xmlns:a16="http://schemas.microsoft.com/office/drawing/2014/main" id="{A4A41859-1657-8684-47D6-5B66C754DB96}"/>
+            </a:ext>
+          </a:extLst>
+        </p:cNvPr>
+        <p:cNvGrpSpPr/>
+        <p:nvPr/>
+      </p:nvGrpSpPr>
+      <p:grpSpPr>
+        <a:xfrm>
+          <a:off x="0" y="0"/>
+          <a:ext cx="0" cy="0"/>
+          <a:chOff x="0" y="0"/>
+          <a:chExt cx="0" cy="0"/>
+        </a:xfrm>
+      </p:grpSpPr>
+      <p:sp>
+        <p:nvSpPr>
+          <p:cNvPr id="2" name="スライド イメージ プレースホルダー 1">
+            <a:extLst>
+              <a:ext uri="{FF2B5EF4-FFF2-40B4-BE49-F238E27FC236}">
+                <a16:creationId xmlns:a16="http://schemas.microsoft.com/office/drawing/2014/main" id="{F67B6F17-11BC-6BD4-157D-B74035ED82DB}"/>
+              </a:ext>
+            </a:extLst>
+          </p:cNvPr>
+          <p:cNvSpPr>
+            <a:spLocks noGrp="1" noRot="1" noChangeAspect="1"/>
+          </p:cNvSpPr>
+          <p:nvPr>
+            <p:ph type="sldImg"/>
+          </p:nvPr>
+        </p:nvSpPr>
+        <p:spPr/>
+      </p:sp>
+      <p:sp>
+        <p:nvSpPr>
+          <p:cNvPr id="3" name="ノート プレースホルダー 2">
+            <a:extLst>
+              <a:ext uri="{FF2B5EF4-FFF2-40B4-BE49-F238E27FC236}">
+                <a16:creationId xmlns:a16="http://schemas.microsoft.com/office/drawing/2014/main" id="{C6781127-DB61-59D0-6C1F-679D966F0441}"/>
+              </a:ext>
+            </a:extLst>
+          </p:cNvPr>
+          <p:cNvSpPr>
+            <a:spLocks noGrp="1"/>
+          </p:cNvSpPr>
+          <p:nvPr>
+            <p:ph type="body" idx="1"/>
+          </p:nvPr>
+        </p:nvSpPr>
+        <p:spPr/>
+        <p:txBody>
+          <a:bodyPr/>
+          <a:lstStyle/>
+          <a:p>
+            <a:endParaRPr lang="en-US" altLang="ja-JP" b="1" dirty="0">
+              <a:effectLst/>
+            </a:endParaRPr>
+          </a:p>
+          <a:p>
+            <a:r>
+              <a:rPr lang="ja-JP" altLang="en-US" b="1">
+                <a:effectLst/>
+              </a:rPr>
+              <a:t>＝＝＝＝＝</a:t>
+            </a:r>
+            <a:br>
+              <a:rPr lang="en-US" altLang="ja-JP" b="1" dirty="0">
+                <a:effectLst/>
+              </a:rPr>
+            </a:br>
+            <a:r>
+              <a:rPr lang="ja-JP" altLang="en-US" b="1">
+                <a:effectLst/>
+              </a:rPr>
+              <a:t>🎯 グループ権限（</a:t>
+            </a:r>
+            <a:r>
+              <a:rPr lang="en-US" altLang="ja-JP" b="1" dirty="0" err="1">
+                <a:effectLst/>
+              </a:rPr>
+              <a:t>accounts_user_groups</a:t>
+            </a:r>
+            <a:r>
+              <a:rPr lang="ja-JP" altLang="en-US" b="1">
+                <a:effectLst/>
+              </a:rPr>
+              <a:t>）</a:t>
+            </a:r>
+          </a:p>
+          <a:p>
+            <a:r>
+              <a:rPr lang="ja-JP" altLang="en-US" b="1">
+                <a:effectLst/>
+              </a:rPr>
+              <a:t>役職・立場ベース</a:t>
+            </a:r>
+            <a:r>
+              <a:rPr lang="ja-JP" altLang="en-US">
+                <a:effectLst/>
+              </a:rPr>
+              <a:t>の権限</a:t>
+            </a:r>
+          </a:p>
+          <a:p>
+            <a:r>
+              <a:rPr lang="ja-JP" altLang="en-US">
+                <a:effectLst/>
+              </a:rPr>
+              <a:t>複数人が同じ権限セットを持つ場合</a:t>
+            </a:r>
+          </a:p>
+          <a:p>
+            <a:r>
+              <a:rPr lang="ja-JP" altLang="en-US">
+                <a:effectLst/>
+              </a:rPr>
+              <a:t>権限変更時は</a:t>
+            </a:r>
+            <a:r>
+              <a:rPr lang="ja-JP" altLang="en-US" b="1">
+                <a:effectLst/>
+              </a:rPr>
+              <a:t>グループを修正するだけ</a:t>
+            </a:r>
+            <a:r>
+              <a:rPr lang="ja-JP" altLang="en-US">
+                <a:effectLst/>
+              </a:rPr>
+              <a:t>で全員に反映</a:t>
+            </a:r>
+          </a:p>
+          <a:p>
+            <a:r>
+              <a:rPr lang="ja-JP" altLang="en-US" b="1">
+                <a:effectLst/>
+              </a:rPr>
+              <a:t>例：</a:t>
+            </a:r>
+            <a:r>
+              <a:rPr lang="ja-JP" altLang="en-US">
+                <a:effectLst/>
+              </a:rPr>
+              <a:t>管理者グループ </a:t>
+            </a:r>
+            <a:r>
+              <a:rPr lang="en-US" altLang="ja-JP" dirty="0">
+                <a:effectLst/>
+              </a:rPr>
+              <a:t>- </a:t>
+            </a:r>
+            <a:r>
+              <a:rPr lang="ja-JP" altLang="en-US">
+                <a:effectLst/>
+              </a:rPr>
+              <a:t>システム全体の管理</a:t>
+            </a:r>
+          </a:p>
+          <a:p>
+            <a:r>
+              <a:rPr lang="ja-JP" altLang="en-US">
+                <a:effectLst/>
+              </a:rPr>
+              <a:t>分析者グループ </a:t>
+            </a:r>
+            <a:r>
+              <a:rPr lang="en-US" altLang="ja-JP" dirty="0">
+                <a:effectLst/>
+              </a:rPr>
+              <a:t>- </a:t>
+            </a:r>
+            <a:r>
+              <a:rPr lang="ja-JP" altLang="en-US">
+                <a:effectLst/>
+              </a:rPr>
+              <a:t>データ分析機能のみ</a:t>
+            </a:r>
+          </a:p>
+          <a:p>
+            <a:r>
+              <a:rPr lang="ja-JP" altLang="en-US">
+                <a:effectLst/>
+              </a:rPr>
+              <a:t>一般ユーザーグループ </a:t>
+            </a:r>
+            <a:r>
+              <a:rPr lang="en-US" altLang="ja-JP" dirty="0">
+                <a:effectLst/>
+              </a:rPr>
+              <a:t>- </a:t>
+            </a:r>
+            <a:r>
+              <a:rPr lang="ja-JP" altLang="en-US">
+                <a:effectLst/>
+              </a:rPr>
+              <a:t>基本機能のみ</a:t>
+            </a:r>
+            <a:endParaRPr lang="en-US" altLang="ja-JP" dirty="0">
+              <a:effectLst/>
+            </a:endParaRPr>
+          </a:p>
+          <a:p>
+            <a:endParaRPr lang="ja-JP" altLang="en-US">
+              <a:effectLst/>
+            </a:endParaRPr>
+          </a:p>
+          <a:p>
+            <a:r>
+              <a:rPr lang="ja-JP" altLang="en-US" b="1">
+                <a:effectLst/>
+              </a:rPr>
+              <a:t>🎯 個人権限（</a:t>
+            </a:r>
+            <a:r>
+              <a:rPr lang="en-US" altLang="ja-JP" b="1" dirty="0" err="1">
+                <a:effectLst/>
+              </a:rPr>
+              <a:t>accounts_user_user_permissions</a:t>
+            </a:r>
+            <a:r>
+              <a:rPr lang="ja-JP" altLang="en-US" b="1">
+                <a:effectLst/>
+              </a:rPr>
+              <a:t>）</a:t>
+            </a:r>
+          </a:p>
+          <a:p>
+            <a:r>
+              <a:rPr lang="ja-JP" altLang="en-US" b="1">
+                <a:effectLst/>
+              </a:rPr>
+              <a:t>例外的・特別な権限</a:t>
+            </a:r>
+            <a:endParaRPr lang="ja-JP" altLang="en-US">
+              <a:effectLst/>
+            </a:endParaRPr>
+          </a:p>
+          <a:p>
+            <a:r>
+              <a:rPr lang="ja-JP" altLang="en-US">
+                <a:effectLst/>
+              </a:rPr>
+              <a:t>その人だけに特別に付与したい場合</a:t>
+            </a:r>
+          </a:p>
+          <a:p>
+            <a:r>
+              <a:rPr lang="ja-JP" altLang="en-US">
+                <a:effectLst/>
+              </a:rPr>
+              <a:t>一時的な権限付与</a:t>
+            </a:r>
+          </a:p>
+          <a:p>
+            <a:r>
+              <a:rPr lang="ja-JP" altLang="en-US" b="1">
+                <a:effectLst/>
+              </a:rPr>
+              <a:t>例：</a:t>
+            </a:r>
+            <a:r>
+              <a:rPr lang="ja-JP" altLang="en-US">
+                <a:effectLst/>
+              </a:rPr>
+              <a:t>テストユーザーのみ「ベータ機能使用権限」</a:t>
+            </a:r>
+          </a:p>
+          <a:p>
+            <a:r>
+              <a:rPr lang="ja-JP" altLang="en-US">
+                <a:effectLst/>
+              </a:rPr>
+              <a:t>特定の研究者のみ「生データエクスポート権限」</a:t>
+            </a:r>
+          </a:p>
+          <a:p>
+            <a:r>
+              <a:rPr lang="ja-JP" altLang="en-US">
+                <a:effectLst/>
+              </a:rPr>
+              <a:t>期間限定で「外部連携</a:t>
+            </a:r>
+            <a:r>
+              <a:rPr lang="en-US" altLang="ja-JP" dirty="0">
+                <a:effectLst/>
+              </a:rPr>
+              <a:t>API</a:t>
+            </a:r>
+            <a:r>
+              <a:rPr lang="ja-JP" altLang="en-US">
+                <a:effectLst/>
+              </a:rPr>
+              <a:t>使用権限」</a:t>
+            </a:r>
+          </a:p>
+        </p:txBody>
+      </p:sp>
+      <p:sp>
+        <p:nvSpPr>
+          <p:cNvPr id="4" name="スライド番号プレースホルダー 3">
+            <a:extLst>
+              <a:ext uri="{FF2B5EF4-FFF2-40B4-BE49-F238E27FC236}">
+                <a16:creationId xmlns:a16="http://schemas.microsoft.com/office/drawing/2014/main" id="{20CDC8E7-74BC-E51B-4F81-C6CFBBDFE62D}"/>
+              </a:ext>
+            </a:extLst>
+          </p:cNvPr>
+          <p:cNvSpPr>
+            <a:spLocks noGrp="1"/>
+          </p:cNvSpPr>
+          <p:nvPr>
+            <p:ph type="sldNum" sz="quarter" idx="5"/>
+          </p:nvPr>
+        </p:nvSpPr>
+        <p:spPr/>
+        <p:txBody>
+          <a:bodyPr/>
+          <a:lstStyle/>
+          <a:p>
+            <a:fld id="{423E85BE-9FAD-764D-B84A-7C70829A20A9}" type="slidenum">
+              <a:rPr kumimoji="1" lang="ja-JP" altLang="en-US" smtClean="0"/>
+              <a:t>8</a:t>
+            </a:fld>
+            <a:endParaRPr kumimoji="1" lang="ja-JP" altLang="en-US"/>
+          </a:p>
+        </p:txBody>
+      </p:sp>
+    </p:spTree>
+    <p:extLst>
+      <p:ext uri="{BB962C8B-B14F-4D97-AF65-F5344CB8AC3E}">
+        <p14:creationId xmlns:p14="http://schemas.microsoft.com/office/powerpoint/2010/main" val="2161028640"/>
+      </p:ext>
+    </p:extLst>
+  </p:cSld>
+  <p:clrMapOvr>
+    <a:masterClrMapping/>
+  </p:clrMapOvr>
+</p:notes>
+</file>
+
+<file path=ppt/notesSlides/notesSlide8.xml><?xml version="1.0" encoding="utf-8"?>
+<p:notes xmlns:a="http://schemas.openxmlformats.org/drawingml/2006/main" xmlns:r="http://schemas.openxmlformats.org/officeDocument/2006/relationships" xmlns:p="http://schemas.openxmlformats.org/presentationml/2006/main">
+  <p:cSld>
+    <p:spTree>
+      <p:nvGrpSpPr>
+        <p:cNvPr id="1" name="">
+          <a:extLst>
+            <a:ext uri="{FF2B5EF4-FFF2-40B4-BE49-F238E27FC236}">
+              <a16:creationId xmlns:a16="http://schemas.microsoft.com/office/drawing/2014/main" id="{21C17E0C-0430-AE46-5AC5-67DDC22111E4}"/>
+            </a:ext>
+          </a:extLst>
+        </p:cNvPr>
+        <p:cNvGrpSpPr/>
+        <p:nvPr/>
+      </p:nvGrpSpPr>
+      <p:grpSpPr>
+        <a:xfrm>
+          <a:off x="0" y="0"/>
+          <a:ext cx="0" cy="0"/>
+          <a:chOff x="0" y="0"/>
+          <a:chExt cx="0" cy="0"/>
+        </a:xfrm>
+      </p:grpSpPr>
+      <p:sp>
+        <p:nvSpPr>
+          <p:cNvPr id="2" name="スライド イメージ プレースホルダー 1">
+            <a:extLst>
+              <a:ext uri="{FF2B5EF4-FFF2-40B4-BE49-F238E27FC236}">
+                <a16:creationId xmlns:a16="http://schemas.microsoft.com/office/drawing/2014/main" id="{C9580598-1FB7-A3DA-A1F8-B2DF664766CE}"/>
+              </a:ext>
+            </a:extLst>
+          </p:cNvPr>
+          <p:cNvSpPr>
+            <a:spLocks noGrp="1" noRot="1" noChangeAspect="1"/>
+          </p:cNvSpPr>
+          <p:nvPr>
+            <p:ph type="sldImg"/>
+          </p:nvPr>
+        </p:nvSpPr>
+        <p:spPr/>
+      </p:sp>
+      <p:sp>
+        <p:nvSpPr>
+          <p:cNvPr id="3" name="ノート プレースホルダー 2">
+            <a:extLst>
+              <a:ext uri="{FF2B5EF4-FFF2-40B4-BE49-F238E27FC236}">
+                <a16:creationId xmlns:a16="http://schemas.microsoft.com/office/drawing/2014/main" id="{B3A8E175-1BC7-E12F-7D04-CDBF951324D1}"/>
+              </a:ext>
+            </a:extLst>
+          </p:cNvPr>
+          <p:cNvSpPr>
+            <a:spLocks noGrp="1"/>
+          </p:cNvSpPr>
+          <p:nvPr>
+            <p:ph type="body" idx="1"/>
+          </p:nvPr>
+        </p:nvSpPr>
+        <p:spPr/>
+        <p:txBody>
+          <a:bodyPr/>
+          <a:lstStyle/>
+          <a:p>
+            <a:endParaRPr lang="en-US" altLang="ja-JP" b="1" dirty="0">
+              <a:effectLst/>
+            </a:endParaRPr>
+          </a:p>
+          <a:p>
+            <a:r>
+              <a:rPr lang="ja-JP" altLang="en-US" b="1">
+                <a:effectLst/>
+              </a:rPr>
+              <a:t>＝＝＝＝＝</a:t>
+            </a:r>
+            <a:br>
+              <a:rPr lang="en-US" altLang="ja-JP" b="1" dirty="0">
+                <a:effectLst/>
+              </a:rPr>
+            </a:br>
+            <a:r>
+              <a:rPr lang="ja-JP" altLang="en-US" b="1">
+                <a:effectLst/>
+              </a:rPr>
+              <a:t>🎯 グループ権限（</a:t>
+            </a:r>
+            <a:r>
+              <a:rPr lang="en-US" altLang="ja-JP" b="1" dirty="0" err="1">
+                <a:effectLst/>
+              </a:rPr>
+              <a:t>accounts_user_groups</a:t>
+            </a:r>
+            <a:r>
+              <a:rPr lang="ja-JP" altLang="en-US" b="1">
+                <a:effectLst/>
+              </a:rPr>
+              <a:t>）</a:t>
+            </a:r>
+          </a:p>
+          <a:p>
+            <a:r>
+              <a:rPr lang="ja-JP" altLang="en-US" b="1">
+                <a:effectLst/>
+              </a:rPr>
+              <a:t>役職・立場ベース</a:t>
+            </a:r>
+            <a:r>
+              <a:rPr lang="ja-JP" altLang="en-US">
+                <a:effectLst/>
+              </a:rPr>
+              <a:t>の権限</a:t>
+            </a:r>
+          </a:p>
+          <a:p>
+            <a:r>
+              <a:rPr lang="ja-JP" altLang="en-US">
+                <a:effectLst/>
+              </a:rPr>
+              <a:t>複数人が同じ権限セットを持つ場合</a:t>
+            </a:r>
+          </a:p>
+          <a:p>
+            <a:r>
+              <a:rPr lang="ja-JP" altLang="en-US">
+                <a:effectLst/>
+              </a:rPr>
+              <a:t>権限変更時は</a:t>
+            </a:r>
+            <a:r>
+              <a:rPr lang="ja-JP" altLang="en-US" b="1">
+                <a:effectLst/>
+              </a:rPr>
+              <a:t>グループを修正するだけ</a:t>
+            </a:r>
+            <a:r>
+              <a:rPr lang="ja-JP" altLang="en-US">
+                <a:effectLst/>
+              </a:rPr>
+              <a:t>で全員に反映</a:t>
+            </a:r>
+          </a:p>
+          <a:p>
+            <a:r>
+              <a:rPr lang="ja-JP" altLang="en-US" b="1">
+                <a:effectLst/>
+              </a:rPr>
+              <a:t>例：</a:t>
+            </a:r>
+            <a:r>
+              <a:rPr lang="ja-JP" altLang="en-US">
+                <a:effectLst/>
+              </a:rPr>
+              <a:t>管理者グループ </a:t>
+            </a:r>
+            <a:r>
+              <a:rPr lang="en-US" altLang="ja-JP" dirty="0">
+                <a:effectLst/>
+              </a:rPr>
+              <a:t>- </a:t>
+            </a:r>
+            <a:r>
+              <a:rPr lang="ja-JP" altLang="en-US">
+                <a:effectLst/>
+              </a:rPr>
+              <a:t>システム全体の管理</a:t>
+            </a:r>
+          </a:p>
+          <a:p>
+            <a:r>
+              <a:rPr lang="ja-JP" altLang="en-US">
+                <a:effectLst/>
+              </a:rPr>
+              <a:t>分析者グループ </a:t>
+            </a:r>
+            <a:r>
+              <a:rPr lang="en-US" altLang="ja-JP" dirty="0">
+                <a:effectLst/>
+              </a:rPr>
+              <a:t>- </a:t>
+            </a:r>
+            <a:r>
+              <a:rPr lang="ja-JP" altLang="en-US">
+                <a:effectLst/>
+              </a:rPr>
+              <a:t>データ分析機能のみ</a:t>
+            </a:r>
+          </a:p>
+          <a:p>
+            <a:r>
+              <a:rPr lang="ja-JP" altLang="en-US">
+                <a:effectLst/>
+              </a:rPr>
+              <a:t>一般ユーザーグループ </a:t>
+            </a:r>
+            <a:r>
+              <a:rPr lang="en-US" altLang="ja-JP" dirty="0">
+                <a:effectLst/>
+              </a:rPr>
+              <a:t>- </a:t>
+            </a:r>
+            <a:r>
+              <a:rPr lang="ja-JP" altLang="en-US">
+                <a:effectLst/>
+              </a:rPr>
+              <a:t>基本機能のみ</a:t>
+            </a:r>
+            <a:endParaRPr lang="en-US" altLang="ja-JP" dirty="0">
+              <a:effectLst/>
+            </a:endParaRPr>
+          </a:p>
+          <a:p>
+            <a:endParaRPr lang="ja-JP" altLang="en-US">
+              <a:effectLst/>
+            </a:endParaRPr>
+          </a:p>
+          <a:p>
+            <a:r>
+              <a:rPr lang="ja-JP" altLang="en-US" b="1">
+                <a:effectLst/>
+              </a:rPr>
+              <a:t>🎯 個人権限（</a:t>
+            </a:r>
+            <a:r>
+              <a:rPr lang="en-US" altLang="ja-JP" b="1" dirty="0" err="1">
+                <a:effectLst/>
+              </a:rPr>
+              <a:t>accounts_user_user_permissions</a:t>
+            </a:r>
+            <a:r>
+              <a:rPr lang="ja-JP" altLang="en-US" b="1">
+                <a:effectLst/>
+              </a:rPr>
+              <a:t>）</a:t>
+            </a:r>
+          </a:p>
+          <a:p>
+            <a:r>
+              <a:rPr lang="ja-JP" altLang="en-US" b="1">
+                <a:effectLst/>
+              </a:rPr>
+              <a:t>例外的・特別な権限</a:t>
+            </a:r>
+            <a:endParaRPr lang="ja-JP" altLang="en-US">
+              <a:effectLst/>
+            </a:endParaRPr>
+          </a:p>
+          <a:p>
+            <a:r>
+              <a:rPr lang="ja-JP" altLang="en-US">
+                <a:effectLst/>
+              </a:rPr>
+              <a:t>その人だけに特別に付与したい場合</a:t>
+            </a:r>
+          </a:p>
+          <a:p>
+            <a:r>
+              <a:rPr lang="ja-JP" altLang="en-US">
+                <a:effectLst/>
+              </a:rPr>
+              <a:t>一時的な権限付与</a:t>
+            </a:r>
+          </a:p>
+          <a:p>
+            <a:r>
+              <a:rPr lang="ja-JP" altLang="en-US" b="1">
+                <a:effectLst/>
+              </a:rPr>
+              <a:t>例：</a:t>
+            </a:r>
+            <a:r>
+              <a:rPr lang="ja-JP" altLang="en-US">
+                <a:effectLst/>
+              </a:rPr>
+              <a:t>テストユーザーのみ「ベータ機能使用権限」</a:t>
+            </a:r>
+          </a:p>
+          <a:p>
+            <a:r>
+              <a:rPr lang="ja-JP" altLang="en-US">
+                <a:effectLst/>
+              </a:rPr>
+              <a:t>特定の研究者のみ「生データエクスポート権限」</a:t>
+            </a:r>
+          </a:p>
+          <a:p>
+            <a:r>
+              <a:rPr lang="ja-JP" altLang="en-US">
+                <a:effectLst/>
+              </a:rPr>
+              <a:t>期間限定で「外部連携</a:t>
+            </a:r>
+            <a:r>
+              <a:rPr lang="en-US" altLang="ja-JP" dirty="0">
+                <a:effectLst/>
+              </a:rPr>
+              <a:t>API</a:t>
+            </a:r>
+            <a:r>
+              <a:rPr lang="ja-JP" altLang="en-US">
+                <a:effectLst/>
+              </a:rPr>
+              <a:t>使用権限」</a:t>
+            </a:r>
+          </a:p>
+        </p:txBody>
+      </p:sp>
+      <p:sp>
+        <p:nvSpPr>
+          <p:cNvPr id="4" name="スライド番号プレースホルダー 3">
+            <a:extLst>
+              <a:ext uri="{FF2B5EF4-FFF2-40B4-BE49-F238E27FC236}">
+                <a16:creationId xmlns:a16="http://schemas.microsoft.com/office/drawing/2014/main" id="{EBFD7F7D-0F22-5951-F2CE-3215D047481A}"/>
+              </a:ext>
+            </a:extLst>
+          </p:cNvPr>
+          <p:cNvSpPr>
+            <a:spLocks noGrp="1"/>
+          </p:cNvSpPr>
+          <p:nvPr>
+            <p:ph type="sldNum" sz="quarter" idx="5"/>
+          </p:nvPr>
+        </p:nvSpPr>
+        <p:spPr/>
+        <p:txBody>
+          <a:bodyPr/>
+          <a:lstStyle/>
+          <a:p>
+            <a:fld id="{423E85BE-9FAD-764D-B84A-7C70829A20A9}" type="slidenum">
+              <a:rPr kumimoji="1" lang="ja-JP" altLang="en-US" smtClean="0"/>
+              <a:t>9</a:t>
+            </a:fld>
+            <a:endParaRPr kumimoji="1" lang="ja-JP" altLang="en-US"/>
+          </a:p>
+        </p:txBody>
+      </p:sp>
+    </p:spTree>
+    <p:extLst>
+      <p:ext uri="{BB962C8B-B14F-4D97-AF65-F5344CB8AC3E}">
+        <p14:creationId xmlns:p14="http://schemas.microsoft.com/office/powerpoint/2010/main" val="4002651721"/>
+      </p:ext>
+    </p:extLst>
+  </p:cSld>
+  <p:clrMapOvr>
+    <a:masterClrMapping/>
+  </p:clrMapOvr>
+</p:notes>
+</file>
+
+<file path=ppt/notesSlides/notesSlide9.xml><?xml version="1.0" encoding="utf-8"?>
+<p:notes xmlns:a="http://schemas.openxmlformats.org/drawingml/2006/main" xmlns:r="http://schemas.openxmlformats.org/officeDocument/2006/relationships" xmlns:p="http://schemas.openxmlformats.org/presentationml/2006/main">
+  <p:cSld>
+    <p:spTree>
+      <p:nvGrpSpPr>
         <p:cNvPr id="1" name=""/>
         <p:cNvGrpSpPr/>
         <p:nvPr/>
@@ -7154,7 +7848,7 @@
           <a:p>
             <a:fld id="{423E85BE-9FAD-764D-B84A-7C70829A20A9}" type="slidenum">
               <a:rPr kumimoji="1" lang="ja-JP" altLang="en-US" smtClean="0"/>
-              <a:t>8</a:t>
+              <a:t>10</a:t>
             </a:fld>
             <a:endParaRPr kumimoji="1" lang="ja-JP" altLang="en-US"/>
           </a:p>
@@ -10381,7 +11075,7 @@
                 <a:cs typeface="Noto Sans JP Heavy"/>
                 <a:sym typeface="Noto Sans JP Heavy"/>
               </a:rPr>
-              <a:t>07/11進捗報告</a:t>
+              <a:t>2025/07/11進捗報告</a:t>
             </a:r>
           </a:p>
           <a:p>
@@ -10635,6 +11329,1773 @@
         </p:txBody>
       </p:sp>
     </p:spTree>
+  </p:cSld>
+  <p:clrMapOvr>
+    <a:masterClrMapping/>
+  </p:clrMapOvr>
+</p:sld>
+</file>
+
+<file path=ppt/slides/slide10.xml><?xml version="1.0" encoding="utf-8"?>
+<p:sld xmlns:a="http://schemas.openxmlformats.org/drawingml/2006/main" xmlns:r="http://schemas.openxmlformats.org/officeDocument/2006/relationships" xmlns:p="http://schemas.openxmlformats.org/presentationml/2006/main" show="0">
+  <p:cSld>
+    <p:spTree>
+      <p:nvGrpSpPr>
+        <p:cNvPr id="1" name="">
+          <a:extLst>
+            <a:ext uri="{FF2B5EF4-FFF2-40B4-BE49-F238E27FC236}">
+              <a16:creationId xmlns:a16="http://schemas.microsoft.com/office/drawing/2014/main" id="{B5C3BDE5-03A8-6C95-D679-D2A538C136E8}"/>
+            </a:ext>
+          </a:extLst>
+        </p:cNvPr>
+        <p:cNvGrpSpPr/>
+        <p:nvPr/>
+      </p:nvGrpSpPr>
+      <p:grpSpPr>
+        <a:xfrm>
+          <a:off x="0" y="0"/>
+          <a:ext cx="0" cy="0"/>
+          <a:chOff x="0" y="0"/>
+          <a:chExt cx="0" cy="0"/>
+        </a:xfrm>
+      </p:grpSpPr>
+      <p:sp>
+        <p:nvSpPr>
+          <p:cNvPr id="2" name="AutoShape 2">
+            <a:extLst>
+              <a:ext uri="{FF2B5EF4-FFF2-40B4-BE49-F238E27FC236}">
+                <a16:creationId xmlns:a16="http://schemas.microsoft.com/office/drawing/2014/main" id="{B49E2E48-AF92-216A-1002-DEA3E5A9E681}"/>
+              </a:ext>
+            </a:extLst>
+          </p:cNvPr>
+          <p:cNvSpPr/>
+          <p:nvPr/>
+        </p:nvSpPr>
+        <p:spPr>
+          <a:xfrm>
+            <a:off x="857250" y="2361305"/>
+            <a:ext cx="16573500" cy="0"/>
+          </a:xfrm>
+          <a:prstGeom prst="line">
+            <a:avLst/>
+          </a:prstGeom>
+          <a:ln w="19050" cap="flat">
+            <a:solidFill>
+              <a:srgbClr val="1B1B1B"/>
+            </a:solidFill>
+            <a:prstDash val="solid"/>
+            <a:headEnd type="none" w="sm" len="sm"/>
+            <a:tailEnd type="none" w="sm" len="sm"/>
+          </a:ln>
+        </p:spPr>
+        <p:txBody>
+          <a:bodyPr/>
+          <a:lstStyle/>
+          <a:p>
+            <a:endParaRPr lang="ja-JP" altLang="en-US">
+              <a:latin typeface="Yu Gothic" panose="020B0400000000000000" pitchFamily="34" charset="-128"/>
+              <a:ea typeface="Yu Gothic" panose="020B0400000000000000" pitchFamily="34" charset="-128"/>
+            </a:endParaRPr>
+          </a:p>
+        </p:txBody>
+      </p:sp>
+      <p:sp>
+        <p:nvSpPr>
+          <p:cNvPr id="3" name="AutoShape 3">
+            <a:extLst>
+              <a:ext uri="{FF2B5EF4-FFF2-40B4-BE49-F238E27FC236}">
+                <a16:creationId xmlns:a16="http://schemas.microsoft.com/office/drawing/2014/main" id="{D7447D6A-BFDC-3745-CF2C-34904286CA5D}"/>
+              </a:ext>
+            </a:extLst>
+          </p:cNvPr>
+          <p:cNvSpPr/>
+          <p:nvPr/>
+        </p:nvSpPr>
+        <p:spPr>
+          <a:xfrm>
+            <a:off x="857250" y="1047750"/>
+            <a:ext cx="16573459" cy="0"/>
+          </a:xfrm>
+          <a:prstGeom prst="line">
+            <a:avLst/>
+          </a:prstGeom>
+          <a:ln w="19050" cap="flat">
+            <a:solidFill>
+              <a:srgbClr val="1B1B1B"/>
+            </a:solidFill>
+            <a:prstDash val="solid"/>
+            <a:headEnd type="none" w="sm" len="sm"/>
+            <a:tailEnd type="none" w="sm" len="sm"/>
+          </a:ln>
+        </p:spPr>
+        <p:txBody>
+          <a:bodyPr/>
+          <a:lstStyle/>
+          <a:p>
+            <a:endParaRPr lang="ja-JP" altLang="en-US">
+              <a:latin typeface="Yu Gothic" panose="020B0400000000000000" pitchFamily="34" charset="-128"/>
+              <a:ea typeface="Yu Gothic" panose="020B0400000000000000" pitchFamily="34" charset="-128"/>
+            </a:endParaRPr>
+          </a:p>
+        </p:txBody>
+      </p:sp>
+      <p:sp>
+        <p:nvSpPr>
+          <p:cNvPr id="4" name="AutoShape 4">
+            <a:extLst>
+              <a:ext uri="{FF2B5EF4-FFF2-40B4-BE49-F238E27FC236}">
+                <a16:creationId xmlns:a16="http://schemas.microsoft.com/office/drawing/2014/main" id="{C4C651D9-1EE6-1C7D-2CC7-882C9FB9CCDC}"/>
+              </a:ext>
+            </a:extLst>
+          </p:cNvPr>
+          <p:cNvSpPr/>
+          <p:nvPr/>
+        </p:nvSpPr>
+        <p:spPr>
+          <a:xfrm flipV="1">
+            <a:off x="856856" y="904405"/>
+            <a:ext cx="16574288" cy="0"/>
+          </a:xfrm>
+          <a:prstGeom prst="line">
+            <a:avLst/>
+          </a:prstGeom>
+          <a:ln w="57150" cap="flat">
+            <a:solidFill>
+              <a:srgbClr val="1B1B1B"/>
+            </a:solidFill>
+            <a:prstDash val="solid"/>
+            <a:headEnd type="none" w="sm" len="sm"/>
+            <a:tailEnd type="none" w="sm" len="sm"/>
+          </a:ln>
+        </p:spPr>
+        <p:txBody>
+          <a:bodyPr/>
+          <a:lstStyle/>
+          <a:p>
+            <a:endParaRPr lang="ja-JP" altLang="en-US">
+              <a:latin typeface="Yu Gothic" panose="020B0400000000000000" pitchFamily="34" charset="-128"/>
+              <a:ea typeface="Yu Gothic" panose="020B0400000000000000" pitchFamily="34" charset="-128"/>
+            </a:endParaRPr>
+          </a:p>
+        </p:txBody>
+      </p:sp>
+      <p:sp>
+        <p:nvSpPr>
+          <p:cNvPr id="5" name="AutoShape 5">
+            <a:extLst>
+              <a:ext uri="{FF2B5EF4-FFF2-40B4-BE49-F238E27FC236}">
+                <a16:creationId xmlns:a16="http://schemas.microsoft.com/office/drawing/2014/main" id="{BA204C76-E99B-5105-57AD-276FBC2E2BA9}"/>
+              </a:ext>
+            </a:extLst>
+          </p:cNvPr>
+          <p:cNvSpPr/>
+          <p:nvPr/>
+        </p:nvSpPr>
+        <p:spPr>
+          <a:xfrm>
+            <a:off x="857250" y="9382595"/>
+            <a:ext cx="16573500" cy="0"/>
+          </a:xfrm>
+          <a:prstGeom prst="line">
+            <a:avLst/>
+          </a:prstGeom>
+          <a:ln w="57150" cap="flat">
+            <a:solidFill>
+              <a:srgbClr val="1B1B1B"/>
+            </a:solidFill>
+            <a:prstDash val="solid"/>
+            <a:headEnd type="none" w="sm" len="sm"/>
+            <a:tailEnd type="none" w="sm" len="sm"/>
+          </a:ln>
+        </p:spPr>
+        <p:txBody>
+          <a:bodyPr/>
+          <a:lstStyle/>
+          <a:p>
+            <a:endParaRPr lang="ja-JP" altLang="en-US">
+              <a:latin typeface="Yu Gothic" panose="020B0400000000000000" pitchFamily="34" charset="-128"/>
+              <a:ea typeface="Yu Gothic" panose="020B0400000000000000" pitchFamily="34" charset="-128"/>
+            </a:endParaRPr>
+          </a:p>
+        </p:txBody>
+      </p:sp>
+      <p:sp>
+        <p:nvSpPr>
+          <p:cNvPr id="6" name="AutoShape 6">
+            <a:extLst>
+              <a:ext uri="{FF2B5EF4-FFF2-40B4-BE49-F238E27FC236}">
+                <a16:creationId xmlns:a16="http://schemas.microsoft.com/office/drawing/2014/main" id="{8E0B9951-ED97-3CC3-AB3F-A74BEF52AFF0}"/>
+              </a:ext>
+            </a:extLst>
+          </p:cNvPr>
+          <p:cNvSpPr/>
+          <p:nvPr/>
+        </p:nvSpPr>
+        <p:spPr>
+          <a:xfrm>
+            <a:off x="857250" y="9239250"/>
+            <a:ext cx="16573500" cy="0"/>
+          </a:xfrm>
+          <a:prstGeom prst="line">
+            <a:avLst/>
+          </a:prstGeom>
+          <a:ln w="19050" cap="flat">
+            <a:solidFill>
+              <a:srgbClr val="1B1B1B"/>
+            </a:solidFill>
+            <a:prstDash val="solid"/>
+            <a:headEnd type="none" w="sm" len="sm"/>
+            <a:tailEnd type="none" w="sm" len="sm"/>
+          </a:ln>
+        </p:spPr>
+        <p:txBody>
+          <a:bodyPr/>
+          <a:lstStyle/>
+          <a:p>
+            <a:endParaRPr lang="ja-JP" altLang="en-US">
+              <a:latin typeface="Yu Gothic" panose="020B0400000000000000" pitchFamily="34" charset="-128"/>
+              <a:ea typeface="Yu Gothic" panose="020B0400000000000000" pitchFamily="34" charset="-128"/>
+            </a:endParaRPr>
+          </a:p>
+        </p:txBody>
+      </p:sp>
+      <p:grpSp>
+        <p:nvGrpSpPr>
+          <p:cNvPr id="7" name="Group 7">
+            <a:extLst>
+              <a:ext uri="{FF2B5EF4-FFF2-40B4-BE49-F238E27FC236}">
+                <a16:creationId xmlns:a16="http://schemas.microsoft.com/office/drawing/2014/main" id="{EFA54D60-D1DF-C503-E758-A1725B7F1E9D}"/>
+              </a:ext>
+            </a:extLst>
+          </p:cNvPr>
+          <p:cNvGrpSpPr/>
+          <p:nvPr/>
+        </p:nvGrpSpPr>
+        <p:grpSpPr>
+          <a:xfrm>
+            <a:off x="1282599" y="650625"/>
+            <a:ext cx="1213487" cy="1720205"/>
+            <a:chOff x="0" y="0"/>
+            <a:chExt cx="319601" cy="453058"/>
+          </a:xfrm>
+        </p:grpSpPr>
+        <p:sp>
+          <p:nvSpPr>
+            <p:cNvPr id="8" name="Freeform 8">
+              <a:extLst>
+                <a:ext uri="{FF2B5EF4-FFF2-40B4-BE49-F238E27FC236}">
+                  <a16:creationId xmlns:a16="http://schemas.microsoft.com/office/drawing/2014/main" id="{FE72C7E5-654D-DF39-59DB-24874AF2E09F}"/>
+                </a:ext>
+              </a:extLst>
+            </p:cNvPr>
+            <p:cNvSpPr/>
+            <p:nvPr/>
+          </p:nvSpPr>
+          <p:spPr>
+            <a:xfrm>
+              <a:off x="0" y="0"/>
+              <a:ext cx="319601" cy="453058"/>
+            </a:xfrm>
+            <a:custGeom>
+              <a:avLst/>
+              <a:gdLst/>
+              <a:ahLst/>
+              <a:cxnLst/>
+              <a:rect l="l" t="t" r="r" b="b"/>
+              <a:pathLst>
+                <a:path w="319601" h="453058">
+                  <a:moveTo>
+                    <a:pt x="0" y="0"/>
+                  </a:moveTo>
+                  <a:lnTo>
+                    <a:pt x="319601" y="0"/>
+                  </a:lnTo>
+                  <a:lnTo>
+                    <a:pt x="319601" y="453058"/>
+                  </a:lnTo>
+                  <a:lnTo>
+                    <a:pt x="0" y="453058"/>
+                  </a:lnTo>
+                  <a:close/>
+                </a:path>
+              </a:pathLst>
+            </a:custGeom>
+            <a:solidFill>
+              <a:srgbClr val="1B1B1B"/>
+            </a:solidFill>
+          </p:spPr>
+          <p:txBody>
+            <a:bodyPr/>
+            <a:lstStyle/>
+            <a:p>
+              <a:endParaRPr lang="ja-JP" altLang="en-US">
+                <a:latin typeface="Yu Gothic" panose="020B0400000000000000" pitchFamily="34" charset="-128"/>
+                <a:ea typeface="Yu Gothic" panose="020B0400000000000000" pitchFamily="34" charset="-128"/>
+              </a:endParaRPr>
+            </a:p>
+          </p:txBody>
+        </p:sp>
+        <p:sp>
+          <p:nvSpPr>
+            <p:cNvPr id="9" name="TextBox 9">
+              <a:extLst>
+                <a:ext uri="{FF2B5EF4-FFF2-40B4-BE49-F238E27FC236}">
+                  <a16:creationId xmlns:a16="http://schemas.microsoft.com/office/drawing/2014/main" id="{69194DF2-DB27-739C-6E37-96485FF3B90B}"/>
+                </a:ext>
+              </a:extLst>
+            </p:cNvPr>
+            <p:cNvSpPr txBox="1"/>
+            <p:nvPr/>
+          </p:nvSpPr>
+          <p:spPr>
+            <a:xfrm>
+              <a:off x="0" y="-47625"/>
+              <a:ext cx="319601" cy="500683"/>
+            </a:xfrm>
+            <a:prstGeom prst="rect">
+              <a:avLst/>
+            </a:prstGeom>
+          </p:spPr>
+          <p:txBody>
+            <a:bodyPr lIns="50800" tIns="50800" rIns="50800" bIns="50800" rtlCol="0" anchor="ctr"/>
+            <a:lstStyle/>
+            <a:p>
+              <a:pPr algn="ctr">
+                <a:lnSpc>
+                  <a:spcPts val="3359"/>
+                </a:lnSpc>
+              </a:pPr>
+              <a:endParaRPr>
+                <a:latin typeface="Yu Gothic" panose="020B0400000000000000" pitchFamily="34" charset="-128"/>
+                <a:ea typeface="Yu Gothic" panose="020B0400000000000000" pitchFamily="34" charset="-128"/>
+              </a:endParaRPr>
+            </a:p>
+          </p:txBody>
+        </p:sp>
+      </p:grpSp>
+      <p:sp>
+        <p:nvSpPr>
+          <p:cNvPr id="12" name="TextBox 12">
+            <a:extLst>
+              <a:ext uri="{FF2B5EF4-FFF2-40B4-BE49-F238E27FC236}">
+                <a16:creationId xmlns:a16="http://schemas.microsoft.com/office/drawing/2014/main" id="{79381A37-1F11-39F9-EF48-75AAA5BA2057}"/>
+              </a:ext>
+            </a:extLst>
+          </p:cNvPr>
+          <p:cNvSpPr txBox="1"/>
+          <p:nvPr/>
+        </p:nvSpPr>
+        <p:spPr>
+          <a:xfrm>
+            <a:off x="2949343" y="1371153"/>
+            <a:ext cx="14309957" cy="596317"/>
+          </a:xfrm>
+          <a:prstGeom prst="rect">
+            <a:avLst/>
+          </a:prstGeom>
+        </p:spPr>
+        <p:txBody>
+          <a:bodyPr lIns="0" tIns="0" rIns="0" bIns="0" rtlCol="0" anchor="t">
+            <a:spAutoFit/>
+          </a:bodyPr>
+          <a:lstStyle/>
+          <a:p>
+            <a:pPr algn="l">
+              <a:lnSpc>
+                <a:spcPts val="4900"/>
+              </a:lnSpc>
+            </a:pPr>
+            <a:r>
+              <a:rPr lang="en-US" sz="3500" b="1" spc="175" dirty="0" err="1">
+                <a:solidFill>
+                  <a:srgbClr val="1B1B1B"/>
+                </a:solidFill>
+                <a:latin typeface="Yu Gothic" panose="020B0400000000000000" pitchFamily="34" charset="-128"/>
+                <a:ea typeface="Yu Gothic" panose="020B0400000000000000" pitchFamily="34" charset="-128"/>
+                <a:cs typeface="Noto Sans JP Heavy"/>
+                <a:sym typeface="Noto Sans JP Heavy"/>
+              </a:rPr>
+              <a:t>今後実装する部分</a:t>
+            </a:r>
+            <a:r>
+              <a:rPr lang="ja-JP" altLang="en-US" sz="3500" b="1" spc="175">
+                <a:solidFill>
+                  <a:srgbClr val="1B1B1B"/>
+                </a:solidFill>
+                <a:latin typeface="Yu Gothic" panose="020B0400000000000000" pitchFamily="34" charset="-128"/>
+                <a:ea typeface="Yu Gothic" panose="020B0400000000000000" pitchFamily="34" charset="-128"/>
+                <a:cs typeface="Noto Sans JP Heavy"/>
+                <a:sym typeface="Noto Sans JP Heavy"/>
+              </a:rPr>
+              <a:t>　</a:t>
+            </a:r>
+            <a:r>
+              <a:rPr lang="en-US" sz="3500" b="1" spc="175" dirty="0" err="1">
+                <a:solidFill>
+                  <a:srgbClr val="1B1B1B"/>
+                </a:solidFill>
+                <a:latin typeface="Yu Gothic" panose="020B0400000000000000" pitchFamily="34" charset="-128"/>
+                <a:ea typeface="Yu Gothic" panose="020B0400000000000000" pitchFamily="34" charset="-128"/>
+                <a:cs typeface="Noto Sans JP Heavy"/>
+                <a:sym typeface="Noto Sans JP Heavy"/>
+              </a:rPr>
+              <a:t>データ管理</a:t>
+            </a:r>
+            <a:endParaRPr lang="en-US" sz="3500" b="1" spc="175" dirty="0">
+              <a:solidFill>
+                <a:srgbClr val="1B1B1B"/>
+              </a:solidFill>
+              <a:latin typeface="Yu Gothic" panose="020B0400000000000000" pitchFamily="34" charset="-128"/>
+              <a:ea typeface="Yu Gothic" panose="020B0400000000000000" pitchFamily="34" charset="-128"/>
+              <a:cs typeface="Noto Sans JP Heavy"/>
+              <a:sym typeface="Noto Sans JP Heavy"/>
+            </a:endParaRPr>
+          </a:p>
+        </p:txBody>
+      </p:sp>
+      <p:sp>
+        <p:nvSpPr>
+          <p:cNvPr id="13" name="TextBox 13">
+            <a:extLst>
+              <a:ext uri="{FF2B5EF4-FFF2-40B4-BE49-F238E27FC236}">
+                <a16:creationId xmlns:a16="http://schemas.microsoft.com/office/drawing/2014/main" id="{4064EC89-5EA3-CF77-5FE7-3A3D5E46BF75}"/>
+              </a:ext>
+            </a:extLst>
+          </p:cNvPr>
+          <p:cNvSpPr txBox="1"/>
+          <p:nvPr/>
+        </p:nvSpPr>
+        <p:spPr>
+          <a:xfrm>
+            <a:off x="1461953" y="1228278"/>
+            <a:ext cx="854779" cy="733425"/>
+          </a:xfrm>
+          <a:prstGeom prst="rect">
+            <a:avLst/>
+          </a:prstGeom>
+        </p:spPr>
+        <p:txBody>
+          <a:bodyPr lIns="0" tIns="0" rIns="0" bIns="0" rtlCol="0" anchor="t">
+            <a:spAutoFit/>
+          </a:bodyPr>
+          <a:lstStyle/>
+          <a:p>
+            <a:pPr marL="0" lvl="0" indent="0" algn="ctr">
+              <a:lnSpc>
+                <a:spcPts val="6300"/>
+              </a:lnSpc>
+              <a:spcBef>
+                <a:spcPct val="0"/>
+              </a:spcBef>
+            </a:pPr>
+            <a:r>
+              <a:rPr lang="en-US" sz="3500" b="1" u="none" strike="noStrike" dirty="0">
+                <a:solidFill>
+                  <a:srgbClr val="FAFAFA"/>
+                </a:solidFill>
+                <a:latin typeface="Yu Gothic" panose="020B0400000000000000" pitchFamily="34" charset="-128"/>
+                <a:ea typeface="Yu Gothic" panose="020B0400000000000000" pitchFamily="34" charset="-128"/>
+                <a:cs typeface="Open Sans Bold"/>
+                <a:sym typeface="Open Sans Bold"/>
+              </a:rPr>
+              <a:t>02</a:t>
+            </a:r>
+          </a:p>
+        </p:txBody>
+      </p:sp>
+      <p:graphicFrame>
+        <p:nvGraphicFramePr>
+          <p:cNvPr id="10" name="表 9">
+            <a:extLst>
+              <a:ext uri="{FF2B5EF4-FFF2-40B4-BE49-F238E27FC236}">
+                <a16:creationId xmlns:a16="http://schemas.microsoft.com/office/drawing/2014/main" id="{449E536C-E48E-DABD-3BE9-1BA02607793D}"/>
+              </a:ext>
+            </a:extLst>
+          </p:cNvPr>
+          <p:cNvGraphicFramePr>
+            <a:graphicFrameLocks noGrp="1"/>
+          </p:cNvGraphicFramePr>
+          <p:nvPr>
+            <p:extLst>
+              <p:ext uri="{D42A27DB-BD31-4B8C-83A1-F6EECF244321}">
+                <p14:modId xmlns:p14="http://schemas.microsoft.com/office/powerpoint/2010/main" val="1540402065"/>
+              </p:ext>
+            </p:extLst>
+          </p:nvPr>
+        </p:nvGraphicFramePr>
+        <p:xfrm>
+          <a:off x="7772400" y="2694232"/>
+          <a:ext cx="9066992" cy="2748984"/>
+        </p:xfrm>
+        <a:graphic>
+          <a:graphicData uri="http://schemas.openxmlformats.org/drawingml/2006/table">
+            <a:tbl>
+              <a:tblPr firstRow="1" bandRow="1">
+                <a:tableStyleId>{0505E3EF-67EA-436B-97B2-0124C06EBD24}</a:tableStyleId>
+              </a:tblPr>
+              <a:tblGrid>
+                <a:gridCol w="2040073">
+                  <a:extLst>
+                    <a:ext uri="{9D8B030D-6E8A-4147-A177-3AD203B41FA5}">
+                      <a16:colId xmlns:a16="http://schemas.microsoft.com/office/drawing/2014/main" val="151083142"/>
+                    </a:ext>
+                  </a:extLst>
+                </a:gridCol>
+                <a:gridCol w="7026919">
+                  <a:extLst>
+                    <a:ext uri="{9D8B030D-6E8A-4147-A177-3AD203B41FA5}">
+                      <a16:colId xmlns:a16="http://schemas.microsoft.com/office/drawing/2014/main" val="3451232418"/>
+                    </a:ext>
+                  </a:extLst>
+                </a:gridCol>
+              </a:tblGrid>
+              <a:tr h="1374492">
+                <a:tc>
+                  <a:txBody>
+                    <a:bodyPr/>
+                    <a:lstStyle/>
+                    <a:p>
+                      <a:pPr algn="ctr"/>
+                      <a:r>
+                        <a:rPr kumimoji="1" lang="ja-JP" altLang="en-US" sz="2800" b="1">
+                          <a:latin typeface="Yu Gothic" panose="020B0400000000000000" pitchFamily="34" charset="-128"/>
+                          <a:ea typeface="Yu Gothic" panose="020B0400000000000000" pitchFamily="34" charset="-128"/>
+                        </a:rPr>
+                        <a:t>目的</a:t>
+                      </a:r>
+                    </a:p>
+                  </a:txBody>
+                  <a:tcPr anchor="ctr"/>
+                </a:tc>
+                <a:tc>
+                  <a:txBody>
+                    <a:bodyPr/>
+                    <a:lstStyle/>
+                    <a:p>
+                      <a:r>
+                        <a:rPr kumimoji="1" lang="ja-JP" altLang="en-US" sz="2800" b="0">
+                          <a:latin typeface="Yu Gothic" panose="020B0400000000000000" pitchFamily="34" charset="-128"/>
+                          <a:ea typeface="Yu Gothic" panose="020B0400000000000000" pitchFamily="34" charset="-128"/>
+                        </a:rPr>
+                        <a:t>興味関心，マッチングの分析結果を</a:t>
+                      </a:r>
+                      <a:endParaRPr kumimoji="1" lang="en-US" altLang="ja-JP" sz="2800" b="0" dirty="0">
+                        <a:latin typeface="Yu Gothic" panose="020B0400000000000000" pitchFamily="34" charset="-128"/>
+                        <a:ea typeface="Yu Gothic" panose="020B0400000000000000" pitchFamily="34" charset="-128"/>
+                      </a:endParaRPr>
+                    </a:p>
+                    <a:p>
+                      <a:pPr marL="0" marR="0" indent="0" algn="l" defTabSz="914400" rtl="0" eaLnBrk="1" fontAlgn="auto" latinLnBrk="0" hangingPunct="1">
+                        <a:lnSpc>
+                          <a:spcPct val="100000"/>
+                        </a:lnSpc>
+                        <a:spcBef>
+                          <a:spcPts val="0"/>
+                        </a:spcBef>
+                        <a:spcAft>
+                          <a:spcPts val="0"/>
+                        </a:spcAft>
+                        <a:buClrTx/>
+                        <a:buSzTx/>
+                        <a:buFontTx/>
+                        <a:buNone/>
+                        <a:tabLst/>
+                        <a:defRPr/>
+                      </a:pPr>
+                      <a:r>
+                        <a:rPr kumimoji="1" lang="en-US" altLang="ja-JP" sz="2800" b="1" dirty="0">
+                          <a:solidFill>
+                            <a:srgbClr val="C00000"/>
+                          </a:solidFill>
+                          <a:latin typeface="Yu Gothic" panose="020B0400000000000000" pitchFamily="34" charset="-128"/>
+                          <a:ea typeface="Yu Gothic" panose="020B0400000000000000" pitchFamily="34" charset="-128"/>
+                        </a:rPr>
+                        <a:t>SQLite</a:t>
+                      </a:r>
+                      <a:r>
+                        <a:rPr kumimoji="1" lang="ja-JP" altLang="en-US" sz="2800" b="1">
+                          <a:solidFill>
+                            <a:srgbClr val="C00000"/>
+                          </a:solidFill>
+                          <a:latin typeface="Yu Gothic" panose="020B0400000000000000" pitchFamily="34" charset="-128"/>
+                          <a:ea typeface="Yu Gothic" panose="020B0400000000000000" pitchFamily="34" charset="-128"/>
+                        </a:rPr>
+                        <a:t>に保存</a:t>
+                      </a:r>
+                      <a:r>
+                        <a:rPr kumimoji="1" lang="ja-JP" altLang="en-US" sz="2800" b="0" u="none" strike="noStrike" kern="1200" cap="none" spc="0" normalizeH="0" baseline="0" noProof="0">
+                          <a:ln>
+                            <a:noFill/>
+                          </a:ln>
+                          <a:solidFill>
+                            <a:prstClr val="black"/>
+                          </a:solidFill>
+                          <a:effectLst/>
+                          <a:uLnTx/>
+                          <a:uFillTx/>
+                          <a:latin typeface="Yu Gothic" panose="020B0400000000000000" pitchFamily="34" charset="-128"/>
+                          <a:ea typeface="Yu Gothic" panose="020B0400000000000000" pitchFamily="34" charset="-128"/>
+                        </a:rPr>
+                        <a:t>する</a:t>
+                      </a:r>
+                      <a:endParaRPr kumimoji="1" lang="en-US" altLang="ja-JP" sz="2800" b="0" kern="1200" dirty="0">
+                        <a:solidFill>
+                          <a:schemeClr val="dk1"/>
+                        </a:solidFill>
+                        <a:latin typeface="Yu Gothic" panose="020B0400000000000000" pitchFamily="34" charset="-128"/>
+                        <a:ea typeface="Yu Gothic" panose="020B0400000000000000" pitchFamily="34" charset="-128"/>
+                        <a:cs typeface="+mn-cs"/>
+                      </a:endParaRPr>
+                    </a:p>
+                  </a:txBody>
+                  <a:tcPr anchor="ctr"/>
+                </a:tc>
+                <a:extLst>
+                  <a:ext uri="{0D108BD9-81ED-4DB2-BD59-A6C34878D82A}">
+                    <a16:rowId xmlns:a16="http://schemas.microsoft.com/office/drawing/2014/main" val="637943959"/>
+                  </a:ext>
+                </a:extLst>
+              </a:tr>
+              <a:tr h="1374492">
+                <a:tc>
+                  <a:txBody>
+                    <a:bodyPr/>
+                    <a:lstStyle/>
+                    <a:p>
+                      <a:pPr algn="ctr"/>
+                      <a:r>
+                        <a:rPr kumimoji="1" lang="ja-JP" altLang="en-US" sz="2800" b="1">
+                          <a:latin typeface="Yu Gothic" panose="020B0400000000000000" pitchFamily="34" charset="-128"/>
+                          <a:ea typeface="Yu Gothic" panose="020B0400000000000000" pitchFamily="34" charset="-128"/>
+                        </a:rPr>
+                        <a:t>技術要素</a:t>
+                      </a:r>
+                    </a:p>
+                  </a:txBody>
+                  <a:tcPr anchor="ctr"/>
+                </a:tc>
+                <a:tc>
+                  <a:txBody>
+                    <a:bodyPr/>
+                    <a:lstStyle/>
+                    <a:p>
+                      <a:r>
+                        <a:rPr kumimoji="1" lang="en-US" altLang="ja-JP" sz="2800" b="0" dirty="0">
+                          <a:latin typeface="Yu Gothic" panose="020B0400000000000000" pitchFamily="34" charset="-128"/>
+                          <a:ea typeface="Yu Gothic" panose="020B0400000000000000" pitchFamily="34" charset="-128"/>
+                        </a:rPr>
+                        <a:t>Django</a:t>
+                      </a:r>
+                      <a:r>
+                        <a:rPr kumimoji="1" lang="ja-JP" altLang="en-US" sz="2800" b="0">
+                          <a:latin typeface="Yu Gothic" panose="020B0400000000000000" pitchFamily="34" charset="-128"/>
+                          <a:ea typeface="Yu Gothic" panose="020B0400000000000000" pitchFamily="34" charset="-128"/>
+                        </a:rPr>
+                        <a:t>と同様のデータベースに繋げる</a:t>
+                      </a:r>
+                      <a:r>
+                        <a:rPr kumimoji="1" lang="en-US" altLang="ja-JP" sz="2800" b="0" dirty="0">
+                          <a:latin typeface="Yu Gothic" panose="020B0400000000000000" pitchFamily="34" charset="-128"/>
+                          <a:ea typeface="Yu Gothic" panose="020B0400000000000000" pitchFamily="34" charset="-128"/>
+                        </a:rPr>
+                        <a:t>(</a:t>
+                      </a:r>
+                      <a:r>
+                        <a:rPr kumimoji="1" lang="ja-JP" altLang="en-US" sz="2800" b="0">
+                          <a:latin typeface="Yu Gothic" panose="020B0400000000000000" pitchFamily="34" charset="-128"/>
+                          <a:ea typeface="Yu Gothic" panose="020B0400000000000000" pitchFamily="34" charset="-128"/>
+                        </a:rPr>
+                        <a:t>？</a:t>
+                      </a:r>
+                      <a:r>
+                        <a:rPr kumimoji="1" lang="en-US" altLang="ja-JP" sz="2800" b="0" dirty="0">
+                          <a:latin typeface="Yu Gothic" panose="020B0400000000000000" pitchFamily="34" charset="-128"/>
+                          <a:ea typeface="Yu Gothic" panose="020B0400000000000000" pitchFamily="34" charset="-128"/>
+                        </a:rPr>
+                        <a:t>)</a:t>
+                      </a:r>
+                      <a:endParaRPr kumimoji="1" lang="en-US" altLang="ja-JP" sz="1100" b="0" dirty="0">
+                        <a:latin typeface="Yu Gothic" panose="020B0400000000000000" pitchFamily="34" charset="-128"/>
+                        <a:ea typeface="Yu Gothic" panose="020B0400000000000000" pitchFamily="34" charset="-128"/>
+                      </a:endParaRPr>
+                    </a:p>
+                  </a:txBody>
+                  <a:tcPr anchor="ctr"/>
+                </a:tc>
+                <a:extLst>
+                  <a:ext uri="{0D108BD9-81ED-4DB2-BD59-A6C34878D82A}">
+                    <a16:rowId xmlns:a16="http://schemas.microsoft.com/office/drawing/2014/main" val="2822937220"/>
+                  </a:ext>
+                </a:extLst>
+              </a:tr>
+            </a:tbl>
+          </a:graphicData>
+        </a:graphic>
+      </p:graphicFrame>
+      <p:graphicFrame>
+        <p:nvGraphicFramePr>
+          <p:cNvPr id="14" name="表 13">
+            <a:extLst>
+              <a:ext uri="{FF2B5EF4-FFF2-40B4-BE49-F238E27FC236}">
+                <a16:creationId xmlns:a16="http://schemas.microsoft.com/office/drawing/2014/main" id="{2CD41FB1-EFD5-1397-77AA-B96564880A25}"/>
+              </a:ext>
+            </a:extLst>
+          </p:cNvPr>
+          <p:cNvGraphicFramePr>
+            <a:graphicFrameLocks noGrp="1"/>
+          </p:cNvGraphicFramePr>
+          <p:nvPr>
+            <p:extLst>
+              <p:ext uri="{D42A27DB-BD31-4B8C-83A1-F6EECF244321}">
+                <p14:modId xmlns:p14="http://schemas.microsoft.com/office/powerpoint/2010/main" val="2666335547"/>
+              </p:ext>
+            </p:extLst>
+          </p:nvPr>
+        </p:nvGraphicFramePr>
+        <p:xfrm>
+          <a:off x="7772400" y="5976899"/>
+          <a:ext cx="9066992" cy="2748984"/>
+        </p:xfrm>
+        <a:graphic>
+          <a:graphicData uri="http://schemas.openxmlformats.org/drawingml/2006/table">
+            <a:tbl>
+              <a:tblPr firstRow="1" bandRow="1">
+                <a:tableStyleId>{0505E3EF-67EA-436B-97B2-0124C06EBD24}</a:tableStyleId>
+              </a:tblPr>
+              <a:tblGrid>
+                <a:gridCol w="2040073">
+                  <a:extLst>
+                    <a:ext uri="{9D8B030D-6E8A-4147-A177-3AD203B41FA5}">
+                      <a16:colId xmlns:a16="http://schemas.microsoft.com/office/drawing/2014/main" val="151083142"/>
+                    </a:ext>
+                  </a:extLst>
+                </a:gridCol>
+                <a:gridCol w="7026919">
+                  <a:extLst>
+                    <a:ext uri="{9D8B030D-6E8A-4147-A177-3AD203B41FA5}">
+                      <a16:colId xmlns:a16="http://schemas.microsoft.com/office/drawing/2014/main" val="3451232418"/>
+                    </a:ext>
+                  </a:extLst>
+                </a:gridCol>
+              </a:tblGrid>
+              <a:tr h="1374492">
+                <a:tc>
+                  <a:txBody>
+                    <a:bodyPr/>
+                    <a:lstStyle/>
+                    <a:p>
+                      <a:pPr algn="ctr"/>
+                      <a:r>
+                        <a:rPr kumimoji="1" lang="ja-JP" altLang="en-US" sz="2800" b="1">
+                          <a:latin typeface="Yu Gothic" panose="020B0400000000000000" pitchFamily="34" charset="-128"/>
+                          <a:ea typeface="Yu Gothic" panose="020B0400000000000000" pitchFamily="34" charset="-128"/>
+                        </a:rPr>
+                        <a:t>目的</a:t>
+                      </a:r>
+                    </a:p>
+                  </a:txBody>
+                  <a:tcPr anchor="ctr"/>
+                </a:tc>
+                <a:tc>
+                  <a:txBody>
+                    <a:bodyPr/>
+                    <a:lstStyle/>
+                    <a:p>
+                      <a:pPr marL="0" marR="0" lvl="0" indent="0" algn="l" defTabSz="914400" rtl="0" eaLnBrk="1" fontAlgn="auto" latinLnBrk="0" hangingPunct="1">
+                        <a:lnSpc>
+                          <a:spcPct val="100000"/>
+                        </a:lnSpc>
+                        <a:spcBef>
+                          <a:spcPts val="0"/>
+                        </a:spcBef>
+                        <a:spcAft>
+                          <a:spcPts val="0"/>
+                        </a:spcAft>
+                        <a:buClrTx/>
+                        <a:buSzTx/>
+                        <a:buFontTx/>
+                        <a:buNone/>
+                        <a:tabLst/>
+                        <a:defRPr/>
+                      </a:pPr>
+                      <a:r>
+                        <a:rPr kumimoji="1" lang="ja-JP" altLang="en-US" sz="2800" b="0">
+                          <a:latin typeface="Yu Gothic" panose="020B0400000000000000" pitchFamily="34" charset="-128"/>
+                          <a:ea typeface="Yu Gothic" panose="020B0400000000000000" pitchFamily="34" charset="-128"/>
+                        </a:rPr>
+                        <a:t>興味関心，マッチングの分析結果を</a:t>
+                      </a:r>
+                      <a:endParaRPr kumimoji="1" lang="en-US" altLang="ja-JP" sz="2800" b="0" dirty="0">
+                        <a:latin typeface="Yu Gothic" panose="020B0400000000000000" pitchFamily="34" charset="-128"/>
+                        <a:ea typeface="Yu Gothic" panose="020B0400000000000000" pitchFamily="34" charset="-128"/>
+                      </a:endParaRPr>
+                    </a:p>
+                    <a:p>
+                      <a:r>
+                        <a:rPr kumimoji="1" lang="ja-JP" altLang="en-US" sz="2800" b="1">
+                          <a:solidFill>
+                            <a:srgbClr val="C00000"/>
+                          </a:solidFill>
+                          <a:latin typeface="Yu Gothic" panose="020B0400000000000000" pitchFamily="34" charset="-128"/>
+                          <a:ea typeface="Yu Gothic" panose="020B0400000000000000" pitchFamily="34" charset="-128"/>
+                        </a:rPr>
+                        <a:t>ユーザーに表示する</a:t>
+                      </a:r>
+                    </a:p>
+                  </a:txBody>
+                  <a:tcPr anchor="ctr"/>
+                </a:tc>
+                <a:extLst>
+                  <a:ext uri="{0D108BD9-81ED-4DB2-BD59-A6C34878D82A}">
+                    <a16:rowId xmlns:a16="http://schemas.microsoft.com/office/drawing/2014/main" val="637943959"/>
+                  </a:ext>
+                </a:extLst>
+              </a:tr>
+              <a:tr h="1374492">
+                <a:tc>
+                  <a:txBody>
+                    <a:bodyPr/>
+                    <a:lstStyle/>
+                    <a:p>
+                      <a:pPr algn="ctr"/>
+                      <a:r>
+                        <a:rPr kumimoji="1" lang="ja-JP" altLang="en-US" sz="2800" b="1">
+                          <a:latin typeface="Yu Gothic" panose="020B0400000000000000" pitchFamily="34" charset="-128"/>
+                          <a:ea typeface="Yu Gothic" panose="020B0400000000000000" pitchFamily="34" charset="-128"/>
+                        </a:rPr>
+                        <a:t>技術要素</a:t>
+                      </a:r>
+                    </a:p>
+                  </a:txBody>
+                  <a:tcPr anchor="ctr"/>
+                </a:tc>
+                <a:tc>
+                  <a:txBody>
+                    <a:bodyPr/>
+                    <a:lstStyle/>
+                    <a:p>
+                      <a:r>
+                        <a:rPr kumimoji="1" lang="en-US" altLang="ja-JP" sz="2800" b="0" dirty="0" err="1">
+                          <a:latin typeface="Yu Gothic" panose="020B0400000000000000" pitchFamily="34" charset="-128"/>
+                          <a:ea typeface="Yu Gothic" panose="020B0400000000000000" pitchFamily="34" charset="-128"/>
+                        </a:rPr>
+                        <a:t>Transcript.objects</a:t>
+                      </a:r>
+                      <a:r>
+                        <a:rPr kumimoji="1" lang="ja-JP" altLang="en-US" sz="2800" b="0">
+                          <a:latin typeface="Yu Gothic" panose="020B0400000000000000" pitchFamily="34" charset="-128"/>
+                          <a:ea typeface="Yu Gothic" panose="020B0400000000000000" pitchFamily="34" charset="-128"/>
+                        </a:rPr>
+                        <a:t>を使えばすぐ実装可能</a:t>
+                      </a:r>
+                      <a:endParaRPr kumimoji="1" lang="en-US" altLang="ja-JP" sz="2800" b="0" dirty="0">
+                        <a:latin typeface="Yu Gothic" panose="020B0400000000000000" pitchFamily="34" charset="-128"/>
+                        <a:ea typeface="Yu Gothic" panose="020B0400000000000000" pitchFamily="34" charset="-128"/>
+                      </a:endParaRPr>
+                    </a:p>
+                    <a:p>
+                      <a:pPr algn="r"/>
+                      <a:r>
+                        <a:rPr kumimoji="1" lang="ja-JP" altLang="en-US" sz="1800" b="0">
+                          <a:latin typeface="Yu Gothic" panose="020B0400000000000000" pitchFamily="34" charset="-128"/>
+                          <a:ea typeface="Yu Gothic" panose="020B0400000000000000" pitchFamily="34" charset="-128"/>
+                        </a:rPr>
+                        <a:t>っぽいです</a:t>
+                      </a:r>
+                      <a:endParaRPr kumimoji="1" lang="en-US" altLang="ja-JP" sz="1800" b="0" dirty="0">
+                        <a:latin typeface="Yu Gothic" panose="020B0400000000000000" pitchFamily="34" charset="-128"/>
+                        <a:ea typeface="Yu Gothic" panose="020B0400000000000000" pitchFamily="34" charset="-128"/>
+                      </a:endParaRPr>
+                    </a:p>
+                  </a:txBody>
+                  <a:tcPr anchor="ctr"/>
+                </a:tc>
+                <a:extLst>
+                  <a:ext uri="{0D108BD9-81ED-4DB2-BD59-A6C34878D82A}">
+                    <a16:rowId xmlns:a16="http://schemas.microsoft.com/office/drawing/2014/main" val="2822937220"/>
+                  </a:ext>
+                </a:extLst>
+              </a:tr>
+            </a:tbl>
+          </a:graphicData>
+        </a:graphic>
+      </p:graphicFrame>
+      <p:grpSp>
+        <p:nvGrpSpPr>
+          <p:cNvPr id="11" name="グループ化 10">
+            <a:extLst>
+              <a:ext uri="{FF2B5EF4-FFF2-40B4-BE49-F238E27FC236}">
+                <a16:creationId xmlns:a16="http://schemas.microsoft.com/office/drawing/2014/main" id="{2E267013-1DA3-68D7-4223-E1883A6C7627}"/>
+              </a:ext>
+            </a:extLst>
+          </p:cNvPr>
+          <p:cNvGrpSpPr/>
+          <p:nvPr/>
+        </p:nvGrpSpPr>
+        <p:grpSpPr>
+          <a:xfrm>
+            <a:off x="5335892" y="3104658"/>
+            <a:ext cx="1426106" cy="1909783"/>
+            <a:chOff x="7173083" y="6753785"/>
+            <a:chExt cx="1426106" cy="1909783"/>
+          </a:xfrm>
+        </p:grpSpPr>
+        <p:pic>
+          <p:nvPicPr>
+            <p:cNvPr id="15" name="グラフィックス 14" descr="データベース 枠線">
+              <a:extLst>
+                <a:ext uri="{FF2B5EF4-FFF2-40B4-BE49-F238E27FC236}">
+                  <a16:creationId xmlns:a16="http://schemas.microsoft.com/office/drawing/2014/main" id="{778D5D55-CE0E-F400-3189-B8508308BEA5}"/>
+                </a:ext>
+              </a:extLst>
+            </p:cNvPr>
+            <p:cNvPicPr>
+              <a:picLocks noChangeAspect="1"/>
+            </p:cNvPicPr>
+            <p:nvPr/>
+          </p:nvPicPr>
+          <p:blipFill>
+            <a:blip r:embed="rId3">
+              <a:extLst>
+                <a:ext uri="{96DAC541-7B7A-43D3-8B79-37D633B846F1}">
+                  <asvg:svgBlip xmlns:asvg="http://schemas.microsoft.com/office/drawing/2016/SVG/main" r:embed="rId4"/>
+                </a:ext>
+              </a:extLst>
+            </a:blip>
+            <a:stretch>
+              <a:fillRect/>
+            </a:stretch>
+          </p:blipFill>
+          <p:spPr>
+            <a:xfrm>
+              <a:off x="7173083" y="6753785"/>
+              <a:ext cx="1426106" cy="1426106"/>
+            </a:xfrm>
+            <a:prstGeom prst="rect">
+              <a:avLst/>
+            </a:prstGeom>
+          </p:spPr>
+        </p:pic>
+        <p:sp>
+          <p:nvSpPr>
+            <p:cNvPr id="17" name="テキスト ボックス 16">
+              <a:extLst>
+                <a:ext uri="{FF2B5EF4-FFF2-40B4-BE49-F238E27FC236}">
+                  <a16:creationId xmlns:a16="http://schemas.microsoft.com/office/drawing/2014/main" id="{CBC8DBA3-11C2-1B62-EA18-F386D12076D1}"/>
+                </a:ext>
+              </a:extLst>
+            </p:cNvPr>
+            <p:cNvSpPr txBox="1"/>
+            <p:nvPr/>
+          </p:nvSpPr>
+          <p:spPr>
+            <a:xfrm>
+              <a:off x="7284849" y="8201903"/>
+              <a:ext cx="1202573" cy="461665"/>
+            </a:xfrm>
+            <a:prstGeom prst="rect">
+              <a:avLst/>
+            </a:prstGeom>
+            <a:noFill/>
+          </p:spPr>
+          <p:txBody>
+            <a:bodyPr wrap="none" rtlCol="0">
+              <a:spAutoFit/>
+            </a:bodyPr>
+            <a:lstStyle/>
+            <a:p>
+              <a:r>
+                <a:rPr kumimoji="1" lang="en-US" altLang="ja-JP" sz="2400" b="1" dirty="0">
+                  <a:solidFill>
+                    <a:schemeClr val="tx2">
+                      <a:lumMod val="75000"/>
+                    </a:schemeClr>
+                  </a:solidFill>
+                  <a:latin typeface="Yu Gothic" panose="020B0400000000000000" pitchFamily="34" charset="-128"/>
+                  <a:ea typeface="Yu Gothic" panose="020B0400000000000000" pitchFamily="34" charset="-128"/>
+                </a:rPr>
+                <a:t>SQLite</a:t>
+              </a:r>
+              <a:endParaRPr kumimoji="1" lang="ja-JP" altLang="en-US" sz="2400" b="1">
+                <a:solidFill>
+                  <a:schemeClr val="tx2">
+                    <a:lumMod val="75000"/>
+                  </a:schemeClr>
+                </a:solidFill>
+                <a:latin typeface="Yu Gothic" panose="020B0400000000000000" pitchFamily="34" charset="-128"/>
+                <a:ea typeface="Yu Gothic" panose="020B0400000000000000" pitchFamily="34" charset="-128"/>
+              </a:endParaRPr>
+            </a:p>
+          </p:txBody>
+        </p:sp>
+      </p:grpSp>
+      <p:grpSp>
+        <p:nvGrpSpPr>
+          <p:cNvPr id="18" name="グループ化 17">
+            <a:extLst>
+              <a:ext uri="{FF2B5EF4-FFF2-40B4-BE49-F238E27FC236}">
+                <a16:creationId xmlns:a16="http://schemas.microsoft.com/office/drawing/2014/main" id="{17DA34DF-146F-C9A0-E9B7-8ED419B0DB69}"/>
+              </a:ext>
+            </a:extLst>
+          </p:cNvPr>
+          <p:cNvGrpSpPr/>
+          <p:nvPr/>
+        </p:nvGrpSpPr>
+        <p:grpSpPr>
+          <a:xfrm>
+            <a:off x="1170950" y="2884197"/>
+            <a:ext cx="2113079" cy="2604998"/>
+            <a:chOff x="2728937" y="6122140"/>
+            <a:chExt cx="2113079" cy="2604998"/>
+          </a:xfrm>
+        </p:grpSpPr>
+        <p:sp>
+          <p:nvSpPr>
+            <p:cNvPr id="19" name="Freeform 7">
+              <a:extLst>
+                <a:ext uri="{FF2B5EF4-FFF2-40B4-BE49-F238E27FC236}">
+                  <a16:creationId xmlns:a16="http://schemas.microsoft.com/office/drawing/2014/main" id="{A2215DF6-67D0-F733-98B0-99DF11F5726C}"/>
+                </a:ext>
+              </a:extLst>
+            </p:cNvPr>
+            <p:cNvSpPr/>
+            <p:nvPr/>
+          </p:nvSpPr>
+          <p:spPr>
+            <a:xfrm>
+              <a:off x="2874802" y="6122140"/>
+              <a:ext cx="1821353" cy="1498063"/>
+            </a:xfrm>
+            <a:custGeom>
+              <a:avLst/>
+              <a:gdLst/>
+              <a:ahLst/>
+              <a:cxnLst/>
+              <a:rect l="l" t="t" r="r" b="b"/>
+              <a:pathLst>
+                <a:path w="1821353" h="1498063">
+                  <a:moveTo>
+                    <a:pt x="0" y="0"/>
+                  </a:moveTo>
+                  <a:lnTo>
+                    <a:pt x="1821353" y="0"/>
+                  </a:lnTo>
+                  <a:lnTo>
+                    <a:pt x="1821353" y="1498063"/>
+                  </a:lnTo>
+                  <a:lnTo>
+                    <a:pt x="0" y="1498063"/>
+                  </a:lnTo>
+                  <a:lnTo>
+                    <a:pt x="0" y="0"/>
+                  </a:lnTo>
+                  <a:close/>
+                </a:path>
+              </a:pathLst>
+            </a:custGeom>
+            <a:blipFill>
+              <a:blip r:embed="rId5">
+                <a:extLst>
+                  <a:ext uri="{96DAC541-7B7A-43D3-8B79-37D633B846F1}">
+                    <asvg:svgBlip xmlns:asvg="http://schemas.microsoft.com/office/drawing/2016/SVG/main" r:embed="rId6"/>
+                  </a:ext>
+                </a:extLst>
+              </a:blip>
+              <a:stretch>
+                <a:fillRect/>
+              </a:stretch>
+            </a:blipFill>
+          </p:spPr>
+          <p:txBody>
+            <a:bodyPr/>
+            <a:lstStyle/>
+            <a:p>
+              <a:endParaRPr lang="ja-JP" altLang="en-US"/>
+            </a:p>
+          </p:txBody>
+        </p:sp>
+        <p:sp>
+          <p:nvSpPr>
+            <p:cNvPr id="20" name="テキスト ボックス 19">
+              <a:extLst>
+                <a:ext uri="{FF2B5EF4-FFF2-40B4-BE49-F238E27FC236}">
+                  <a16:creationId xmlns:a16="http://schemas.microsoft.com/office/drawing/2014/main" id="{26F4537C-5863-7DFA-7264-89E965F64122}"/>
+                </a:ext>
+              </a:extLst>
+            </p:cNvPr>
+            <p:cNvSpPr txBox="1"/>
+            <p:nvPr/>
+          </p:nvSpPr>
+          <p:spPr>
+            <a:xfrm>
+              <a:off x="2728937" y="7773031"/>
+              <a:ext cx="2113079" cy="954107"/>
+            </a:xfrm>
+            <a:prstGeom prst="rect">
+              <a:avLst/>
+            </a:prstGeom>
+            <a:noFill/>
+          </p:spPr>
+          <p:txBody>
+            <a:bodyPr wrap="none" rtlCol="0">
+              <a:spAutoFit/>
+            </a:bodyPr>
+            <a:lstStyle/>
+            <a:p>
+              <a:pPr algn="ctr"/>
+              <a:r>
+                <a:rPr kumimoji="1" lang="ja-JP" altLang="en-US" sz="2400" b="1">
+                  <a:solidFill>
+                    <a:schemeClr val="tx2">
+                      <a:lumMod val="75000"/>
+                    </a:schemeClr>
+                  </a:solidFill>
+                  <a:latin typeface="Yu Gothic" panose="020B0400000000000000" pitchFamily="34" charset="-128"/>
+                  <a:ea typeface="Yu Gothic" panose="020B0400000000000000" pitchFamily="34" charset="-128"/>
+                </a:rPr>
+                <a:t>分析</a:t>
+              </a:r>
+              <a:endParaRPr kumimoji="1" lang="en-US" altLang="ja-JP" sz="2400" b="1" dirty="0">
+                <a:solidFill>
+                  <a:schemeClr val="tx2">
+                    <a:lumMod val="75000"/>
+                  </a:schemeClr>
+                </a:solidFill>
+                <a:latin typeface="Yu Gothic" panose="020B0400000000000000" pitchFamily="34" charset="-128"/>
+                <a:ea typeface="Yu Gothic" panose="020B0400000000000000" pitchFamily="34" charset="-128"/>
+              </a:endParaRPr>
+            </a:p>
+            <a:p>
+              <a:pPr algn="ctr"/>
+              <a:r>
+                <a:rPr kumimoji="1" lang="en-US" altLang="ja-JP" sz="1600" b="1" dirty="0">
+                  <a:solidFill>
+                    <a:schemeClr val="tx2">
+                      <a:lumMod val="75000"/>
+                    </a:schemeClr>
+                  </a:solidFill>
+                  <a:latin typeface="Yu Gothic" panose="020B0400000000000000" pitchFamily="34" charset="-128"/>
+                  <a:ea typeface="Yu Gothic" panose="020B0400000000000000" pitchFamily="34" charset="-128"/>
+                </a:rPr>
+                <a:t>Zero-shot-learning</a:t>
+              </a:r>
+            </a:p>
+            <a:p>
+              <a:pPr algn="ctr"/>
+              <a:r>
+                <a:rPr kumimoji="1" lang="ja-JP" altLang="en-US" sz="1600" b="1">
+                  <a:solidFill>
+                    <a:schemeClr val="tx2">
+                      <a:lumMod val="75000"/>
+                    </a:schemeClr>
+                  </a:solidFill>
+                  <a:latin typeface="Yu Gothic" panose="020B0400000000000000" pitchFamily="34" charset="-128"/>
+                  <a:ea typeface="Yu Gothic" panose="020B0400000000000000" pitchFamily="34" charset="-128"/>
+                </a:rPr>
+                <a:t>マッチングシステム</a:t>
+              </a:r>
+            </a:p>
+          </p:txBody>
+        </p:sp>
+      </p:grpSp>
+      <p:cxnSp>
+        <p:nvCxnSpPr>
+          <p:cNvPr id="21" name="直線矢印コネクタ 20">
+            <a:extLst>
+              <a:ext uri="{FF2B5EF4-FFF2-40B4-BE49-F238E27FC236}">
+                <a16:creationId xmlns:a16="http://schemas.microsoft.com/office/drawing/2014/main" id="{AD0785E0-C73D-AC0A-8E89-FDF39811FB1D}"/>
+              </a:ext>
+            </a:extLst>
+          </p:cNvPr>
+          <p:cNvCxnSpPr>
+            <a:cxnSpLocks/>
+          </p:cNvCxnSpPr>
+          <p:nvPr/>
+        </p:nvCxnSpPr>
+        <p:spPr>
+          <a:xfrm>
+            <a:off x="3191965" y="3633228"/>
+            <a:ext cx="2255693" cy="0"/>
+          </a:xfrm>
+          <a:prstGeom prst="straightConnector1">
+            <a:avLst/>
+          </a:prstGeom>
+          <a:ln w="57150">
+            <a:solidFill>
+              <a:schemeClr val="tx1"/>
+            </a:solidFill>
+            <a:tailEnd type="triangle"/>
+          </a:ln>
+        </p:spPr>
+        <p:style>
+          <a:lnRef idx="1">
+            <a:schemeClr val="accent1"/>
+          </a:lnRef>
+          <a:fillRef idx="0">
+            <a:schemeClr val="accent1"/>
+          </a:fillRef>
+          <a:effectRef idx="0">
+            <a:schemeClr val="accent1"/>
+          </a:effectRef>
+          <a:fontRef idx="minor">
+            <a:schemeClr val="tx1"/>
+          </a:fontRef>
+        </p:style>
+      </p:cxnSp>
+      <p:pic>
+        <p:nvPicPr>
+          <p:cNvPr id="22" name="グラフィックス 21" descr="コメント: ハート 単色塗りつぶし">
+            <a:extLst>
+              <a:ext uri="{FF2B5EF4-FFF2-40B4-BE49-F238E27FC236}">
+                <a16:creationId xmlns:a16="http://schemas.microsoft.com/office/drawing/2014/main" id="{B88F2DFF-E4E2-61DB-05E6-32C0F63C5BF1}"/>
+              </a:ext>
+            </a:extLst>
+          </p:cNvPr>
+          <p:cNvPicPr>
+            <a:picLocks noChangeAspect="1"/>
+          </p:cNvPicPr>
+          <p:nvPr/>
+        </p:nvPicPr>
+        <p:blipFill>
+          <a:blip r:embed="rId7">
+            <a:extLst>
+              <a:ext uri="{96DAC541-7B7A-43D3-8B79-37D633B846F1}">
+                <asvg:svgBlip xmlns:asvg="http://schemas.microsoft.com/office/drawing/2016/SVG/main" r:embed="rId8"/>
+              </a:ext>
+            </a:extLst>
+          </a:blip>
+          <a:stretch>
+            <a:fillRect/>
+          </a:stretch>
+        </p:blipFill>
+        <p:spPr>
+          <a:xfrm>
+            <a:off x="3897774" y="3129872"/>
+            <a:ext cx="821125" cy="821125"/>
+          </a:xfrm>
+          <a:prstGeom prst="rect">
+            <a:avLst/>
+          </a:prstGeom>
+        </p:spPr>
+      </p:pic>
+      <p:grpSp>
+        <p:nvGrpSpPr>
+          <p:cNvPr id="25" name="グループ化 24">
+            <a:extLst>
+              <a:ext uri="{FF2B5EF4-FFF2-40B4-BE49-F238E27FC236}">
+                <a16:creationId xmlns:a16="http://schemas.microsoft.com/office/drawing/2014/main" id="{4EBCFBFC-6885-A848-172A-FD3F28BFB899}"/>
+              </a:ext>
+            </a:extLst>
+          </p:cNvPr>
+          <p:cNvGrpSpPr/>
+          <p:nvPr/>
+        </p:nvGrpSpPr>
+        <p:grpSpPr>
+          <a:xfrm>
+            <a:off x="3157427" y="6447252"/>
+            <a:ext cx="1162383" cy="1776969"/>
+            <a:chOff x="2197288" y="6628760"/>
+            <a:chExt cx="1278614" cy="1734867"/>
+          </a:xfrm>
+        </p:grpSpPr>
+        <p:sp>
+          <p:nvSpPr>
+            <p:cNvPr id="26" name="Freeform 21">
+              <a:extLst>
+                <a:ext uri="{FF2B5EF4-FFF2-40B4-BE49-F238E27FC236}">
+                  <a16:creationId xmlns:a16="http://schemas.microsoft.com/office/drawing/2014/main" id="{C9067BB2-953E-C7DB-7BDC-3D2B69585094}"/>
+                </a:ext>
+              </a:extLst>
+            </p:cNvPr>
+            <p:cNvSpPr>
+              <a:spLocks noChangeAspect="1"/>
+            </p:cNvSpPr>
+            <p:nvPr/>
+          </p:nvSpPr>
+          <p:spPr>
+            <a:xfrm>
+              <a:off x="2256042" y="6628760"/>
+              <a:ext cx="1219860" cy="1247938"/>
+            </a:xfrm>
+            <a:custGeom>
+              <a:avLst/>
+              <a:gdLst/>
+              <a:ahLst/>
+              <a:cxnLst/>
+              <a:rect l="l" t="t" r="r" b="b"/>
+              <a:pathLst>
+                <a:path w="1341162" h="1372032">
+                  <a:moveTo>
+                    <a:pt x="0" y="0"/>
+                  </a:moveTo>
+                  <a:lnTo>
+                    <a:pt x="1341162" y="0"/>
+                  </a:lnTo>
+                  <a:lnTo>
+                    <a:pt x="1341162" y="1372032"/>
+                  </a:lnTo>
+                  <a:lnTo>
+                    <a:pt x="0" y="1372032"/>
+                  </a:lnTo>
+                  <a:lnTo>
+                    <a:pt x="0" y="0"/>
+                  </a:lnTo>
+                  <a:close/>
+                </a:path>
+              </a:pathLst>
+            </a:custGeom>
+            <a:blipFill>
+              <a:blip r:embed="rId9">
+                <a:extLst>
+                  <a:ext uri="{96DAC541-7B7A-43D3-8B79-37D633B846F1}">
+                    <asvg:svgBlip xmlns:asvg="http://schemas.microsoft.com/office/drawing/2016/SVG/main" r:embed="rId10"/>
+                  </a:ext>
+                </a:extLst>
+              </a:blip>
+              <a:stretch>
+                <a:fillRect/>
+              </a:stretch>
+            </a:blipFill>
+          </p:spPr>
+          <p:txBody>
+            <a:bodyPr/>
+            <a:lstStyle/>
+            <a:p>
+              <a:endParaRPr lang="ja-JP" altLang="en-US">
+                <a:latin typeface="Yu Gothic" panose="020B0400000000000000" pitchFamily="34" charset="-128"/>
+                <a:ea typeface="Yu Gothic" panose="020B0400000000000000" pitchFamily="34" charset="-128"/>
+              </a:endParaRPr>
+            </a:p>
+          </p:txBody>
+        </p:sp>
+        <p:sp>
+          <p:nvSpPr>
+            <p:cNvPr id="27" name="テキスト ボックス 26">
+              <a:extLst>
+                <a:ext uri="{FF2B5EF4-FFF2-40B4-BE49-F238E27FC236}">
+                  <a16:creationId xmlns:a16="http://schemas.microsoft.com/office/drawing/2014/main" id="{6DCD1096-08D3-BB85-72AE-3DDFC9ADF815}"/>
+                </a:ext>
+              </a:extLst>
+            </p:cNvPr>
+            <p:cNvSpPr txBox="1"/>
+            <p:nvPr/>
+          </p:nvSpPr>
+          <p:spPr>
+            <a:xfrm>
+              <a:off x="2197288" y="7901962"/>
+              <a:ext cx="1250663" cy="461665"/>
+            </a:xfrm>
+            <a:prstGeom prst="rect">
+              <a:avLst/>
+            </a:prstGeom>
+            <a:noFill/>
+          </p:spPr>
+          <p:txBody>
+            <a:bodyPr wrap="none" rtlCol="0">
+              <a:spAutoFit/>
+            </a:bodyPr>
+            <a:lstStyle/>
+            <a:p>
+              <a:r>
+                <a:rPr kumimoji="1" lang="en-US" altLang="ja-JP" sz="2400" b="1" dirty="0">
+                  <a:solidFill>
+                    <a:schemeClr val="tx2">
+                      <a:lumMod val="75000"/>
+                    </a:schemeClr>
+                  </a:solidFill>
+                  <a:latin typeface="Yu Gothic" panose="020B0400000000000000" pitchFamily="34" charset="-128"/>
+                  <a:ea typeface="Yu Gothic" panose="020B0400000000000000" pitchFamily="34" charset="-128"/>
+                </a:rPr>
+                <a:t>Django</a:t>
+              </a:r>
+              <a:endParaRPr kumimoji="1" lang="ja-JP" altLang="en-US" sz="2400" b="1">
+                <a:solidFill>
+                  <a:schemeClr val="tx2">
+                    <a:lumMod val="75000"/>
+                  </a:schemeClr>
+                </a:solidFill>
+                <a:latin typeface="Yu Gothic" panose="020B0400000000000000" pitchFamily="34" charset="-128"/>
+                <a:ea typeface="Yu Gothic" panose="020B0400000000000000" pitchFamily="34" charset="-128"/>
+              </a:endParaRPr>
+            </a:p>
+          </p:txBody>
+        </p:sp>
+      </p:grpSp>
+      <p:grpSp>
+        <p:nvGrpSpPr>
+          <p:cNvPr id="29" name="グループ化 28">
+            <a:extLst>
+              <a:ext uri="{FF2B5EF4-FFF2-40B4-BE49-F238E27FC236}">
+                <a16:creationId xmlns:a16="http://schemas.microsoft.com/office/drawing/2014/main" id="{713099CA-D63C-1982-8136-953F0BAAA39C}"/>
+              </a:ext>
+            </a:extLst>
+          </p:cNvPr>
+          <p:cNvGrpSpPr/>
+          <p:nvPr/>
+        </p:nvGrpSpPr>
+        <p:grpSpPr>
+          <a:xfrm>
+            <a:off x="383958" y="6283725"/>
+            <a:ext cx="1296468" cy="1956129"/>
+            <a:chOff x="7173083" y="6753785"/>
+            <a:chExt cx="1426106" cy="1909783"/>
+          </a:xfrm>
+        </p:grpSpPr>
+        <p:pic>
+          <p:nvPicPr>
+            <p:cNvPr id="30" name="グラフィックス 29" descr="データベース 枠線">
+              <a:extLst>
+                <a:ext uri="{FF2B5EF4-FFF2-40B4-BE49-F238E27FC236}">
+                  <a16:creationId xmlns:a16="http://schemas.microsoft.com/office/drawing/2014/main" id="{C4E79F0B-3B02-099E-989F-0C9C609D3877}"/>
+                </a:ext>
+              </a:extLst>
+            </p:cNvPr>
+            <p:cNvPicPr>
+              <a:picLocks noChangeAspect="1"/>
+            </p:cNvPicPr>
+            <p:nvPr/>
+          </p:nvPicPr>
+          <p:blipFill>
+            <a:blip r:embed="rId3">
+              <a:extLst>
+                <a:ext uri="{96DAC541-7B7A-43D3-8B79-37D633B846F1}">
+                  <asvg:svgBlip xmlns:asvg="http://schemas.microsoft.com/office/drawing/2016/SVG/main" r:embed="rId4"/>
+                </a:ext>
+              </a:extLst>
+            </a:blip>
+            <a:stretch>
+              <a:fillRect/>
+            </a:stretch>
+          </p:blipFill>
+          <p:spPr>
+            <a:xfrm>
+              <a:off x="7173083" y="6753785"/>
+              <a:ext cx="1426106" cy="1426106"/>
+            </a:xfrm>
+            <a:prstGeom prst="rect">
+              <a:avLst/>
+            </a:prstGeom>
+          </p:spPr>
+        </p:pic>
+        <p:sp>
+          <p:nvSpPr>
+            <p:cNvPr id="32" name="テキスト ボックス 31">
+              <a:extLst>
+                <a:ext uri="{FF2B5EF4-FFF2-40B4-BE49-F238E27FC236}">
+                  <a16:creationId xmlns:a16="http://schemas.microsoft.com/office/drawing/2014/main" id="{8A5C68BB-0E56-4751-4CCA-B60DA2295282}"/>
+                </a:ext>
+              </a:extLst>
+            </p:cNvPr>
+            <p:cNvSpPr txBox="1"/>
+            <p:nvPr/>
+          </p:nvSpPr>
+          <p:spPr>
+            <a:xfrm>
+              <a:off x="7284849" y="8201903"/>
+              <a:ext cx="1202573" cy="461665"/>
+            </a:xfrm>
+            <a:prstGeom prst="rect">
+              <a:avLst/>
+            </a:prstGeom>
+            <a:noFill/>
+          </p:spPr>
+          <p:txBody>
+            <a:bodyPr wrap="none" rtlCol="0">
+              <a:spAutoFit/>
+            </a:bodyPr>
+            <a:lstStyle/>
+            <a:p>
+              <a:r>
+                <a:rPr kumimoji="1" lang="en-US" altLang="ja-JP" sz="2400" b="1" dirty="0">
+                  <a:solidFill>
+                    <a:schemeClr val="tx2">
+                      <a:lumMod val="75000"/>
+                    </a:schemeClr>
+                  </a:solidFill>
+                  <a:latin typeface="Yu Gothic" panose="020B0400000000000000" pitchFamily="34" charset="-128"/>
+                  <a:ea typeface="Yu Gothic" panose="020B0400000000000000" pitchFamily="34" charset="-128"/>
+                </a:rPr>
+                <a:t>SQLite</a:t>
+              </a:r>
+              <a:endParaRPr kumimoji="1" lang="ja-JP" altLang="en-US" sz="2400" b="1">
+                <a:solidFill>
+                  <a:schemeClr val="tx2">
+                    <a:lumMod val="75000"/>
+                  </a:schemeClr>
+                </a:solidFill>
+                <a:latin typeface="Yu Gothic" panose="020B0400000000000000" pitchFamily="34" charset="-128"/>
+                <a:ea typeface="Yu Gothic" panose="020B0400000000000000" pitchFamily="34" charset="-128"/>
+              </a:endParaRPr>
+            </a:p>
+          </p:txBody>
+        </p:sp>
+      </p:grpSp>
+      <p:grpSp>
+        <p:nvGrpSpPr>
+          <p:cNvPr id="33" name="グループ化 32">
+            <a:extLst>
+              <a:ext uri="{FF2B5EF4-FFF2-40B4-BE49-F238E27FC236}">
+                <a16:creationId xmlns:a16="http://schemas.microsoft.com/office/drawing/2014/main" id="{104F69F2-7D08-CA33-568A-FD6FD7C51B71}"/>
+              </a:ext>
+            </a:extLst>
+          </p:cNvPr>
+          <p:cNvGrpSpPr/>
+          <p:nvPr/>
+        </p:nvGrpSpPr>
+        <p:grpSpPr>
+          <a:xfrm>
+            <a:off x="6150174" y="6299613"/>
+            <a:ext cx="1523990" cy="1940241"/>
+            <a:chOff x="14518479" y="5789880"/>
+            <a:chExt cx="1676379" cy="1894271"/>
+          </a:xfrm>
+        </p:grpSpPr>
+        <p:pic>
+          <p:nvPicPr>
+            <p:cNvPr id="34" name="グラフィックス 33" descr="男性のプロフィール 枠線">
+              <a:extLst>
+                <a:ext uri="{FF2B5EF4-FFF2-40B4-BE49-F238E27FC236}">
+                  <a16:creationId xmlns:a16="http://schemas.microsoft.com/office/drawing/2014/main" id="{2B76B076-0064-B991-87A5-C9B9ED83810F}"/>
+                </a:ext>
+              </a:extLst>
+            </p:cNvPr>
+            <p:cNvPicPr>
+              <a:picLocks noChangeAspect="1"/>
+            </p:cNvPicPr>
+            <p:nvPr/>
+          </p:nvPicPr>
+          <p:blipFill>
+            <a:blip r:embed="rId11">
+              <a:extLst>
+                <a:ext uri="{96DAC541-7B7A-43D3-8B79-37D633B846F1}">
+                  <asvg:svgBlip xmlns:asvg="http://schemas.microsoft.com/office/drawing/2016/SVG/main" r:embed="rId12"/>
+                </a:ext>
+              </a:extLst>
+            </a:blip>
+            <a:stretch>
+              <a:fillRect/>
+            </a:stretch>
+          </p:blipFill>
+          <p:spPr>
+            <a:xfrm>
+              <a:off x="14518479" y="5789880"/>
+              <a:ext cx="1676379" cy="1676379"/>
+            </a:xfrm>
+            <a:prstGeom prst="rect">
+              <a:avLst/>
+            </a:prstGeom>
+          </p:spPr>
+        </p:pic>
+        <p:sp>
+          <p:nvSpPr>
+            <p:cNvPr id="35" name="テキスト ボックス 34">
+              <a:extLst>
+                <a:ext uri="{FF2B5EF4-FFF2-40B4-BE49-F238E27FC236}">
+                  <a16:creationId xmlns:a16="http://schemas.microsoft.com/office/drawing/2014/main" id="{6E245590-2FB6-2A12-72A2-10441819AB93}"/>
+                </a:ext>
+              </a:extLst>
+            </p:cNvPr>
+            <p:cNvSpPr txBox="1"/>
+            <p:nvPr/>
+          </p:nvSpPr>
+          <p:spPr>
+            <a:xfrm>
+              <a:off x="14648782" y="7222486"/>
+              <a:ext cx="1415772" cy="461665"/>
+            </a:xfrm>
+            <a:prstGeom prst="rect">
+              <a:avLst/>
+            </a:prstGeom>
+            <a:noFill/>
+          </p:spPr>
+          <p:txBody>
+            <a:bodyPr wrap="none" rtlCol="0">
+              <a:spAutoFit/>
+            </a:bodyPr>
+            <a:lstStyle/>
+            <a:p>
+              <a:r>
+                <a:rPr kumimoji="1" lang="ja-JP" altLang="en-US" sz="2400" b="1">
+                  <a:solidFill>
+                    <a:schemeClr val="tx2">
+                      <a:lumMod val="75000"/>
+                    </a:schemeClr>
+                  </a:solidFill>
+                  <a:latin typeface="Yu Gothic" panose="020B0400000000000000" pitchFamily="34" charset="-128"/>
+                  <a:ea typeface="Yu Gothic" panose="020B0400000000000000" pitchFamily="34" charset="-128"/>
+                </a:rPr>
+                <a:t>ユーザー</a:t>
+              </a:r>
+            </a:p>
+          </p:txBody>
+        </p:sp>
+      </p:grpSp>
+      <p:cxnSp>
+        <p:nvCxnSpPr>
+          <p:cNvPr id="36" name="直線矢印コネクタ 35">
+            <a:extLst>
+              <a:ext uri="{FF2B5EF4-FFF2-40B4-BE49-F238E27FC236}">
+                <a16:creationId xmlns:a16="http://schemas.microsoft.com/office/drawing/2014/main" id="{A60EE49F-2CEF-1609-0E7C-E66B44AD6CD1}"/>
+              </a:ext>
+            </a:extLst>
+          </p:cNvPr>
+          <p:cNvCxnSpPr>
+            <a:cxnSpLocks/>
+          </p:cNvCxnSpPr>
+          <p:nvPr/>
+        </p:nvCxnSpPr>
+        <p:spPr>
+          <a:xfrm>
+            <a:off x="1586631" y="7108125"/>
+            <a:ext cx="1413461" cy="0"/>
+          </a:xfrm>
+          <a:prstGeom prst="straightConnector1">
+            <a:avLst/>
+          </a:prstGeom>
+          <a:ln w="57150">
+            <a:solidFill>
+              <a:schemeClr val="tx1"/>
+            </a:solidFill>
+            <a:tailEnd type="triangle"/>
+          </a:ln>
+        </p:spPr>
+        <p:style>
+          <a:lnRef idx="1">
+            <a:schemeClr val="accent1"/>
+          </a:lnRef>
+          <a:fillRef idx="0">
+            <a:schemeClr val="accent1"/>
+          </a:fillRef>
+          <a:effectRef idx="0">
+            <a:schemeClr val="accent1"/>
+          </a:effectRef>
+          <a:fontRef idx="minor">
+            <a:schemeClr val="tx1"/>
+          </a:fontRef>
+        </p:style>
+      </p:cxnSp>
+      <p:pic>
+        <p:nvPicPr>
+          <p:cNvPr id="45" name="グラフィックス 44" descr="コメント: ハート 単色塗りつぶし">
+            <a:extLst>
+              <a:ext uri="{FF2B5EF4-FFF2-40B4-BE49-F238E27FC236}">
+                <a16:creationId xmlns:a16="http://schemas.microsoft.com/office/drawing/2014/main" id="{2DFAEF9F-6478-4B99-E154-6ACC2D198808}"/>
+              </a:ext>
+            </a:extLst>
+          </p:cNvPr>
+          <p:cNvPicPr>
+            <a:picLocks noChangeAspect="1"/>
+          </p:cNvPicPr>
+          <p:nvPr/>
+        </p:nvPicPr>
+        <p:blipFill>
+          <a:blip r:embed="rId7">
+            <a:extLst>
+              <a:ext uri="{96DAC541-7B7A-43D3-8B79-37D633B846F1}">
+                <asvg:svgBlip xmlns:asvg="http://schemas.microsoft.com/office/drawing/2016/SVG/main" r:embed="rId13"/>
+              </a:ext>
+            </a:extLst>
+          </a:blip>
+          <a:stretch>
+            <a:fillRect/>
+          </a:stretch>
+        </p:blipFill>
+        <p:spPr>
+          <a:xfrm>
+            <a:off x="1727181" y="6591300"/>
+            <a:ext cx="841052" cy="841052"/>
+          </a:xfrm>
+          <a:prstGeom prst="rect">
+            <a:avLst/>
+          </a:prstGeom>
+        </p:spPr>
+      </p:pic>
+      <p:cxnSp>
+        <p:nvCxnSpPr>
+          <p:cNvPr id="49" name="直線矢印コネクタ 48">
+            <a:extLst>
+              <a:ext uri="{FF2B5EF4-FFF2-40B4-BE49-F238E27FC236}">
+                <a16:creationId xmlns:a16="http://schemas.microsoft.com/office/drawing/2014/main" id="{EF54170A-ABF0-3A56-CF2D-565007252B48}"/>
+              </a:ext>
+            </a:extLst>
+          </p:cNvPr>
+          <p:cNvCxnSpPr>
+            <a:cxnSpLocks/>
+          </p:cNvCxnSpPr>
+          <p:nvPr/>
+        </p:nvCxnSpPr>
+        <p:spPr>
+          <a:xfrm>
+            <a:off x="4658301" y="7127077"/>
+            <a:ext cx="1413461" cy="0"/>
+          </a:xfrm>
+          <a:prstGeom prst="straightConnector1">
+            <a:avLst/>
+          </a:prstGeom>
+          <a:ln w="57150">
+            <a:solidFill>
+              <a:schemeClr val="tx1"/>
+            </a:solidFill>
+            <a:tailEnd type="triangle"/>
+          </a:ln>
+        </p:spPr>
+        <p:style>
+          <a:lnRef idx="1">
+            <a:schemeClr val="accent1"/>
+          </a:lnRef>
+          <a:fillRef idx="0">
+            <a:schemeClr val="accent1"/>
+          </a:fillRef>
+          <a:effectRef idx="0">
+            <a:schemeClr val="accent1"/>
+          </a:effectRef>
+          <a:fontRef idx="minor">
+            <a:schemeClr val="tx1"/>
+          </a:fontRef>
+        </p:style>
+      </p:cxnSp>
+      <p:pic>
+        <p:nvPicPr>
+          <p:cNvPr id="50" name="グラフィックス 49" descr="コメント: ハート 単色塗りつぶし">
+            <a:extLst>
+              <a:ext uri="{FF2B5EF4-FFF2-40B4-BE49-F238E27FC236}">
+                <a16:creationId xmlns:a16="http://schemas.microsoft.com/office/drawing/2014/main" id="{D37516AF-3AA1-3637-3457-E28F067917CD}"/>
+              </a:ext>
+            </a:extLst>
+          </p:cNvPr>
+          <p:cNvPicPr>
+            <a:picLocks noChangeAspect="1"/>
+          </p:cNvPicPr>
+          <p:nvPr/>
+        </p:nvPicPr>
+        <p:blipFill>
+          <a:blip r:embed="rId7">
+            <a:extLst>
+              <a:ext uri="{96DAC541-7B7A-43D3-8B79-37D633B846F1}">
+                <asvg:svgBlip xmlns:asvg="http://schemas.microsoft.com/office/drawing/2016/SVG/main" r:embed="rId13"/>
+              </a:ext>
+            </a:extLst>
+          </a:blip>
+          <a:stretch>
+            <a:fillRect/>
+          </a:stretch>
+        </p:blipFill>
+        <p:spPr>
+          <a:xfrm>
+            <a:off x="4798851" y="6591300"/>
+            <a:ext cx="841052" cy="841052"/>
+          </a:xfrm>
+          <a:prstGeom prst="rect">
+            <a:avLst/>
+          </a:prstGeom>
+        </p:spPr>
+      </p:pic>
+    </p:spTree>
+    <p:extLst>
+      <p:ext uri="{BB962C8B-B14F-4D97-AF65-F5344CB8AC3E}">
+        <p14:creationId xmlns:p14="http://schemas.microsoft.com/office/powerpoint/2010/main" val="3390428225"/>
+      </p:ext>
+    </p:extLst>
   </p:cSld>
   <p:clrMapOvr>
     <a:masterClrMapping/>
@@ -15153,52 +17614,6 @@
       </p:pic>
       <p:cxnSp>
         <p:nvCxnSpPr>
-          <p:cNvPr id="56" name="直線矢印コネクタ 55">
-            <a:extLst>
-              <a:ext uri="{FF2B5EF4-FFF2-40B4-BE49-F238E27FC236}">
-                <a16:creationId xmlns:a16="http://schemas.microsoft.com/office/drawing/2014/main" id="{F5D500EB-E324-74D2-C8E2-B825243112DA}"/>
-              </a:ext>
-            </a:extLst>
-          </p:cNvPr>
-          <p:cNvCxnSpPr>
-            <a:cxnSpLocks/>
-          </p:cNvCxnSpPr>
-          <p:nvPr/>
-        </p:nvCxnSpPr>
-        <p:spPr>
-          <a:xfrm flipH="1">
-            <a:off x="7277690" y="3984468"/>
-            <a:ext cx="1676400" cy="5755"/>
-          </a:xfrm>
-          <a:prstGeom prst="straightConnector1">
-            <a:avLst/>
-          </a:prstGeom>
-          <a:ln w="57150">
-            <a:solidFill>
-              <a:schemeClr val="bg1">
-                <a:lumMod val="75000"/>
-              </a:schemeClr>
-            </a:solidFill>
-            <a:tailEnd type="triangle"/>
-          </a:ln>
-        </p:spPr>
-        <p:style>
-          <a:lnRef idx="1">
-            <a:schemeClr val="accent1"/>
-          </a:lnRef>
-          <a:fillRef idx="0">
-            <a:schemeClr val="accent1"/>
-          </a:fillRef>
-          <a:effectRef idx="0">
-            <a:schemeClr val="accent1"/>
-          </a:effectRef>
-          <a:fontRef idx="minor">
-            <a:schemeClr val="tx1"/>
-          </a:fontRef>
-        </p:style>
-      </p:cxnSp>
-      <p:cxnSp>
-        <p:nvCxnSpPr>
           <p:cNvPr id="70" name="カギ線コネクタ 69">
             <a:extLst>
               <a:ext uri="{FF2B5EF4-FFF2-40B4-BE49-F238E27FC236}">
@@ -15478,42 +17893,6 @@
           </p:txBody>
         </p:sp>
       </p:grpSp>
-      <p:pic>
-        <p:nvPicPr>
-          <p:cNvPr id="90" name="グラフィックス 89" descr="レシート 単色塗りつぶし">
-            <a:extLst>
-              <a:ext uri="{FF2B5EF4-FFF2-40B4-BE49-F238E27FC236}">
-                <a16:creationId xmlns:a16="http://schemas.microsoft.com/office/drawing/2014/main" id="{9B72D969-874F-043F-67D5-7654695394CB}"/>
-              </a:ext>
-            </a:extLst>
-          </p:cNvPr>
-          <p:cNvPicPr>
-            <a:picLocks noChangeAspect="1"/>
-          </p:cNvPicPr>
-          <p:nvPr/>
-        </p:nvPicPr>
-        <p:blipFill>
-          <a:blip r:embed="rId13">
-            <a:extLst>
-              <a:ext uri="{96DAC541-7B7A-43D3-8B79-37D633B846F1}">
-                <asvg:svgBlip xmlns:asvg="http://schemas.microsoft.com/office/drawing/2016/SVG/main" r:embed="rId17"/>
-              </a:ext>
-            </a:extLst>
-          </a:blip>
-          <a:stretch>
-            <a:fillRect/>
-          </a:stretch>
-        </p:blipFill>
-        <p:spPr>
-          <a:xfrm>
-            <a:off x="7716016" y="3704938"/>
-            <a:ext cx="654366" cy="654366"/>
-          </a:xfrm>
-          <a:prstGeom prst="rect">
-            <a:avLst/>
-          </a:prstGeom>
-        </p:spPr>
-      </p:pic>
       <p:grpSp>
         <p:nvGrpSpPr>
           <p:cNvPr id="101" name="グループ化 100">
@@ -15579,10 +17958,10 @@
               </a:pathLst>
             </a:custGeom>
             <a:blipFill>
-              <a:blip r:embed="rId18">
+              <a:blip r:embed="rId17">
                 <a:extLst>
                   <a:ext uri="{96DAC541-7B7A-43D3-8B79-37D633B846F1}">
-                    <asvg:svgBlip xmlns:asvg="http://schemas.microsoft.com/office/drawing/2016/SVG/main" r:embed="rId19"/>
+                    <asvg:svgBlip xmlns:asvg="http://schemas.microsoft.com/office/drawing/2016/SVG/main" r:embed="rId18"/>
                   </a:ext>
                 </a:extLst>
               </a:blip>
@@ -15703,10 +18082,10 @@
           <p:nvPr/>
         </p:nvPicPr>
         <p:blipFill>
-          <a:blip r:embed="rId20">
+          <a:blip r:embed="rId19">
             <a:extLst>
               <a:ext uri="{96DAC541-7B7A-43D3-8B79-37D633B846F1}">
-                <asvg:svgBlip xmlns:asvg="http://schemas.microsoft.com/office/drawing/2016/SVG/main" r:embed="rId21"/>
+                <asvg:svgBlip xmlns:asvg="http://schemas.microsoft.com/office/drawing/2016/SVG/main" r:embed="rId20"/>
               </a:ext>
             </a:extLst>
           </a:blip>
@@ -15759,10 +18138,10 @@
             <p:nvPr/>
           </p:nvPicPr>
           <p:blipFill>
-            <a:blip r:embed="rId22">
+            <a:blip r:embed="rId21">
               <a:extLst>
                 <a:ext uri="{96DAC541-7B7A-43D3-8B79-37D633B846F1}">
-                  <asvg:svgBlip xmlns:asvg="http://schemas.microsoft.com/office/drawing/2016/SVG/main" r:embed="rId23"/>
+                  <asvg:svgBlip xmlns:asvg="http://schemas.microsoft.com/office/drawing/2016/SVG/main" r:embed="rId22"/>
                 </a:ext>
               </a:extLst>
             </a:blip>
@@ -15930,10 +18309,10 @@
           <p:nvPr/>
         </p:nvPicPr>
         <p:blipFill>
-          <a:blip r:embed="rId24">
+          <a:blip r:embed="rId23">
             <a:extLst>
               <a:ext uri="{96DAC541-7B7A-43D3-8B79-37D633B846F1}">
-                <asvg:svgBlip xmlns:asvg="http://schemas.microsoft.com/office/drawing/2016/SVG/main" r:embed="rId25"/>
+                <asvg:svgBlip xmlns:asvg="http://schemas.microsoft.com/office/drawing/2016/SVG/main" r:embed="rId24"/>
               </a:ext>
             </a:extLst>
           </a:blip>
@@ -16057,10 +18436,10 @@
           <p:nvPr/>
         </p:nvPicPr>
         <p:blipFill>
-          <a:blip r:embed="rId20">
+          <a:blip r:embed="rId19">
             <a:extLst>
               <a:ext uri="{96DAC541-7B7A-43D3-8B79-37D633B846F1}">
-                <asvg:svgBlip xmlns:asvg="http://schemas.microsoft.com/office/drawing/2016/SVG/main" r:embed="rId21"/>
+                <asvg:svgBlip xmlns:asvg="http://schemas.microsoft.com/office/drawing/2016/SVG/main" r:embed="rId20"/>
               </a:ext>
             </a:extLst>
           </a:blip>
@@ -16093,10 +18472,10 @@
           <p:nvPr/>
         </p:nvPicPr>
         <p:blipFill>
-          <a:blip r:embed="rId20">
+          <a:blip r:embed="rId19">
             <a:extLst>
               <a:ext uri="{96DAC541-7B7A-43D3-8B79-37D633B846F1}">
-                <asvg:svgBlip xmlns:asvg="http://schemas.microsoft.com/office/drawing/2016/SVG/main" r:embed="rId21"/>
+                <asvg:svgBlip xmlns:asvg="http://schemas.microsoft.com/office/drawing/2016/SVG/main" r:embed="rId20"/>
               </a:ext>
             </a:extLst>
           </a:blip>
@@ -16264,10 +18643,10 @@
           <p:nvPr/>
         </p:nvPicPr>
         <p:blipFill>
-          <a:blip r:embed="rId24">
+          <a:blip r:embed="rId23">
             <a:extLst>
               <a:ext uri="{96DAC541-7B7A-43D3-8B79-37D633B846F1}">
-                <asvg:svgBlip xmlns:asvg="http://schemas.microsoft.com/office/drawing/2016/SVG/main" r:embed="rId25"/>
+                <asvg:svgBlip xmlns:asvg="http://schemas.microsoft.com/office/drawing/2016/SVG/main" r:embed="rId24"/>
               </a:ext>
             </a:extLst>
           </a:blip>
@@ -16411,10 +18790,10 @@
             <p:nvPr/>
           </p:nvPicPr>
           <p:blipFill>
-            <a:blip r:embed="rId26">
+            <a:blip r:embed="rId25">
               <a:extLst>
                 <a:ext uri="{96DAC541-7B7A-43D3-8B79-37D633B846F1}">
-                  <asvg:svgBlip xmlns:asvg="http://schemas.microsoft.com/office/drawing/2016/SVG/main" r:embed="rId27"/>
+                  <asvg:svgBlip xmlns:asvg="http://schemas.microsoft.com/office/drawing/2016/SVG/main" r:embed="rId26"/>
                 </a:ext>
               </a:extLst>
             </a:blip>
@@ -16536,10 +18915,10 @@
           <p:nvPr/>
         </p:nvPicPr>
         <p:blipFill>
-          <a:blip r:embed="rId28">
+          <a:blip r:embed="rId27">
             <a:extLst>
               <a:ext uri="{96DAC541-7B7A-43D3-8B79-37D633B846F1}">
-                <asvg:svgBlip xmlns:asvg="http://schemas.microsoft.com/office/drawing/2016/SVG/main" r:embed="rId29"/>
+                <asvg:svgBlip xmlns:asvg="http://schemas.microsoft.com/office/drawing/2016/SVG/main" r:embed="rId28"/>
               </a:ext>
             </a:extLst>
           </a:blip>
@@ -16844,10 +19223,10 @@
             <p:nvPr/>
           </p:nvPicPr>
           <p:blipFill>
-            <a:blip r:embed="rId30">
+            <a:blip r:embed="rId29">
               <a:extLst>
                 <a:ext uri="{96DAC541-7B7A-43D3-8B79-37D633B846F1}">
-                  <asvg:svgBlip xmlns:asvg="http://schemas.microsoft.com/office/drawing/2016/SVG/main" r:embed="rId31"/>
+                  <asvg:svgBlip xmlns:asvg="http://schemas.microsoft.com/office/drawing/2016/SVG/main" r:embed="rId30"/>
                 </a:ext>
               </a:extLst>
             </a:blip>
@@ -16880,10 +19259,10 @@
             <p:nvPr/>
           </p:nvPicPr>
           <p:blipFill>
-            <a:blip r:embed="rId32">
+            <a:blip r:embed="rId31">
               <a:extLst>
                 <a:ext uri="{96DAC541-7B7A-43D3-8B79-37D633B846F1}">
-                  <asvg:svgBlip xmlns:asvg="http://schemas.microsoft.com/office/drawing/2016/SVG/main" r:embed="rId33"/>
+                  <asvg:svgBlip xmlns:asvg="http://schemas.microsoft.com/office/drawing/2016/SVG/main" r:embed="rId32"/>
                 </a:ext>
               </a:extLst>
             </a:blip>
@@ -16916,10 +19295,10 @@
             <p:nvPr/>
           </p:nvPicPr>
           <p:blipFill>
-            <a:blip r:embed="rId20">
+            <a:blip r:embed="rId19">
               <a:extLst>
                 <a:ext uri="{96DAC541-7B7A-43D3-8B79-37D633B846F1}">
-                  <asvg:svgBlip xmlns:asvg="http://schemas.microsoft.com/office/drawing/2016/SVG/main" r:embed="rId34"/>
+                  <asvg:svgBlip xmlns:asvg="http://schemas.microsoft.com/office/drawing/2016/SVG/main" r:embed="rId33"/>
                 </a:ext>
               </a:extLst>
             </a:blip>
@@ -16952,10 +19331,10 @@
             <p:nvPr/>
           </p:nvPicPr>
           <p:blipFill>
-            <a:blip r:embed="rId35">
+            <a:blip r:embed="rId34">
               <a:extLst>
                 <a:ext uri="{96DAC541-7B7A-43D3-8B79-37D633B846F1}">
-                  <asvg:svgBlip xmlns:asvg="http://schemas.microsoft.com/office/drawing/2016/SVG/main" r:embed="rId36"/>
+                  <asvg:svgBlip xmlns:asvg="http://schemas.microsoft.com/office/drawing/2016/SVG/main" r:embed="rId35"/>
                 </a:ext>
               </a:extLst>
             </a:blip>
@@ -16988,10 +19367,10 @@
             <p:nvPr/>
           </p:nvPicPr>
           <p:blipFill>
-            <a:blip r:embed="rId28">
+            <a:blip r:embed="rId27">
               <a:extLst>
                 <a:ext uri="{96DAC541-7B7A-43D3-8B79-37D633B846F1}">
-                  <asvg:svgBlip xmlns:asvg="http://schemas.microsoft.com/office/drawing/2016/SVG/main" r:embed="rId29"/>
+                  <asvg:svgBlip xmlns:asvg="http://schemas.microsoft.com/office/drawing/2016/SVG/main" r:embed="rId28"/>
                 </a:ext>
               </a:extLst>
             </a:blip>
@@ -17159,10 +19538,10 @@
           <p:nvPr/>
         </p:nvPicPr>
         <p:blipFill>
-          <a:blip r:embed="rId28">
+          <a:blip r:embed="rId27">
             <a:extLst>
               <a:ext uri="{96DAC541-7B7A-43D3-8B79-37D633B846F1}">
-                <asvg:svgBlip xmlns:asvg="http://schemas.microsoft.com/office/drawing/2016/SVG/main" r:embed="rId29"/>
+                <asvg:svgBlip xmlns:asvg="http://schemas.microsoft.com/office/drawing/2016/SVG/main" r:embed="rId28"/>
               </a:ext>
             </a:extLst>
           </a:blip>
@@ -17290,7 +19669,7 @@
           <a:blip r:embed="rId13">
             <a:extLst>
               <a:ext uri="{96DAC541-7B7A-43D3-8B79-37D633B846F1}">
-                <asvg:svgBlip xmlns:asvg="http://schemas.microsoft.com/office/drawing/2016/SVG/main" r:embed="rId17"/>
+                <asvg:svgBlip xmlns:asvg="http://schemas.microsoft.com/office/drawing/2016/SVG/main" r:embed="rId36"/>
               </a:ext>
             </a:extLst>
           </a:blip>
@@ -17350,6 +19729,86 @@
           </a:p>
         </p:txBody>
       </p:sp>
+      <p:cxnSp>
+        <p:nvCxnSpPr>
+          <p:cNvPr id="16" name="直線矢印コネクタ 15">
+            <a:extLst>
+              <a:ext uri="{FF2B5EF4-FFF2-40B4-BE49-F238E27FC236}">
+                <a16:creationId xmlns:a16="http://schemas.microsoft.com/office/drawing/2014/main" id="{582D3E43-4917-611E-16B2-AD24D808668E}"/>
+              </a:ext>
+            </a:extLst>
+          </p:cNvPr>
+          <p:cNvCxnSpPr>
+            <a:cxnSpLocks/>
+          </p:cNvCxnSpPr>
+          <p:nvPr/>
+        </p:nvCxnSpPr>
+        <p:spPr>
+          <a:xfrm flipH="1">
+            <a:off x="7277690" y="3984468"/>
+            <a:ext cx="1676400" cy="5755"/>
+          </a:xfrm>
+          <a:prstGeom prst="straightConnector1">
+            <a:avLst/>
+          </a:prstGeom>
+          <a:ln w="57150">
+            <a:solidFill>
+              <a:schemeClr val="tx1"/>
+            </a:solidFill>
+            <a:tailEnd type="triangle"/>
+          </a:ln>
+        </p:spPr>
+        <p:style>
+          <a:lnRef idx="1">
+            <a:schemeClr val="accent1"/>
+          </a:lnRef>
+          <a:fillRef idx="0">
+            <a:schemeClr val="accent1"/>
+          </a:fillRef>
+          <a:effectRef idx="0">
+            <a:schemeClr val="accent1"/>
+          </a:effectRef>
+          <a:fontRef idx="minor">
+            <a:schemeClr val="tx1"/>
+          </a:fontRef>
+        </p:style>
+      </p:cxnSp>
+      <p:pic>
+        <p:nvPicPr>
+          <p:cNvPr id="20" name="グラフィックス 19" descr="レシート 単色塗りつぶし">
+            <a:extLst>
+              <a:ext uri="{FF2B5EF4-FFF2-40B4-BE49-F238E27FC236}">
+                <a16:creationId xmlns:a16="http://schemas.microsoft.com/office/drawing/2014/main" id="{E6DB10E9-31B4-254A-BE4C-257D29D01D95}"/>
+              </a:ext>
+            </a:extLst>
+          </p:cNvPr>
+          <p:cNvPicPr>
+            <a:picLocks noChangeAspect="1"/>
+          </p:cNvPicPr>
+          <p:nvPr/>
+        </p:nvPicPr>
+        <p:blipFill>
+          <a:blip r:embed="rId37">
+            <a:extLst>
+              <a:ext uri="{96DAC541-7B7A-43D3-8B79-37D633B846F1}">
+                <asvg:svgBlip xmlns:asvg="http://schemas.microsoft.com/office/drawing/2016/SVG/main" r:embed="rId38"/>
+              </a:ext>
+            </a:extLst>
+          </a:blip>
+          <a:stretch>
+            <a:fillRect/>
+          </a:stretch>
+        </p:blipFill>
+        <p:spPr>
+          <a:xfrm>
+            <a:off x="7716016" y="3704938"/>
+            <a:ext cx="654366" cy="654366"/>
+          </a:xfrm>
+          <a:prstGeom prst="rect">
+            <a:avLst/>
+          </a:prstGeom>
+        </p:spPr>
+      </p:pic>
     </p:spTree>
     <p:extLst>
       <p:ext uri="{BB962C8B-B14F-4D97-AF65-F5344CB8AC3E}">
@@ -18440,52 +20899,6 @@
       </p:pic>
       <p:cxnSp>
         <p:nvCxnSpPr>
-          <p:cNvPr id="56" name="直線矢印コネクタ 55">
-            <a:extLst>
-              <a:ext uri="{FF2B5EF4-FFF2-40B4-BE49-F238E27FC236}">
-                <a16:creationId xmlns:a16="http://schemas.microsoft.com/office/drawing/2014/main" id="{4FB73C3C-F380-624F-E022-BAA461115288}"/>
-              </a:ext>
-            </a:extLst>
-          </p:cNvPr>
-          <p:cNvCxnSpPr>
-            <a:cxnSpLocks/>
-          </p:cNvCxnSpPr>
-          <p:nvPr/>
-        </p:nvCxnSpPr>
-        <p:spPr>
-          <a:xfrm flipH="1">
-            <a:off x="7277690" y="3984468"/>
-            <a:ext cx="1676400" cy="5755"/>
-          </a:xfrm>
-          <a:prstGeom prst="straightConnector1">
-            <a:avLst/>
-          </a:prstGeom>
-          <a:ln w="57150">
-            <a:solidFill>
-              <a:schemeClr val="bg1">
-                <a:lumMod val="75000"/>
-              </a:schemeClr>
-            </a:solidFill>
-            <a:tailEnd type="triangle"/>
-          </a:ln>
-        </p:spPr>
-        <p:style>
-          <a:lnRef idx="1">
-            <a:schemeClr val="accent1"/>
-          </a:lnRef>
-          <a:fillRef idx="0">
-            <a:schemeClr val="accent1"/>
-          </a:fillRef>
-          <a:effectRef idx="0">
-            <a:schemeClr val="accent1"/>
-          </a:effectRef>
-          <a:fontRef idx="minor">
-            <a:schemeClr val="tx1"/>
-          </a:fontRef>
-        </p:style>
-      </p:cxnSp>
-      <p:cxnSp>
-        <p:nvCxnSpPr>
           <p:cNvPr id="70" name="カギ線コネクタ 69">
             <a:extLst>
               <a:ext uri="{FF2B5EF4-FFF2-40B4-BE49-F238E27FC236}">
@@ -18765,42 +21178,6 @@
           </p:txBody>
         </p:sp>
       </p:grpSp>
-      <p:pic>
-        <p:nvPicPr>
-          <p:cNvPr id="90" name="グラフィックス 89" descr="レシート 単色塗りつぶし">
-            <a:extLst>
-              <a:ext uri="{FF2B5EF4-FFF2-40B4-BE49-F238E27FC236}">
-                <a16:creationId xmlns:a16="http://schemas.microsoft.com/office/drawing/2014/main" id="{0A768592-1D00-AAE6-E3DA-E8829808DDEB}"/>
-              </a:ext>
-            </a:extLst>
-          </p:cNvPr>
-          <p:cNvPicPr>
-            <a:picLocks noChangeAspect="1"/>
-          </p:cNvPicPr>
-          <p:nvPr/>
-        </p:nvPicPr>
-        <p:blipFill>
-          <a:blip r:embed="rId13">
-            <a:extLst>
-              <a:ext uri="{96DAC541-7B7A-43D3-8B79-37D633B846F1}">
-                <asvg:svgBlip xmlns:asvg="http://schemas.microsoft.com/office/drawing/2016/SVG/main" r:embed="rId17"/>
-              </a:ext>
-            </a:extLst>
-          </a:blip>
-          <a:stretch>
-            <a:fillRect/>
-          </a:stretch>
-        </p:blipFill>
-        <p:spPr>
-          <a:xfrm>
-            <a:off x="7716016" y="3704938"/>
-            <a:ext cx="654366" cy="654366"/>
-          </a:xfrm>
-          <a:prstGeom prst="rect">
-            <a:avLst/>
-          </a:prstGeom>
-        </p:spPr>
-      </p:pic>
       <p:grpSp>
         <p:nvGrpSpPr>
           <p:cNvPr id="101" name="グループ化 100">
@@ -18866,10 +21243,10 @@
               </a:pathLst>
             </a:custGeom>
             <a:blipFill>
-              <a:blip r:embed="rId18">
+              <a:blip r:embed="rId17">
                 <a:extLst>
                   <a:ext uri="{96DAC541-7B7A-43D3-8B79-37D633B846F1}">
-                    <asvg:svgBlip xmlns:asvg="http://schemas.microsoft.com/office/drawing/2016/SVG/main" r:embed="rId19"/>
+                    <asvg:svgBlip xmlns:asvg="http://schemas.microsoft.com/office/drawing/2016/SVG/main" r:embed="rId18"/>
                   </a:ext>
                 </a:extLst>
               </a:blip>
@@ -18990,10 +21367,10 @@
           <p:nvPr/>
         </p:nvPicPr>
         <p:blipFill>
-          <a:blip r:embed="rId20">
+          <a:blip r:embed="rId19">
             <a:extLst>
               <a:ext uri="{96DAC541-7B7A-43D3-8B79-37D633B846F1}">
-                <asvg:svgBlip xmlns:asvg="http://schemas.microsoft.com/office/drawing/2016/SVG/main" r:embed="rId21"/>
+                <asvg:svgBlip xmlns:asvg="http://schemas.microsoft.com/office/drawing/2016/SVG/main" r:embed="rId20"/>
               </a:ext>
             </a:extLst>
           </a:blip>
@@ -19046,10 +21423,10 @@
             <p:nvPr/>
           </p:nvPicPr>
           <p:blipFill>
-            <a:blip r:embed="rId22">
+            <a:blip r:embed="rId21">
               <a:extLst>
                 <a:ext uri="{96DAC541-7B7A-43D3-8B79-37D633B846F1}">
-                  <asvg:svgBlip xmlns:asvg="http://schemas.microsoft.com/office/drawing/2016/SVG/main" r:embed="rId23"/>
+                  <asvg:svgBlip xmlns:asvg="http://schemas.microsoft.com/office/drawing/2016/SVG/main" r:embed="rId22"/>
                 </a:ext>
               </a:extLst>
             </a:blip>
@@ -19304,10 +21681,10 @@
           <p:nvPr/>
         </p:nvPicPr>
         <p:blipFill>
-          <a:blip r:embed="rId20">
+          <a:blip r:embed="rId19">
             <a:extLst>
               <a:ext uri="{96DAC541-7B7A-43D3-8B79-37D633B846F1}">
-                <asvg:svgBlip xmlns:asvg="http://schemas.microsoft.com/office/drawing/2016/SVG/main" r:embed="rId21"/>
+                <asvg:svgBlip xmlns:asvg="http://schemas.microsoft.com/office/drawing/2016/SVG/main" r:embed="rId20"/>
               </a:ext>
             </a:extLst>
           </a:blip>
@@ -19340,10 +21717,10 @@
           <p:nvPr/>
         </p:nvPicPr>
         <p:blipFill>
-          <a:blip r:embed="rId20">
+          <a:blip r:embed="rId19">
             <a:extLst>
               <a:ext uri="{96DAC541-7B7A-43D3-8B79-37D633B846F1}">
-                <asvg:svgBlip xmlns:asvg="http://schemas.microsoft.com/office/drawing/2016/SVG/main" r:embed="rId21"/>
+                <asvg:svgBlip xmlns:asvg="http://schemas.microsoft.com/office/drawing/2016/SVG/main" r:embed="rId20"/>
               </a:ext>
             </a:extLst>
           </a:blip>
@@ -19622,10 +21999,10 @@
             <p:nvPr/>
           </p:nvPicPr>
           <p:blipFill>
-            <a:blip r:embed="rId24">
+            <a:blip r:embed="rId23">
               <a:extLst>
                 <a:ext uri="{96DAC541-7B7A-43D3-8B79-37D633B846F1}">
-                  <asvg:svgBlip xmlns:asvg="http://schemas.microsoft.com/office/drawing/2016/SVG/main" r:embed="rId25"/>
+                  <asvg:svgBlip xmlns:asvg="http://schemas.microsoft.com/office/drawing/2016/SVG/main" r:embed="rId24"/>
                 </a:ext>
               </a:extLst>
             </a:blip>
@@ -19710,9 +22087,9 @@
           <a:prstGeom prst="straightConnector1">
             <a:avLst/>
           </a:prstGeom>
-          <a:ln w="57150">
+          <a:ln w="76200">
             <a:solidFill>
-              <a:schemeClr val="tx1"/>
+              <a:srgbClr val="C00000"/>
             </a:solidFill>
             <a:tailEnd type="triangle"/>
           </a:ln>
@@ -19747,10 +22124,10 @@
           <p:nvPr/>
         </p:nvPicPr>
         <p:blipFill>
-          <a:blip r:embed="rId26">
+          <a:blip r:embed="rId25">
             <a:extLst>
               <a:ext uri="{96DAC541-7B7A-43D3-8B79-37D633B846F1}">
-                <asvg:svgBlip xmlns:asvg="http://schemas.microsoft.com/office/drawing/2016/SVG/main" r:embed="rId27"/>
+                <asvg:svgBlip xmlns:asvg="http://schemas.microsoft.com/office/drawing/2016/SVG/main" r:embed="rId26"/>
               </a:ext>
             </a:extLst>
           </a:blip>
@@ -20055,10 +22432,10 @@
             <p:nvPr/>
           </p:nvPicPr>
           <p:blipFill>
-            <a:blip r:embed="rId28">
+            <a:blip r:embed="rId27">
               <a:extLst>
                 <a:ext uri="{96DAC541-7B7A-43D3-8B79-37D633B846F1}">
-                  <asvg:svgBlip xmlns:asvg="http://schemas.microsoft.com/office/drawing/2016/SVG/main" r:embed="rId29"/>
+                  <asvg:svgBlip xmlns:asvg="http://schemas.microsoft.com/office/drawing/2016/SVG/main" r:embed="rId28"/>
                 </a:ext>
               </a:extLst>
             </a:blip>
@@ -20091,10 +22468,10 @@
             <p:nvPr/>
           </p:nvPicPr>
           <p:blipFill>
-            <a:blip r:embed="rId30">
+            <a:blip r:embed="rId29">
               <a:extLst>
                 <a:ext uri="{96DAC541-7B7A-43D3-8B79-37D633B846F1}">
-                  <asvg:svgBlip xmlns:asvg="http://schemas.microsoft.com/office/drawing/2016/SVG/main" r:embed="rId31"/>
+                  <asvg:svgBlip xmlns:asvg="http://schemas.microsoft.com/office/drawing/2016/SVG/main" r:embed="rId30"/>
                 </a:ext>
               </a:extLst>
             </a:blip>
@@ -20127,10 +22504,10 @@
             <p:nvPr/>
           </p:nvPicPr>
           <p:blipFill>
-            <a:blip r:embed="rId20">
+            <a:blip r:embed="rId19">
               <a:extLst>
                 <a:ext uri="{96DAC541-7B7A-43D3-8B79-37D633B846F1}">
-                  <asvg:svgBlip xmlns:asvg="http://schemas.microsoft.com/office/drawing/2016/SVG/main" r:embed="rId32"/>
+                  <asvg:svgBlip xmlns:asvg="http://schemas.microsoft.com/office/drawing/2016/SVG/main" r:embed="rId31"/>
                 </a:ext>
               </a:extLst>
             </a:blip>
@@ -20163,10 +22540,10 @@
             <p:nvPr/>
           </p:nvPicPr>
           <p:blipFill>
-            <a:blip r:embed="rId33">
+            <a:blip r:embed="rId32">
               <a:extLst>
                 <a:ext uri="{96DAC541-7B7A-43D3-8B79-37D633B846F1}">
-                  <asvg:svgBlip xmlns:asvg="http://schemas.microsoft.com/office/drawing/2016/SVG/main" r:embed="rId34"/>
+                  <asvg:svgBlip xmlns:asvg="http://schemas.microsoft.com/office/drawing/2016/SVG/main" r:embed="rId33"/>
                 </a:ext>
               </a:extLst>
             </a:blip>
@@ -20199,10 +22576,10 @@
             <p:nvPr/>
           </p:nvPicPr>
           <p:blipFill>
-            <a:blip r:embed="rId26">
+            <a:blip r:embed="rId25">
               <a:extLst>
                 <a:ext uri="{96DAC541-7B7A-43D3-8B79-37D633B846F1}">
-                  <asvg:svgBlip xmlns:asvg="http://schemas.microsoft.com/office/drawing/2016/SVG/main" r:embed="rId27"/>
+                  <asvg:svgBlip xmlns:asvg="http://schemas.microsoft.com/office/drawing/2016/SVG/main" r:embed="rId26"/>
                 </a:ext>
               </a:extLst>
             </a:blip>
@@ -20369,10 +22746,10 @@
           <p:nvPr/>
         </p:nvPicPr>
         <p:blipFill>
-          <a:blip r:embed="rId26">
+          <a:blip r:embed="rId25">
             <a:extLst>
               <a:ext uri="{96DAC541-7B7A-43D3-8B79-37D633B846F1}">
-                <asvg:svgBlip xmlns:asvg="http://schemas.microsoft.com/office/drawing/2016/SVG/main" r:embed="rId27"/>
+                <asvg:svgBlip xmlns:asvg="http://schemas.microsoft.com/office/drawing/2016/SVG/main" r:embed="rId26"/>
               </a:ext>
             </a:extLst>
           </a:blip>
@@ -20500,7 +22877,7 @@
           <a:blip r:embed="rId13">
             <a:extLst>
               <a:ext uri="{96DAC541-7B7A-43D3-8B79-37D633B846F1}">
-                <asvg:svgBlip xmlns:asvg="http://schemas.microsoft.com/office/drawing/2016/SVG/main" r:embed="rId17"/>
+                <asvg:svgBlip xmlns:asvg="http://schemas.microsoft.com/office/drawing/2016/SVG/main" r:embed="rId34"/>
               </a:ext>
             </a:extLst>
           </a:blip>
@@ -20761,6 +23138,133 @@
                 </a:highlight>
               </a:rPr>
               <a:t>モックデータ作成</a:t>
+            </a:r>
+          </a:p>
+        </p:txBody>
+      </p:sp>
+      <p:cxnSp>
+        <p:nvCxnSpPr>
+          <p:cNvPr id="31" name="直線矢印コネクタ 30">
+            <a:extLst>
+              <a:ext uri="{FF2B5EF4-FFF2-40B4-BE49-F238E27FC236}">
+                <a16:creationId xmlns:a16="http://schemas.microsoft.com/office/drawing/2014/main" id="{A1E47BC6-4C17-0680-70FA-11C2A27272BA}"/>
+              </a:ext>
+            </a:extLst>
+          </p:cNvPr>
+          <p:cNvCxnSpPr>
+            <a:cxnSpLocks/>
+          </p:cNvCxnSpPr>
+          <p:nvPr/>
+        </p:nvCxnSpPr>
+        <p:spPr>
+          <a:xfrm flipH="1">
+            <a:off x="7277690" y="3984468"/>
+            <a:ext cx="1676400" cy="5755"/>
+          </a:xfrm>
+          <a:prstGeom prst="straightConnector1">
+            <a:avLst/>
+          </a:prstGeom>
+          <a:ln w="76200">
+            <a:solidFill>
+              <a:srgbClr val="C00000"/>
+            </a:solidFill>
+            <a:tailEnd type="triangle"/>
+          </a:ln>
+        </p:spPr>
+        <p:style>
+          <a:lnRef idx="1">
+            <a:schemeClr val="accent1"/>
+          </a:lnRef>
+          <a:fillRef idx="0">
+            <a:schemeClr val="accent1"/>
+          </a:fillRef>
+          <a:effectRef idx="0">
+            <a:schemeClr val="accent1"/>
+          </a:effectRef>
+          <a:fontRef idx="minor">
+            <a:schemeClr val="tx1"/>
+          </a:fontRef>
+        </p:style>
+      </p:cxnSp>
+      <p:pic>
+        <p:nvPicPr>
+          <p:cNvPr id="35" name="グラフィックス 34" descr="レシート 単色塗りつぶし">
+            <a:extLst>
+              <a:ext uri="{FF2B5EF4-FFF2-40B4-BE49-F238E27FC236}">
+                <a16:creationId xmlns:a16="http://schemas.microsoft.com/office/drawing/2014/main" id="{15AFC007-CAE0-70CA-555C-EE14DCC60E74}"/>
+              </a:ext>
+            </a:extLst>
+          </p:cNvPr>
+          <p:cNvPicPr>
+            <a:picLocks noChangeAspect="1"/>
+          </p:cNvPicPr>
+          <p:nvPr/>
+        </p:nvPicPr>
+        <p:blipFill>
+          <a:blip r:embed="rId29">
+            <a:extLst>
+              <a:ext uri="{96DAC541-7B7A-43D3-8B79-37D633B846F1}">
+                <asvg:svgBlip xmlns:asvg="http://schemas.microsoft.com/office/drawing/2016/SVG/main" r:embed="rId37"/>
+              </a:ext>
+            </a:extLst>
+          </a:blip>
+          <a:stretch>
+            <a:fillRect/>
+          </a:stretch>
+        </p:blipFill>
+        <p:spPr>
+          <a:xfrm>
+            <a:off x="7716016" y="3704938"/>
+            <a:ext cx="654366" cy="654366"/>
+          </a:xfrm>
+          <a:prstGeom prst="rect">
+            <a:avLst/>
+          </a:prstGeom>
+        </p:spPr>
+      </p:pic>
+      <p:sp>
+        <p:nvSpPr>
+          <p:cNvPr id="37" name="テキスト ボックス 36">
+            <a:extLst>
+              <a:ext uri="{FF2B5EF4-FFF2-40B4-BE49-F238E27FC236}">
+                <a16:creationId xmlns:a16="http://schemas.microsoft.com/office/drawing/2014/main" id="{74031A15-52F4-AF19-6F63-BE48E9D14603}"/>
+              </a:ext>
+            </a:extLst>
+          </p:cNvPr>
+          <p:cNvSpPr txBox="1"/>
+          <p:nvPr/>
+        </p:nvSpPr>
+        <p:spPr>
+          <a:xfrm>
+            <a:off x="6384731" y="4429026"/>
+            <a:ext cx="2531462" cy="400110"/>
+          </a:xfrm>
+          <a:prstGeom prst="rect">
+            <a:avLst/>
+          </a:prstGeom>
+          <a:noFill/>
+        </p:spPr>
+        <p:txBody>
+          <a:bodyPr wrap="none" rtlCol="0">
+            <a:spAutoFit/>
+          </a:bodyPr>
+          <a:lstStyle/>
+          <a:p>
+            <a:r>
+              <a:rPr kumimoji="1" lang="en-US" altLang="ja-JP" sz="2000" dirty="0">
+                <a:highlight>
+                  <a:srgbClr val="FFE8E1"/>
+                </a:highlight>
+              </a:rPr>
+              <a:t>Json</a:t>
+            </a:r>
+            <a:r>
+              <a:rPr kumimoji="1" lang="ja-JP" altLang="en-US" sz="2000">
+                <a:highlight>
+                  <a:srgbClr val="FFE8E1"/>
+                </a:highlight>
+              </a:rPr>
+              <a:t>ファイル作成修正</a:t>
             </a:r>
           </a:p>
         </p:txBody>
@@ -21892,7 +24396,7 @@
         <p:spPr>
           <a:xfrm>
             <a:off x="4648200" y="6703877"/>
-            <a:ext cx="8020738" cy="2127493"/>
+            <a:ext cx="8020738" cy="2243490"/>
           </a:xfrm>
           <a:prstGeom prst="rect">
             <a:avLst/>
@@ -22416,7 +24920,7 @@
                 <a:cs typeface="Open Sans Bold"/>
                 <a:sym typeface="Open Sans Bold"/>
               </a:rPr>
-              <a:t>0n</a:t>
+              <a:t>04</a:t>
             </a:r>
           </a:p>
         </p:txBody>
@@ -22507,6 +25011,58 @@
           </a:ln>
         </p:spPr>
       </p:pic>
+      <p:sp>
+        <p:nvSpPr>
+          <p:cNvPr id="14" name="正方形/長方形 13">
+            <a:extLst>
+              <a:ext uri="{FF2B5EF4-FFF2-40B4-BE49-F238E27FC236}">
+                <a16:creationId xmlns:a16="http://schemas.microsoft.com/office/drawing/2014/main" id="{7DC561F5-E483-D9FF-1A97-5DB7929E59CC}"/>
+              </a:ext>
+            </a:extLst>
+          </p:cNvPr>
+          <p:cNvSpPr/>
+          <p:nvPr/>
+        </p:nvSpPr>
+        <p:spPr>
+          <a:xfrm>
+            <a:off x="5410200" y="4762500"/>
+            <a:ext cx="6781800" cy="3733800"/>
+          </a:xfrm>
+          <a:prstGeom prst="rect">
+            <a:avLst/>
+          </a:prstGeom>
+          <a:noFill/>
+          <a:ln w="38100">
+            <a:solidFill>
+              <a:srgbClr val="C00000"/>
+            </a:solidFill>
+          </a:ln>
+        </p:spPr>
+        <p:style>
+          <a:lnRef idx="2">
+            <a:schemeClr val="accent1">
+              <a:shade val="15000"/>
+            </a:schemeClr>
+          </a:lnRef>
+          <a:fillRef idx="1">
+            <a:schemeClr val="accent1"/>
+          </a:fillRef>
+          <a:effectRef idx="0">
+            <a:schemeClr val="accent1"/>
+          </a:effectRef>
+          <a:fontRef idx="minor">
+            <a:schemeClr val="lt1"/>
+          </a:fontRef>
+        </p:style>
+        <p:txBody>
+          <a:bodyPr rtlCol="0" anchor="ctr"/>
+          <a:lstStyle/>
+          <a:p>
+            <a:pPr algn="ctr"/>
+            <a:endParaRPr kumimoji="1" lang="ja-JP" altLang="en-US"/>
+          </a:p>
+        </p:txBody>
+      </p:sp>
     </p:spTree>
     <p:extLst>
       <p:ext uri="{BB962C8B-B14F-4D97-AF65-F5344CB8AC3E}">
@@ -22521,14 +25077,14 @@
 </file>
 
 <file path=ppt/slides/slide8.xml><?xml version="1.0" encoding="utf-8"?>
-<p:sld xmlns:a="http://schemas.openxmlformats.org/drawingml/2006/main" xmlns:r="http://schemas.openxmlformats.org/officeDocument/2006/relationships" xmlns:p="http://schemas.openxmlformats.org/presentationml/2006/main" show="0">
+<p:sld xmlns:a="http://schemas.openxmlformats.org/drawingml/2006/main" xmlns:r="http://schemas.openxmlformats.org/officeDocument/2006/relationships" xmlns:p="http://schemas.openxmlformats.org/presentationml/2006/main">
   <p:cSld>
     <p:spTree>
       <p:nvGrpSpPr>
         <p:cNvPr id="1" name="">
           <a:extLst>
             <a:ext uri="{FF2B5EF4-FFF2-40B4-BE49-F238E27FC236}">
-              <a16:creationId xmlns:a16="http://schemas.microsoft.com/office/drawing/2014/main" id="{B5C3BDE5-03A8-6C95-D679-D2A538C136E8}"/>
+              <a16:creationId xmlns:a16="http://schemas.microsoft.com/office/drawing/2014/main" id="{649680CB-CEF3-D07E-342B-5571B5AEA214}"/>
             </a:ext>
           </a:extLst>
         </p:cNvPr>
@@ -22548,7 +25104,7 @@
           <p:cNvPr id="2" name="AutoShape 2">
             <a:extLst>
               <a:ext uri="{FF2B5EF4-FFF2-40B4-BE49-F238E27FC236}">
-                <a16:creationId xmlns:a16="http://schemas.microsoft.com/office/drawing/2014/main" id="{B49E2E48-AF92-216A-1002-DEA3E5A9E681}"/>
+                <a16:creationId xmlns:a16="http://schemas.microsoft.com/office/drawing/2014/main" id="{891DB2E6-3FB7-295A-9E65-108CC6040223}"/>
               </a:ext>
             </a:extLst>
           </p:cNvPr>
@@ -22588,7 +25144,7 @@
           <p:cNvPr id="3" name="AutoShape 3">
             <a:extLst>
               <a:ext uri="{FF2B5EF4-FFF2-40B4-BE49-F238E27FC236}">
-                <a16:creationId xmlns:a16="http://schemas.microsoft.com/office/drawing/2014/main" id="{D7447D6A-BFDC-3745-CF2C-34904286CA5D}"/>
+                <a16:creationId xmlns:a16="http://schemas.microsoft.com/office/drawing/2014/main" id="{6D9CDECF-E7F2-D9BF-2EC5-C54F6FE6586B}"/>
               </a:ext>
             </a:extLst>
           </p:cNvPr>
@@ -22628,7 +25184,7 @@
           <p:cNvPr id="4" name="AutoShape 4">
             <a:extLst>
               <a:ext uri="{FF2B5EF4-FFF2-40B4-BE49-F238E27FC236}">
-                <a16:creationId xmlns:a16="http://schemas.microsoft.com/office/drawing/2014/main" id="{C4C651D9-1EE6-1C7D-2CC7-882C9FB9CCDC}"/>
+                <a16:creationId xmlns:a16="http://schemas.microsoft.com/office/drawing/2014/main" id="{41D4D8EA-11E8-E6BB-05BC-C60A534701F8}"/>
               </a:ext>
             </a:extLst>
           </p:cNvPr>
@@ -22668,7 +25224,7 @@
           <p:cNvPr id="5" name="AutoShape 5">
             <a:extLst>
               <a:ext uri="{FF2B5EF4-FFF2-40B4-BE49-F238E27FC236}">
-                <a16:creationId xmlns:a16="http://schemas.microsoft.com/office/drawing/2014/main" id="{BA204C76-E99B-5105-57AD-276FBC2E2BA9}"/>
+                <a16:creationId xmlns:a16="http://schemas.microsoft.com/office/drawing/2014/main" id="{4A443863-E1A9-EE50-D33A-46081D480261}"/>
               </a:ext>
             </a:extLst>
           </p:cNvPr>
@@ -22708,7 +25264,7 @@
           <p:cNvPr id="6" name="AutoShape 6">
             <a:extLst>
               <a:ext uri="{FF2B5EF4-FFF2-40B4-BE49-F238E27FC236}">
-                <a16:creationId xmlns:a16="http://schemas.microsoft.com/office/drawing/2014/main" id="{8E0B9951-ED97-3CC3-AB3F-A74BEF52AFF0}"/>
+                <a16:creationId xmlns:a16="http://schemas.microsoft.com/office/drawing/2014/main" id="{471B753B-C87C-A536-D348-AFBFC78DC2F7}"/>
               </a:ext>
             </a:extLst>
           </p:cNvPr>
@@ -22748,7 +25304,7 @@
           <p:cNvPr id="7" name="Group 7">
             <a:extLst>
               <a:ext uri="{FF2B5EF4-FFF2-40B4-BE49-F238E27FC236}">
-                <a16:creationId xmlns:a16="http://schemas.microsoft.com/office/drawing/2014/main" id="{EFA54D60-D1DF-C503-E758-A1725B7F1E9D}"/>
+                <a16:creationId xmlns:a16="http://schemas.microsoft.com/office/drawing/2014/main" id="{80E2DB09-3E2B-628E-9B0C-C77456C2AC65}"/>
               </a:ext>
             </a:extLst>
           </p:cNvPr>
@@ -22768,7 +25324,7 @@
             <p:cNvPr id="8" name="Freeform 8">
               <a:extLst>
                 <a:ext uri="{FF2B5EF4-FFF2-40B4-BE49-F238E27FC236}">
-                  <a16:creationId xmlns:a16="http://schemas.microsoft.com/office/drawing/2014/main" id="{FE72C7E5-654D-DF39-59DB-24874AF2E09F}"/>
+                  <a16:creationId xmlns:a16="http://schemas.microsoft.com/office/drawing/2014/main" id="{D7BA8E18-65B9-59A0-B06E-5E4CCE5918D1}"/>
                 </a:ext>
               </a:extLst>
             </p:cNvPr>
@@ -22824,7 +25380,7 @@
             <p:cNvPr id="9" name="TextBox 9">
               <a:extLst>
                 <a:ext uri="{FF2B5EF4-FFF2-40B4-BE49-F238E27FC236}">
-                  <a16:creationId xmlns:a16="http://schemas.microsoft.com/office/drawing/2014/main" id="{69194DF2-DB27-739C-6E37-96485FF3B90B}"/>
+                  <a16:creationId xmlns:a16="http://schemas.microsoft.com/office/drawing/2014/main" id="{D460DD47-4337-13F6-03B5-F47861281D3F}"/>
                 </a:ext>
               </a:extLst>
             </p:cNvPr>
@@ -22862,7 +25418,7 @@
           <p:cNvPr id="12" name="TextBox 12">
             <a:extLst>
               <a:ext uri="{FF2B5EF4-FFF2-40B4-BE49-F238E27FC236}">
-                <a16:creationId xmlns:a16="http://schemas.microsoft.com/office/drawing/2014/main" id="{79381A37-1F11-39F9-EF48-75AAA5BA2057}"/>
+                <a16:creationId xmlns:a16="http://schemas.microsoft.com/office/drawing/2014/main" id="{0112F06F-63F5-D554-DC86-527B2C392138}"/>
               </a:ext>
             </a:extLst>
           </p:cNvPr>
@@ -22890,18 +25446,6 @@
               </a:lnSpc>
             </a:pPr>
             <a:r>
-              <a:rPr lang="en-US" sz="3500" b="1" spc="175" dirty="0" err="1">
-                <a:solidFill>
-                  <a:srgbClr val="1B1B1B"/>
-                </a:solidFill>
-                <a:latin typeface="Yu Gothic" panose="020B0400000000000000" pitchFamily="34" charset="-128"/>
-                <a:ea typeface="Yu Gothic" panose="020B0400000000000000" pitchFamily="34" charset="-128"/>
-                <a:cs typeface="Noto Sans JP Heavy"/>
-                <a:sym typeface="Noto Sans JP Heavy"/>
-              </a:rPr>
-              <a:t>今後実装する部分</a:t>
-            </a:r>
-            <a:r>
               <a:rPr lang="ja-JP" altLang="en-US" sz="3500" b="1" spc="175">
                 <a:solidFill>
                   <a:srgbClr val="1B1B1B"/>
@@ -22911,19 +25455,7 @@
                 <a:cs typeface="Noto Sans JP Heavy"/>
                 <a:sym typeface="Noto Sans JP Heavy"/>
               </a:rPr>
-              <a:t>　</a:t>
-            </a:r>
-            <a:r>
-              <a:rPr lang="en-US" sz="3500" b="1" spc="175" dirty="0" err="1">
-                <a:solidFill>
-                  <a:srgbClr val="1B1B1B"/>
-                </a:solidFill>
-                <a:latin typeface="Yu Gothic" panose="020B0400000000000000" pitchFamily="34" charset="-128"/>
-                <a:ea typeface="Yu Gothic" panose="020B0400000000000000" pitchFamily="34" charset="-128"/>
-                <a:cs typeface="Noto Sans JP Heavy"/>
-                <a:sym typeface="Noto Sans JP Heavy"/>
-              </a:rPr>
-              <a:t>データ管理</a:t>
+              <a:t>モックデータでテスト</a:t>
             </a:r>
             <a:endParaRPr lang="en-US" sz="3500" b="1" spc="175" dirty="0">
               <a:solidFill>
@@ -22942,7 +25474,7 @@
           <p:cNvPr id="13" name="TextBox 13">
             <a:extLst>
               <a:ext uri="{FF2B5EF4-FFF2-40B4-BE49-F238E27FC236}">
-                <a16:creationId xmlns:a16="http://schemas.microsoft.com/office/drawing/2014/main" id="{4064EC89-5EA3-CF77-5FE7-3A3D5E46BF75}"/>
+                <a16:creationId xmlns:a16="http://schemas.microsoft.com/office/drawing/2014/main" id="{291DF518-9EE7-8681-980B-6E97F66D43C4}"/>
               </a:ext>
             </a:extLst>
           </p:cNvPr>
@@ -22982,434 +25514,402 @@
                 <a:cs typeface="Open Sans Bold"/>
                 <a:sym typeface="Open Sans Bold"/>
               </a:rPr>
-              <a:t>02</a:t>
+              <a:t>05</a:t>
             </a:r>
           </a:p>
         </p:txBody>
       </p:sp>
-      <p:graphicFrame>
-        <p:nvGraphicFramePr>
-          <p:cNvPr id="10" name="表 9">
+      <p:sp>
+        <p:nvSpPr>
+          <p:cNvPr id="19" name="テキスト ボックス 18">
             <a:extLst>
               <a:ext uri="{FF2B5EF4-FFF2-40B4-BE49-F238E27FC236}">
-                <a16:creationId xmlns:a16="http://schemas.microsoft.com/office/drawing/2014/main" id="{449E536C-E48E-DABD-3BE9-1BA02607793D}"/>
+                <a16:creationId xmlns:a16="http://schemas.microsoft.com/office/drawing/2014/main" id="{D4A10E79-1C67-A942-F6A7-E9D86BFE704C}"/>
               </a:ext>
             </a:extLst>
           </p:cNvPr>
-          <p:cNvGraphicFramePr>
-            <a:graphicFrameLocks noGrp="1"/>
-          </p:cNvGraphicFramePr>
-          <p:nvPr>
-            <p:extLst>
-              <p:ext uri="{D42A27DB-BD31-4B8C-83A1-F6EECF244321}">
-                <p14:modId xmlns:p14="http://schemas.microsoft.com/office/powerpoint/2010/main" val="1540402065"/>
-              </p:ext>
-            </p:extLst>
-          </p:nvPr>
-        </p:nvGraphicFramePr>
-        <p:xfrm>
-          <a:off x="7772400" y="2694232"/>
-          <a:ext cx="9066992" cy="2748984"/>
-        </p:xfrm>
-        <a:graphic>
-          <a:graphicData uri="http://schemas.openxmlformats.org/drawingml/2006/table">
-            <a:tbl>
-              <a:tblPr firstRow="1" bandRow="1">
-                <a:tableStyleId>{0505E3EF-67EA-436B-97B2-0124C06EBD24}</a:tableStyleId>
-              </a:tblPr>
-              <a:tblGrid>
-                <a:gridCol w="2040073">
-                  <a:extLst>
-                    <a:ext uri="{9D8B030D-6E8A-4147-A177-3AD203B41FA5}">
-                      <a16:colId xmlns:a16="http://schemas.microsoft.com/office/drawing/2014/main" val="151083142"/>
-                    </a:ext>
-                  </a:extLst>
-                </a:gridCol>
-                <a:gridCol w="7026919">
-                  <a:extLst>
-                    <a:ext uri="{9D8B030D-6E8A-4147-A177-3AD203B41FA5}">
-                      <a16:colId xmlns:a16="http://schemas.microsoft.com/office/drawing/2014/main" val="3451232418"/>
-                    </a:ext>
-                  </a:extLst>
-                </a:gridCol>
-              </a:tblGrid>
-              <a:tr h="1374492">
-                <a:tc>
-                  <a:txBody>
-                    <a:bodyPr/>
-                    <a:lstStyle/>
-                    <a:p>
-                      <a:pPr algn="ctr"/>
-                      <a:r>
-                        <a:rPr kumimoji="1" lang="ja-JP" altLang="en-US" sz="2800" b="1">
-                          <a:latin typeface="Yu Gothic" panose="020B0400000000000000" pitchFamily="34" charset="-128"/>
-                          <a:ea typeface="Yu Gothic" panose="020B0400000000000000" pitchFamily="34" charset="-128"/>
-                        </a:rPr>
-                        <a:t>目的</a:t>
-                      </a:r>
-                    </a:p>
-                  </a:txBody>
-                  <a:tcPr anchor="ctr"/>
-                </a:tc>
-                <a:tc>
-                  <a:txBody>
-                    <a:bodyPr/>
-                    <a:lstStyle/>
-                    <a:p>
-                      <a:r>
-                        <a:rPr kumimoji="1" lang="ja-JP" altLang="en-US" sz="2800" b="0">
-                          <a:latin typeface="Yu Gothic" panose="020B0400000000000000" pitchFamily="34" charset="-128"/>
-                          <a:ea typeface="Yu Gothic" panose="020B0400000000000000" pitchFamily="34" charset="-128"/>
-                        </a:rPr>
-                        <a:t>興味関心，マッチングの分析結果を</a:t>
-                      </a:r>
-                      <a:endParaRPr kumimoji="1" lang="en-US" altLang="ja-JP" sz="2800" b="0" dirty="0">
-                        <a:latin typeface="Yu Gothic" panose="020B0400000000000000" pitchFamily="34" charset="-128"/>
-                        <a:ea typeface="Yu Gothic" panose="020B0400000000000000" pitchFamily="34" charset="-128"/>
-                      </a:endParaRPr>
-                    </a:p>
-                    <a:p>
-                      <a:pPr marL="0" marR="0" indent="0" algn="l" defTabSz="914400" rtl="0" eaLnBrk="1" fontAlgn="auto" latinLnBrk="0" hangingPunct="1">
-                        <a:lnSpc>
-                          <a:spcPct val="100000"/>
-                        </a:lnSpc>
-                        <a:spcBef>
-                          <a:spcPts val="0"/>
-                        </a:spcBef>
-                        <a:spcAft>
-                          <a:spcPts val="0"/>
-                        </a:spcAft>
-                        <a:buClrTx/>
-                        <a:buSzTx/>
-                        <a:buFontTx/>
-                        <a:buNone/>
-                        <a:tabLst/>
-                        <a:defRPr/>
-                      </a:pPr>
-                      <a:r>
-                        <a:rPr kumimoji="1" lang="en-US" altLang="ja-JP" sz="2800" b="1" dirty="0">
-                          <a:solidFill>
-                            <a:srgbClr val="C00000"/>
-                          </a:solidFill>
-                          <a:latin typeface="Yu Gothic" panose="020B0400000000000000" pitchFamily="34" charset="-128"/>
-                          <a:ea typeface="Yu Gothic" panose="020B0400000000000000" pitchFamily="34" charset="-128"/>
-                        </a:rPr>
-                        <a:t>SQLite</a:t>
-                      </a:r>
-                      <a:r>
-                        <a:rPr kumimoji="1" lang="ja-JP" altLang="en-US" sz="2800" b="1">
-                          <a:solidFill>
-                            <a:srgbClr val="C00000"/>
-                          </a:solidFill>
-                          <a:latin typeface="Yu Gothic" panose="020B0400000000000000" pitchFamily="34" charset="-128"/>
-                          <a:ea typeface="Yu Gothic" panose="020B0400000000000000" pitchFamily="34" charset="-128"/>
-                        </a:rPr>
-                        <a:t>に保存</a:t>
-                      </a:r>
-                      <a:r>
-                        <a:rPr kumimoji="1" lang="ja-JP" altLang="en-US" sz="2800" b="0" u="none" strike="noStrike" kern="1200" cap="none" spc="0" normalizeH="0" baseline="0" noProof="0">
-                          <a:ln>
-                            <a:noFill/>
-                          </a:ln>
-                          <a:solidFill>
-                            <a:prstClr val="black"/>
-                          </a:solidFill>
-                          <a:effectLst/>
-                          <a:uLnTx/>
-                          <a:uFillTx/>
-                          <a:latin typeface="Yu Gothic" panose="020B0400000000000000" pitchFamily="34" charset="-128"/>
-                          <a:ea typeface="Yu Gothic" panose="020B0400000000000000" pitchFamily="34" charset="-128"/>
-                        </a:rPr>
-                        <a:t>する</a:t>
-                      </a:r>
-                      <a:endParaRPr kumimoji="1" lang="en-US" altLang="ja-JP" sz="2800" b="0" kern="1200" dirty="0">
-                        <a:solidFill>
-                          <a:schemeClr val="dk1"/>
-                        </a:solidFill>
-                        <a:latin typeface="Yu Gothic" panose="020B0400000000000000" pitchFamily="34" charset="-128"/>
-                        <a:ea typeface="Yu Gothic" panose="020B0400000000000000" pitchFamily="34" charset="-128"/>
-                        <a:cs typeface="+mn-cs"/>
-                      </a:endParaRPr>
-                    </a:p>
-                  </a:txBody>
-                  <a:tcPr anchor="ctr"/>
-                </a:tc>
-                <a:extLst>
-                  <a:ext uri="{0D108BD9-81ED-4DB2-BD59-A6C34878D82A}">
-                    <a16:rowId xmlns:a16="http://schemas.microsoft.com/office/drawing/2014/main" val="637943959"/>
-                  </a:ext>
-                </a:extLst>
-              </a:tr>
-              <a:tr h="1374492">
-                <a:tc>
-                  <a:txBody>
-                    <a:bodyPr/>
-                    <a:lstStyle/>
-                    <a:p>
-                      <a:pPr algn="ctr"/>
-                      <a:r>
-                        <a:rPr kumimoji="1" lang="ja-JP" altLang="en-US" sz="2800" b="1">
-                          <a:latin typeface="Yu Gothic" panose="020B0400000000000000" pitchFamily="34" charset="-128"/>
-                          <a:ea typeface="Yu Gothic" panose="020B0400000000000000" pitchFamily="34" charset="-128"/>
-                        </a:rPr>
-                        <a:t>技術要素</a:t>
-                      </a:r>
-                    </a:p>
-                  </a:txBody>
-                  <a:tcPr anchor="ctr"/>
-                </a:tc>
-                <a:tc>
-                  <a:txBody>
-                    <a:bodyPr/>
-                    <a:lstStyle/>
-                    <a:p>
-                      <a:r>
-                        <a:rPr kumimoji="1" lang="en-US" altLang="ja-JP" sz="2800" b="0" dirty="0">
-                          <a:latin typeface="Yu Gothic" panose="020B0400000000000000" pitchFamily="34" charset="-128"/>
-                          <a:ea typeface="Yu Gothic" panose="020B0400000000000000" pitchFamily="34" charset="-128"/>
-                        </a:rPr>
-                        <a:t>Django</a:t>
-                      </a:r>
-                      <a:r>
-                        <a:rPr kumimoji="1" lang="ja-JP" altLang="en-US" sz="2800" b="0">
-                          <a:latin typeface="Yu Gothic" panose="020B0400000000000000" pitchFamily="34" charset="-128"/>
-                          <a:ea typeface="Yu Gothic" panose="020B0400000000000000" pitchFamily="34" charset="-128"/>
-                        </a:rPr>
-                        <a:t>と同様のデータベースに繋げる</a:t>
-                      </a:r>
-                      <a:r>
-                        <a:rPr kumimoji="1" lang="en-US" altLang="ja-JP" sz="2800" b="0" dirty="0">
-                          <a:latin typeface="Yu Gothic" panose="020B0400000000000000" pitchFamily="34" charset="-128"/>
-                          <a:ea typeface="Yu Gothic" panose="020B0400000000000000" pitchFamily="34" charset="-128"/>
-                        </a:rPr>
-                        <a:t>(</a:t>
-                      </a:r>
-                      <a:r>
-                        <a:rPr kumimoji="1" lang="ja-JP" altLang="en-US" sz="2800" b="0">
-                          <a:latin typeface="Yu Gothic" panose="020B0400000000000000" pitchFamily="34" charset="-128"/>
-                          <a:ea typeface="Yu Gothic" panose="020B0400000000000000" pitchFamily="34" charset="-128"/>
-                        </a:rPr>
-                        <a:t>？</a:t>
-                      </a:r>
-                      <a:r>
-                        <a:rPr kumimoji="1" lang="en-US" altLang="ja-JP" sz="2800" b="0" dirty="0">
-                          <a:latin typeface="Yu Gothic" panose="020B0400000000000000" pitchFamily="34" charset="-128"/>
-                          <a:ea typeface="Yu Gothic" panose="020B0400000000000000" pitchFamily="34" charset="-128"/>
-                        </a:rPr>
-                        <a:t>)</a:t>
-                      </a:r>
-                      <a:endParaRPr kumimoji="1" lang="en-US" altLang="ja-JP" sz="1100" b="0" dirty="0">
-                        <a:latin typeface="Yu Gothic" panose="020B0400000000000000" pitchFamily="34" charset="-128"/>
-                        <a:ea typeface="Yu Gothic" panose="020B0400000000000000" pitchFamily="34" charset="-128"/>
-                      </a:endParaRPr>
-                    </a:p>
-                  </a:txBody>
-                  <a:tcPr anchor="ctr"/>
-                </a:tc>
-                <a:extLst>
-                  <a:ext uri="{0D108BD9-81ED-4DB2-BD59-A6C34878D82A}">
-                    <a16:rowId xmlns:a16="http://schemas.microsoft.com/office/drawing/2014/main" val="2822937220"/>
-                  </a:ext>
-                </a:extLst>
-              </a:tr>
-            </a:tbl>
-          </a:graphicData>
-        </a:graphic>
-      </p:graphicFrame>
-      <p:graphicFrame>
-        <p:nvGraphicFramePr>
-          <p:cNvPr id="14" name="表 13">
+          <p:cNvSpPr txBox="1"/>
+          <p:nvPr/>
+        </p:nvSpPr>
+        <p:spPr>
+          <a:xfrm>
+            <a:off x="2862960" y="2517856"/>
+            <a:ext cx="14135601" cy="830997"/>
+          </a:xfrm>
+          <a:prstGeom prst="rect">
+            <a:avLst/>
+          </a:prstGeom>
+          <a:noFill/>
+        </p:spPr>
+        <p:txBody>
+          <a:bodyPr wrap="none" rtlCol="0">
+            <a:spAutoFit/>
+          </a:bodyPr>
+          <a:lstStyle/>
+          <a:p>
+            <a:r>
+              <a:rPr kumimoji="1" lang="ja-JP" altLang="en-US" sz="2400"/>
+              <a:t>会話の録音</a:t>
+            </a:r>
+            <a:r>
+              <a:rPr kumimoji="1" lang="en-US" altLang="ja-JP" sz="2400" dirty="0"/>
+              <a:t>〜</a:t>
+            </a:r>
+            <a:r>
+              <a:rPr kumimoji="1" lang="ja-JP" altLang="en-US" sz="2400"/>
+              <a:t>トピック関心度をデータベース登録　までの一連の流れを実行してみた</a:t>
+            </a:r>
+            <a:endParaRPr kumimoji="1" lang="en-US" altLang="ja-JP" sz="2400" dirty="0"/>
+          </a:p>
+          <a:p>
+            <a:r>
+              <a:rPr kumimoji="1" lang="en-US" altLang="ja-JP" sz="2400" dirty="0"/>
+              <a:t>												</a:t>
+            </a:r>
+            <a:r>
+              <a:rPr kumimoji="1" lang="ja-JP" altLang="en-US" sz="2400"/>
+              <a:t>→できてる！わーい！</a:t>
+            </a:r>
+            <a:endParaRPr kumimoji="1" lang="en-US" altLang="ja-JP" sz="2400" dirty="0"/>
+          </a:p>
+        </p:txBody>
+      </p:sp>
+      <p:pic>
+        <p:nvPicPr>
+          <p:cNvPr id="16" name="図 15" descr="グラフィカル ユーザー インターフェイス, テーブル&#10;&#10;AI 生成コンテンツは誤りを含む可能性があります。">
             <a:extLst>
               <a:ext uri="{FF2B5EF4-FFF2-40B4-BE49-F238E27FC236}">
-                <a16:creationId xmlns:a16="http://schemas.microsoft.com/office/drawing/2014/main" id="{2CD41FB1-EFD5-1397-77AA-B96564880A25}"/>
+                <a16:creationId xmlns:a16="http://schemas.microsoft.com/office/drawing/2014/main" id="{569504F1-7823-4BEF-553D-446F5943CC92}"/>
               </a:ext>
             </a:extLst>
           </p:cNvPr>
-          <p:cNvGraphicFramePr>
-            <a:graphicFrameLocks noGrp="1"/>
-          </p:cNvGraphicFramePr>
-          <p:nvPr>
-            <p:extLst>
-              <p:ext uri="{D42A27DB-BD31-4B8C-83A1-F6EECF244321}">
-                <p14:modId xmlns:p14="http://schemas.microsoft.com/office/powerpoint/2010/main" val="2666335547"/>
-              </p:ext>
-            </p:extLst>
-          </p:nvPr>
-        </p:nvGraphicFramePr>
-        <p:xfrm>
-          <a:off x="7772400" y="5976899"/>
-          <a:ext cx="9066992" cy="2748984"/>
-        </p:xfrm>
-        <a:graphic>
-          <a:graphicData uri="http://schemas.openxmlformats.org/drawingml/2006/table">
-            <a:tbl>
-              <a:tblPr firstRow="1" bandRow="1">
-                <a:tableStyleId>{0505E3EF-67EA-436B-97B2-0124C06EBD24}</a:tableStyleId>
-              </a:tblPr>
-              <a:tblGrid>
-                <a:gridCol w="2040073">
-                  <a:extLst>
-                    <a:ext uri="{9D8B030D-6E8A-4147-A177-3AD203B41FA5}">
-                      <a16:colId xmlns:a16="http://schemas.microsoft.com/office/drawing/2014/main" val="151083142"/>
-                    </a:ext>
-                  </a:extLst>
-                </a:gridCol>
-                <a:gridCol w="7026919">
-                  <a:extLst>
-                    <a:ext uri="{9D8B030D-6E8A-4147-A177-3AD203B41FA5}">
-                      <a16:colId xmlns:a16="http://schemas.microsoft.com/office/drawing/2014/main" val="3451232418"/>
-                    </a:ext>
-                  </a:extLst>
-                </a:gridCol>
-              </a:tblGrid>
-              <a:tr h="1374492">
-                <a:tc>
-                  <a:txBody>
-                    <a:bodyPr/>
-                    <a:lstStyle/>
-                    <a:p>
-                      <a:pPr algn="ctr"/>
-                      <a:r>
-                        <a:rPr kumimoji="1" lang="ja-JP" altLang="en-US" sz="2800" b="1">
-                          <a:latin typeface="Yu Gothic" panose="020B0400000000000000" pitchFamily="34" charset="-128"/>
-                          <a:ea typeface="Yu Gothic" panose="020B0400000000000000" pitchFamily="34" charset="-128"/>
-                        </a:rPr>
-                        <a:t>目的</a:t>
-                      </a:r>
-                    </a:p>
-                  </a:txBody>
-                  <a:tcPr anchor="ctr"/>
-                </a:tc>
-                <a:tc>
-                  <a:txBody>
-                    <a:bodyPr/>
-                    <a:lstStyle/>
-                    <a:p>
-                      <a:pPr marL="0" marR="0" lvl="0" indent="0" algn="l" defTabSz="914400" rtl="0" eaLnBrk="1" fontAlgn="auto" latinLnBrk="0" hangingPunct="1">
-                        <a:lnSpc>
-                          <a:spcPct val="100000"/>
-                        </a:lnSpc>
-                        <a:spcBef>
-                          <a:spcPts val="0"/>
-                        </a:spcBef>
-                        <a:spcAft>
-                          <a:spcPts val="0"/>
-                        </a:spcAft>
-                        <a:buClrTx/>
-                        <a:buSzTx/>
-                        <a:buFontTx/>
-                        <a:buNone/>
-                        <a:tabLst/>
-                        <a:defRPr/>
-                      </a:pPr>
-                      <a:r>
-                        <a:rPr kumimoji="1" lang="ja-JP" altLang="en-US" sz="2800" b="0">
-                          <a:latin typeface="Yu Gothic" panose="020B0400000000000000" pitchFamily="34" charset="-128"/>
-                          <a:ea typeface="Yu Gothic" panose="020B0400000000000000" pitchFamily="34" charset="-128"/>
-                        </a:rPr>
-                        <a:t>興味関心，マッチングの分析結果を</a:t>
-                      </a:r>
-                      <a:endParaRPr kumimoji="1" lang="en-US" altLang="ja-JP" sz="2800" b="0" dirty="0">
-                        <a:latin typeface="Yu Gothic" panose="020B0400000000000000" pitchFamily="34" charset="-128"/>
-                        <a:ea typeface="Yu Gothic" panose="020B0400000000000000" pitchFamily="34" charset="-128"/>
-                      </a:endParaRPr>
-                    </a:p>
-                    <a:p>
-                      <a:r>
-                        <a:rPr kumimoji="1" lang="ja-JP" altLang="en-US" sz="2800" b="1">
-                          <a:solidFill>
-                            <a:srgbClr val="C00000"/>
-                          </a:solidFill>
-                          <a:latin typeface="Yu Gothic" panose="020B0400000000000000" pitchFamily="34" charset="-128"/>
-                          <a:ea typeface="Yu Gothic" panose="020B0400000000000000" pitchFamily="34" charset="-128"/>
-                        </a:rPr>
-                        <a:t>ユーザーに表示する</a:t>
-                      </a:r>
-                    </a:p>
-                  </a:txBody>
-                  <a:tcPr anchor="ctr"/>
-                </a:tc>
-                <a:extLst>
-                  <a:ext uri="{0D108BD9-81ED-4DB2-BD59-A6C34878D82A}">
-                    <a16:rowId xmlns:a16="http://schemas.microsoft.com/office/drawing/2014/main" val="637943959"/>
-                  </a:ext>
-                </a:extLst>
-              </a:tr>
-              <a:tr h="1374492">
-                <a:tc>
-                  <a:txBody>
-                    <a:bodyPr/>
-                    <a:lstStyle/>
-                    <a:p>
-                      <a:pPr algn="ctr"/>
-                      <a:r>
-                        <a:rPr kumimoji="1" lang="ja-JP" altLang="en-US" sz="2800" b="1">
-                          <a:latin typeface="Yu Gothic" panose="020B0400000000000000" pitchFamily="34" charset="-128"/>
-                          <a:ea typeface="Yu Gothic" panose="020B0400000000000000" pitchFamily="34" charset="-128"/>
-                        </a:rPr>
-                        <a:t>技術要素</a:t>
-                      </a:r>
-                    </a:p>
-                  </a:txBody>
-                  <a:tcPr anchor="ctr"/>
-                </a:tc>
-                <a:tc>
-                  <a:txBody>
-                    <a:bodyPr/>
-                    <a:lstStyle/>
-                    <a:p>
-                      <a:r>
-                        <a:rPr kumimoji="1" lang="en-US" altLang="ja-JP" sz="2800" b="0" dirty="0" err="1">
-                          <a:latin typeface="Yu Gothic" panose="020B0400000000000000" pitchFamily="34" charset="-128"/>
-                          <a:ea typeface="Yu Gothic" panose="020B0400000000000000" pitchFamily="34" charset="-128"/>
-                        </a:rPr>
-                        <a:t>Transcript.objects</a:t>
-                      </a:r>
-                      <a:r>
-                        <a:rPr kumimoji="1" lang="ja-JP" altLang="en-US" sz="2800" b="0">
-                          <a:latin typeface="Yu Gothic" panose="020B0400000000000000" pitchFamily="34" charset="-128"/>
-                          <a:ea typeface="Yu Gothic" panose="020B0400000000000000" pitchFamily="34" charset="-128"/>
-                        </a:rPr>
-                        <a:t>を使えばすぐ実装可能</a:t>
-                      </a:r>
-                      <a:endParaRPr kumimoji="1" lang="en-US" altLang="ja-JP" sz="2800" b="0" dirty="0">
-                        <a:latin typeface="Yu Gothic" panose="020B0400000000000000" pitchFamily="34" charset="-128"/>
-                        <a:ea typeface="Yu Gothic" panose="020B0400000000000000" pitchFamily="34" charset="-128"/>
-                      </a:endParaRPr>
-                    </a:p>
-                    <a:p>
-                      <a:pPr algn="r"/>
-                      <a:r>
-                        <a:rPr kumimoji="1" lang="ja-JP" altLang="en-US" sz="1800" b="0">
-                          <a:latin typeface="Yu Gothic" panose="020B0400000000000000" pitchFamily="34" charset="-128"/>
-                          <a:ea typeface="Yu Gothic" panose="020B0400000000000000" pitchFamily="34" charset="-128"/>
-                        </a:rPr>
-                        <a:t>っぽいです</a:t>
-                      </a:r>
-                      <a:endParaRPr kumimoji="1" lang="en-US" altLang="ja-JP" sz="1800" b="0" dirty="0">
-                        <a:latin typeface="Yu Gothic" panose="020B0400000000000000" pitchFamily="34" charset="-128"/>
-                        <a:ea typeface="Yu Gothic" panose="020B0400000000000000" pitchFamily="34" charset="-128"/>
-                      </a:endParaRPr>
-                    </a:p>
-                  </a:txBody>
-                  <a:tcPr anchor="ctr"/>
-                </a:tc>
-                <a:extLst>
-                  <a:ext uri="{0D108BD9-81ED-4DB2-BD59-A6C34878D82A}">
-                    <a16:rowId xmlns:a16="http://schemas.microsoft.com/office/drawing/2014/main" val="2822937220"/>
-                  </a:ext>
-                </a:extLst>
-              </a:tr>
-            </a:tbl>
-          </a:graphicData>
-        </a:graphic>
-      </p:graphicFrame>
+          <p:cNvPicPr>
+            <a:picLocks noChangeAspect="1"/>
+          </p:cNvPicPr>
+          <p:nvPr/>
+        </p:nvPicPr>
+        <p:blipFill>
+          <a:blip r:embed="rId3">
+            <a:extLst>
+              <a:ext uri="{28A0092B-C50C-407E-A947-70E740481C1C}">
+                <a14:useLocalDpi xmlns:a14="http://schemas.microsoft.com/office/drawing/2010/main" val="0"/>
+              </a:ext>
+            </a:extLst>
+          </a:blip>
+          <a:srcRect l="-1" t="7395" r="7842"/>
+          <a:stretch>
+            <a:fillRect/>
+          </a:stretch>
+        </p:blipFill>
+        <p:spPr>
+          <a:xfrm>
+            <a:off x="4010416" y="3532363"/>
+            <a:ext cx="10267167" cy="5330487"/>
+          </a:xfrm>
+          <a:prstGeom prst="rect">
+            <a:avLst/>
+          </a:prstGeom>
+          <a:ln>
+            <a:solidFill>
+              <a:schemeClr val="tx1"/>
+            </a:solidFill>
+          </a:ln>
+        </p:spPr>
+      </p:pic>
+      <p:sp>
+        <p:nvSpPr>
+          <p:cNvPr id="17" name="正方形/長方形 16">
+            <a:extLst>
+              <a:ext uri="{FF2B5EF4-FFF2-40B4-BE49-F238E27FC236}">
+                <a16:creationId xmlns:a16="http://schemas.microsoft.com/office/drawing/2014/main" id="{F26C928C-F798-E44E-357D-03CE910746FC}"/>
+              </a:ext>
+            </a:extLst>
+          </p:cNvPr>
+          <p:cNvSpPr/>
+          <p:nvPr/>
+        </p:nvSpPr>
+        <p:spPr>
+          <a:xfrm>
+            <a:off x="5867400" y="4762500"/>
+            <a:ext cx="6705600" cy="2590800"/>
+          </a:xfrm>
+          <a:prstGeom prst="rect">
+            <a:avLst/>
+          </a:prstGeom>
+          <a:noFill/>
+          <a:ln w="38100">
+            <a:solidFill>
+              <a:srgbClr val="C00000"/>
+            </a:solidFill>
+          </a:ln>
+        </p:spPr>
+        <p:style>
+          <a:lnRef idx="2">
+            <a:schemeClr val="accent1">
+              <a:shade val="15000"/>
+            </a:schemeClr>
+          </a:lnRef>
+          <a:fillRef idx="1">
+            <a:schemeClr val="accent1"/>
+          </a:fillRef>
+          <a:effectRef idx="0">
+            <a:schemeClr val="accent1"/>
+          </a:effectRef>
+          <a:fontRef idx="minor">
+            <a:schemeClr val="lt1"/>
+          </a:fontRef>
+        </p:style>
+        <p:txBody>
+          <a:bodyPr rtlCol="0" anchor="ctr"/>
+          <a:lstStyle/>
+          <a:p>
+            <a:pPr algn="ctr"/>
+            <a:endParaRPr kumimoji="1" lang="ja-JP" altLang="en-US"/>
+          </a:p>
+        </p:txBody>
+      </p:sp>
+    </p:spTree>
+    <p:extLst>
+      <p:ext uri="{BB962C8B-B14F-4D97-AF65-F5344CB8AC3E}">
+        <p14:creationId xmlns:p14="http://schemas.microsoft.com/office/powerpoint/2010/main" val="2517872897"/>
+      </p:ext>
+    </p:extLst>
+  </p:cSld>
+  <p:clrMapOvr>
+    <a:masterClrMapping/>
+  </p:clrMapOvr>
+</p:sld>
+</file>
+
+<file path=ppt/slides/slide9.xml><?xml version="1.0" encoding="utf-8"?>
+<p:sld xmlns:a="http://schemas.openxmlformats.org/drawingml/2006/main" xmlns:r="http://schemas.openxmlformats.org/officeDocument/2006/relationships" xmlns:p="http://schemas.openxmlformats.org/presentationml/2006/main">
+  <p:cSld>
+    <p:spTree>
+      <p:nvGrpSpPr>
+        <p:cNvPr id="1" name="">
+          <a:extLst>
+            <a:ext uri="{FF2B5EF4-FFF2-40B4-BE49-F238E27FC236}">
+              <a16:creationId xmlns:a16="http://schemas.microsoft.com/office/drawing/2014/main" id="{D635F35E-376B-738C-B84D-3FC8D322B001}"/>
+            </a:ext>
+          </a:extLst>
+        </p:cNvPr>
+        <p:cNvGrpSpPr/>
+        <p:nvPr/>
+      </p:nvGrpSpPr>
+      <p:grpSpPr>
+        <a:xfrm>
+          <a:off x="0" y="0"/>
+          <a:ext cx="0" cy="0"/>
+          <a:chOff x="0" y="0"/>
+          <a:chExt cx="0" cy="0"/>
+        </a:xfrm>
+      </p:grpSpPr>
+      <p:sp>
+        <p:nvSpPr>
+          <p:cNvPr id="2" name="AutoShape 2">
+            <a:extLst>
+              <a:ext uri="{FF2B5EF4-FFF2-40B4-BE49-F238E27FC236}">
+                <a16:creationId xmlns:a16="http://schemas.microsoft.com/office/drawing/2014/main" id="{3A636FD0-2390-8D2D-462C-4A15EC443245}"/>
+              </a:ext>
+            </a:extLst>
+          </p:cNvPr>
+          <p:cNvSpPr/>
+          <p:nvPr/>
+        </p:nvSpPr>
+        <p:spPr>
+          <a:xfrm>
+            <a:off x="857250" y="2361305"/>
+            <a:ext cx="16573500" cy="0"/>
+          </a:xfrm>
+          <a:prstGeom prst="line">
+            <a:avLst/>
+          </a:prstGeom>
+          <a:ln w="19050" cap="flat">
+            <a:solidFill>
+              <a:srgbClr val="1B1B1B"/>
+            </a:solidFill>
+            <a:prstDash val="solid"/>
+            <a:headEnd type="none" w="sm" len="sm"/>
+            <a:tailEnd type="none" w="sm" len="sm"/>
+          </a:ln>
+        </p:spPr>
+        <p:txBody>
+          <a:bodyPr/>
+          <a:lstStyle/>
+          <a:p>
+            <a:endParaRPr lang="ja-JP" altLang="en-US">
+              <a:latin typeface="Yu Gothic" panose="020B0400000000000000" pitchFamily="34" charset="-128"/>
+              <a:ea typeface="Yu Gothic" panose="020B0400000000000000" pitchFamily="34" charset="-128"/>
+            </a:endParaRPr>
+          </a:p>
+        </p:txBody>
+      </p:sp>
+      <p:sp>
+        <p:nvSpPr>
+          <p:cNvPr id="3" name="AutoShape 3">
+            <a:extLst>
+              <a:ext uri="{FF2B5EF4-FFF2-40B4-BE49-F238E27FC236}">
+                <a16:creationId xmlns:a16="http://schemas.microsoft.com/office/drawing/2014/main" id="{40129E3F-831E-F332-478D-C8C95FDF9DEB}"/>
+              </a:ext>
+            </a:extLst>
+          </p:cNvPr>
+          <p:cNvSpPr/>
+          <p:nvPr/>
+        </p:nvSpPr>
+        <p:spPr>
+          <a:xfrm>
+            <a:off x="857250" y="1047750"/>
+            <a:ext cx="16573459" cy="0"/>
+          </a:xfrm>
+          <a:prstGeom prst="line">
+            <a:avLst/>
+          </a:prstGeom>
+          <a:ln w="19050" cap="flat">
+            <a:solidFill>
+              <a:srgbClr val="1B1B1B"/>
+            </a:solidFill>
+            <a:prstDash val="solid"/>
+            <a:headEnd type="none" w="sm" len="sm"/>
+            <a:tailEnd type="none" w="sm" len="sm"/>
+          </a:ln>
+        </p:spPr>
+        <p:txBody>
+          <a:bodyPr/>
+          <a:lstStyle/>
+          <a:p>
+            <a:endParaRPr lang="ja-JP" altLang="en-US">
+              <a:latin typeface="Yu Gothic" panose="020B0400000000000000" pitchFamily="34" charset="-128"/>
+              <a:ea typeface="Yu Gothic" panose="020B0400000000000000" pitchFamily="34" charset="-128"/>
+            </a:endParaRPr>
+          </a:p>
+        </p:txBody>
+      </p:sp>
+      <p:sp>
+        <p:nvSpPr>
+          <p:cNvPr id="4" name="AutoShape 4">
+            <a:extLst>
+              <a:ext uri="{FF2B5EF4-FFF2-40B4-BE49-F238E27FC236}">
+                <a16:creationId xmlns:a16="http://schemas.microsoft.com/office/drawing/2014/main" id="{16715F19-A172-1C4F-9E12-F9690FCDF8E7}"/>
+              </a:ext>
+            </a:extLst>
+          </p:cNvPr>
+          <p:cNvSpPr/>
+          <p:nvPr/>
+        </p:nvSpPr>
+        <p:spPr>
+          <a:xfrm flipV="1">
+            <a:off x="856856" y="904405"/>
+            <a:ext cx="16574288" cy="0"/>
+          </a:xfrm>
+          <a:prstGeom prst="line">
+            <a:avLst/>
+          </a:prstGeom>
+          <a:ln w="57150" cap="flat">
+            <a:solidFill>
+              <a:srgbClr val="1B1B1B"/>
+            </a:solidFill>
+            <a:prstDash val="solid"/>
+            <a:headEnd type="none" w="sm" len="sm"/>
+            <a:tailEnd type="none" w="sm" len="sm"/>
+          </a:ln>
+        </p:spPr>
+        <p:txBody>
+          <a:bodyPr/>
+          <a:lstStyle/>
+          <a:p>
+            <a:endParaRPr lang="ja-JP" altLang="en-US">
+              <a:latin typeface="Yu Gothic" panose="020B0400000000000000" pitchFamily="34" charset="-128"/>
+              <a:ea typeface="Yu Gothic" panose="020B0400000000000000" pitchFamily="34" charset="-128"/>
+            </a:endParaRPr>
+          </a:p>
+        </p:txBody>
+      </p:sp>
+      <p:sp>
+        <p:nvSpPr>
+          <p:cNvPr id="5" name="AutoShape 5">
+            <a:extLst>
+              <a:ext uri="{FF2B5EF4-FFF2-40B4-BE49-F238E27FC236}">
+                <a16:creationId xmlns:a16="http://schemas.microsoft.com/office/drawing/2014/main" id="{035371AC-9B65-2941-CAB5-C3A4F24195FA}"/>
+              </a:ext>
+            </a:extLst>
+          </p:cNvPr>
+          <p:cNvSpPr/>
+          <p:nvPr/>
+        </p:nvSpPr>
+        <p:spPr>
+          <a:xfrm>
+            <a:off x="857250" y="9382595"/>
+            <a:ext cx="16573500" cy="0"/>
+          </a:xfrm>
+          <a:prstGeom prst="line">
+            <a:avLst/>
+          </a:prstGeom>
+          <a:ln w="57150" cap="flat">
+            <a:solidFill>
+              <a:srgbClr val="1B1B1B"/>
+            </a:solidFill>
+            <a:prstDash val="solid"/>
+            <a:headEnd type="none" w="sm" len="sm"/>
+            <a:tailEnd type="none" w="sm" len="sm"/>
+          </a:ln>
+        </p:spPr>
+        <p:txBody>
+          <a:bodyPr/>
+          <a:lstStyle/>
+          <a:p>
+            <a:endParaRPr lang="ja-JP" altLang="en-US">
+              <a:latin typeface="Yu Gothic" panose="020B0400000000000000" pitchFamily="34" charset="-128"/>
+              <a:ea typeface="Yu Gothic" panose="020B0400000000000000" pitchFamily="34" charset="-128"/>
+            </a:endParaRPr>
+          </a:p>
+        </p:txBody>
+      </p:sp>
+      <p:sp>
+        <p:nvSpPr>
+          <p:cNvPr id="6" name="AutoShape 6">
+            <a:extLst>
+              <a:ext uri="{FF2B5EF4-FFF2-40B4-BE49-F238E27FC236}">
+                <a16:creationId xmlns:a16="http://schemas.microsoft.com/office/drawing/2014/main" id="{B537244D-4F99-3006-6BC5-F16FC6C60DEC}"/>
+              </a:ext>
+            </a:extLst>
+          </p:cNvPr>
+          <p:cNvSpPr/>
+          <p:nvPr/>
+        </p:nvSpPr>
+        <p:spPr>
+          <a:xfrm>
+            <a:off x="857250" y="9239250"/>
+            <a:ext cx="16573500" cy="0"/>
+          </a:xfrm>
+          <a:prstGeom prst="line">
+            <a:avLst/>
+          </a:prstGeom>
+          <a:ln w="19050" cap="flat">
+            <a:solidFill>
+              <a:srgbClr val="1B1B1B"/>
+            </a:solidFill>
+            <a:prstDash val="solid"/>
+            <a:headEnd type="none" w="sm" len="sm"/>
+            <a:tailEnd type="none" w="sm" len="sm"/>
+          </a:ln>
+        </p:spPr>
+        <p:txBody>
+          <a:bodyPr/>
+          <a:lstStyle/>
+          <a:p>
+            <a:endParaRPr lang="ja-JP" altLang="en-US">
+              <a:latin typeface="Yu Gothic" panose="020B0400000000000000" pitchFamily="34" charset="-128"/>
+              <a:ea typeface="Yu Gothic" panose="020B0400000000000000" pitchFamily="34" charset="-128"/>
+            </a:endParaRPr>
+          </a:p>
+        </p:txBody>
+      </p:sp>
       <p:grpSp>
         <p:nvGrpSpPr>
-          <p:cNvPr id="11" name="グループ化 10">
+          <p:cNvPr id="7" name="Group 7">
             <a:extLst>
               <a:ext uri="{FF2B5EF4-FFF2-40B4-BE49-F238E27FC236}">
-                <a16:creationId xmlns:a16="http://schemas.microsoft.com/office/drawing/2014/main" id="{2E267013-1DA3-68D7-4223-E1883A6C7627}"/>
+                <a16:creationId xmlns:a16="http://schemas.microsoft.com/office/drawing/2014/main" id="{4D60D435-C971-1E0A-0846-3C1F83509279}"/>
               </a:ext>
             </a:extLst>
           </p:cNvPr>
@@ -23418,127 +25918,18 @@
         </p:nvGrpSpPr>
         <p:grpSpPr>
           <a:xfrm>
-            <a:off x="5335892" y="3104658"/>
-            <a:ext cx="1426106" cy="1909783"/>
-            <a:chOff x="7173083" y="6753785"/>
-            <a:chExt cx="1426106" cy="1909783"/>
-          </a:xfrm>
-        </p:grpSpPr>
-        <p:pic>
-          <p:nvPicPr>
-            <p:cNvPr id="15" name="グラフィックス 14" descr="データベース 枠線">
-              <a:extLst>
-                <a:ext uri="{FF2B5EF4-FFF2-40B4-BE49-F238E27FC236}">
-                  <a16:creationId xmlns:a16="http://schemas.microsoft.com/office/drawing/2014/main" id="{778D5D55-CE0E-F400-3189-B8508308BEA5}"/>
-                </a:ext>
-              </a:extLst>
-            </p:cNvPr>
-            <p:cNvPicPr>
-              <a:picLocks noChangeAspect="1"/>
-            </p:cNvPicPr>
-            <p:nvPr/>
-          </p:nvPicPr>
-          <p:blipFill>
-            <a:blip r:embed="rId3">
-              <a:extLst>
-                <a:ext uri="{96DAC541-7B7A-43D3-8B79-37D633B846F1}">
-                  <asvg:svgBlip xmlns:asvg="http://schemas.microsoft.com/office/drawing/2016/SVG/main" r:embed="rId4"/>
-                </a:ext>
-              </a:extLst>
-            </a:blip>
-            <a:stretch>
-              <a:fillRect/>
-            </a:stretch>
-          </p:blipFill>
-          <p:spPr>
-            <a:xfrm>
-              <a:off x="7173083" y="6753785"/>
-              <a:ext cx="1426106" cy="1426106"/>
-            </a:xfrm>
-            <a:prstGeom prst="rect">
-              <a:avLst/>
-            </a:prstGeom>
-          </p:spPr>
-        </p:pic>
-        <p:sp>
-          <p:nvSpPr>
-            <p:cNvPr id="17" name="テキスト ボックス 16">
-              <a:extLst>
-                <a:ext uri="{FF2B5EF4-FFF2-40B4-BE49-F238E27FC236}">
-                  <a16:creationId xmlns:a16="http://schemas.microsoft.com/office/drawing/2014/main" id="{CBC8DBA3-11C2-1B62-EA18-F386D12076D1}"/>
-                </a:ext>
-              </a:extLst>
-            </p:cNvPr>
-            <p:cNvSpPr txBox="1"/>
-            <p:nvPr/>
-          </p:nvSpPr>
-          <p:spPr>
-            <a:xfrm>
-              <a:off x="7284849" y="8201903"/>
-              <a:ext cx="1202573" cy="461665"/>
-            </a:xfrm>
-            <a:prstGeom prst="rect">
-              <a:avLst/>
-            </a:prstGeom>
-            <a:noFill/>
-          </p:spPr>
-          <p:txBody>
-            <a:bodyPr wrap="none" rtlCol="0">
-              <a:spAutoFit/>
-            </a:bodyPr>
-            <a:lstStyle/>
-            <a:p>
-              <a:r>
-                <a:rPr kumimoji="1" lang="en-US" altLang="ja-JP" sz="2400" b="1" dirty="0">
-                  <a:solidFill>
-                    <a:schemeClr val="tx2">
-                      <a:lumMod val="75000"/>
-                    </a:schemeClr>
-                  </a:solidFill>
-                  <a:latin typeface="Yu Gothic" panose="020B0400000000000000" pitchFamily="34" charset="-128"/>
-                  <a:ea typeface="Yu Gothic" panose="020B0400000000000000" pitchFamily="34" charset="-128"/>
-                </a:rPr>
-                <a:t>SQLite</a:t>
-              </a:r>
-              <a:endParaRPr kumimoji="1" lang="ja-JP" altLang="en-US" sz="2400" b="1">
-                <a:solidFill>
-                  <a:schemeClr val="tx2">
-                    <a:lumMod val="75000"/>
-                  </a:schemeClr>
-                </a:solidFill>
-                <a:latin typeface="Yu Gothic" panose="020B0400000000000000" pitchFamily="34" charset="-128"/>
-                <a:ea typeface="Yu Gothic" panose="020B0400000000000000" pitchFamily="34" charset="-128"/>
-              </a:endParaRPr>
-            </a:p>
-          </p:txBody>
-        </p:sp>
-      </p:grpSp>
-      <p:grpSp>
-        <p:nvGrpSpPr>
-          <p:cNvPr id="18" name="グループ化 17">
-            <a:extLst>
-              <a:ext uri="{FF2B5EF4-FFF2-40B4-BE49-F238E27FC236}">
-                <a16:creationId xmlns:a16="http://schemas.microsoft.com/office/drawing/2014/main" id="{17DA34DF-146F-C9A0-E9B7-8ED419B0DB69}"/>
-              </a:ext>
-            </a:extLst>
-          </p:cNvPr>
-          <p:cNvGrpSpPr/>
-          <p:nvPr/>
-        </p:nvGrpSpPr>
-        <p:grpSpPr>
-          <a:xfrm>
-            <a:off x="1170950" y="2884197"/>
-            <a:ext cx="2113079" cy="2604998"/>
-            <a:chOff x="2728937" y="6122140"/>
-            <a:chExt cx="2113079" cy="2604998"/>
+            <a:off x="1282599" y="650625"/>
+            <a:ext cx="1213487" cy="1720205"/>
+            <a:chOff x="0" y="0"/>
+            <a:chExt cx="319601" cy="453058"/>
           </a:xfrm>
         </p:grpSpPr>
         <p:sp>
           <p:nvSpPr>
-            <p:cNvPr id="19" name="Freeform 7">
+            <p:cNvPr id="8" name="Freeform 8">
               <a:extLst>
                 <a:ext uri="{FF2B5EF4-FFF2-40B4-BE49-F238E27FC236}">
-                  <a16:creationId xmlns:a16="http://schemas.microsoft.com/office/drawing/2014/main" id="{A2215DF6-67D0-F733-98B0-99DF11F5726C}"/>
+                  <a16:creationId xmlns:a16="http://schemas.microsoft.com/office/drawing/2014/main" id="{C3D450E0-7076-CB23-F7FA-AA61F90D4997}"/>
                 </a:ext>
               </a:extLst>
             </p:cNvPr>
@@ -23547,8 +25938,8 @@
           </p:nvSpPr>
           <p:spPr>
             <a:xfrm>
-              <a:off x="2874802" y="6122140"/>
-              <a:ext cx="1821353" cy="1498063"/>
+              <a:off x="0" y="0"/>
+              <a:ext cx="319601" cy="453058"/>
             </a:xfrm>
             <a:custGeom>
               <a:avLst/>
@@ -23557,289 +25948,26 @@
               <a:cxnLst/>
               <a:rect l="l" t="t" r="r" b="b"/>
               <a:pathLst>
-                <a:path w="1821353" h="1498063">
+                <a:path w="319601" h="453058">
                   <a:moveTo>
                     <a:pt x="0" y="0"/>
                   </a:moveTo>
                   <a:lnTo>
-                    <a:pt x="1821353" y="0"/>
+                    <a:pt x="319601" y="0"/>
                   </a:lnTo>
                   <a:lnTo>
-                    <a:pt x="1821353" y="1498063"/>
+                    <a:pt x="319601" y="453058"/>
                   </a:lnTo>
                   <a:lnTo>
-                    <a:pt x="0" y="1498063"/>
-                  </a:lnTo>
-                  <a:lnTo>
-                    <a:pt x="0" y="0"/>
+                    <a:pt x="0" y="453058"/>
                   </a:lnTo>
                   <a:close/>
                 </a:path>
               </a:pathLst>
             </a:custGeom>
-            <a:blipFill>
-              <a:blip r:embed="rId5">
-                <a:extLst>
-                  <a:ext uri="{96DAC541-7B7A-43D3-8B79-37D633B846F1}">
-                    <asvg:svgBlip xmlns:asvg="http://schemas.microsoft.com/office/drawing/2016/SVG/main" r:embed="rId6"/>
-                  </a:ext>
-                </a:extLst>
-              </a:blip>
-              <a:stretch>
-                <a:fillRect/>
-              </a:stretch>
-            </a:blipFill>
-          </p:spPr>
-          <p:txBody>
-            <a:bodyPr/>
-            <a:lstStyle/>
-            <a:p>
-              <a:endParaRPr lang="ja-JP" altLang="en-US"/>
-            </a:p>
-          </p:txBody>
-        </p:sp>
-        <p:sp>
-          <p:nvSpPr>
-            <p:cNvPr id="20" name="テキスト ボックス 19">
-              <a:extLst>
-                <a:ext uri="{FF2B5EF4-FFF2-40B4-BE49-F238E27FC236}">
-                  <a16:creationId xmlns:a16="http://schemas.microsoft.com/office/drawing/2014/main" id="{26F4537C-5863-7DFA-7264-89E965F64122}"/>
-                </a:ext>
-              </a:extLst>
-            </p:cNvPr>
-            <p:cNvSpPr txBox="1"/>
-            <p:nvPr/>
-          </p:nvSpPr>
-          <p:spPr>
-            <a:xfrm>
-              <a:off x="2728937" y="7773031"/>
-              <a:ext cx="2113079" cy="954107"/>
-            </a:xfrm>
-            <a:prstGeom prst="rect">
-              <a:avLst/>
-            </a:prstGeom>
-            <a:noFill/>
-          </p:spPr>
-          <p:txBody>
-            <a:bodyPr wrap="none" rtlCol="0">
-              <a:spAutoFit/>
-            </a:bodyPr>
-            <a:lstStyle/>
-            <a:p>
-              <a:pPr algn="ctr"/>
-              <a:r>
-                <a:rPr kumimoji="1" lang="ja-JP" altLang="en-US" sz="2400" b="1">
-                  <a:solidFill>
-                    <a:schemeClr val="tx2">
-                      <a:lumMod val="75000"/>
-                    </a:schemeClr>
-                  </a:solidFill>
-                  <a:latin typeface="Yu Gothic" panose="020B0400000000000000" pitchFamily="34" charset="-128"/>
-                  <a:ea typeface="Yu Gothic" panose="020B0400000000000000" pitchFamily="34" charset="-128"/>
-                </a:rPr>
-                <a:t>分析</a:t>
-              </a:r>
-              <a:endParaRPr kumimoji="1" lang="en-US" altLang="ja-JP" sz="2400" b="1" dirty="0">
-                <a:solidFill>
-                  <a:schemeClr val="tx2">
-                    <a:lumMod val="75000"/>
-                  </a:schemeClr>
-                </a:solidFill>
-                <a:latin typeface="Yu Gothic" panose="020B0400000000000000" pitchFamily="34" charset="-128"/>
-                <a:ea typeface="Yu Gothic" panose="020B0400000000000000" pitchFamily="34" charset="-128"/>
-              </a:endParaRPr>
-            </a:p>
-            <a:p>
-              <a:pPr algn="ctr"/>
-              <a:r>
-                <a:rPr kumimoji="1" lang="en-US" altLang="ja-JP" sz="1600" b="1" dirty="0">
-                  <a:solidFill>
-                    <a:schemeClr val="tx2">
-                      <a:lumMod val="75000"/>
-                    </a:schemeClr>
-                  </a:solidFill>
-                  <a:latin typeface="Yu Gothic" panose="020B0400000000000000" pitchFamily="34" charset="-128"/>
-                  <a:ea typeface="Yu Gothic" panose="020B0400000000000000" pitchFamily="34" charset="-128"/>
-                </a:rPr>
-                <a:t>Zero-shot-learning</a:t>
-              </a:r>
-            </a:p>
-            <a:p>
-              <a:pPr algn="ctr"/>
-              <a:r>
-                <a:rPr kumimoji="1" lang="ja-JP" altLang="en-US" sz="1600" b="1">
-                  <a:solidFill>
-                    <a:schemeClr val="tx2">
-                      <a:lumMod val="75000"/>
-                    </a:schemeClr>
-                  </a:solidFill>
-                  <a:latin typeface="Yu Gothic" panose="020B0400000000000000" pitchFamily="34" charset="-128"/>
-                  <a:ea typeface="Yu Gothic" panose="020B0400000000000000" pitchFamily="34" charset="-128"/>
-                </a:rPr>
-                <a:t>マッチングシステム</a:t>
-              </a:r>
-            </a:p>
-          </p:txBody>
-        </p:sp>
-      </p:grpSp>
-      <p:cxnSp>
-        <p:nvCxnSpPr>
-          <p:cNvPr id="21" name="直線矢印コネクタ 20">
-            <a:extLst>
-              <a:ext uri="{FF2B5EF4-FFF2-40B4-BE49-F238E27FC236}">
-                <a16:creationId xmlns:a16="http://schemas.microsoft.com/office/drawing/2014/main" id="{AD0785E0-C73D-AC0A-8E89-FDF39811FB1D}"/>
-              </a:ext>
-            </a:extLst>
-          </p:cNvPr>
-          <p:cNvCxnSpPr>
-            <a:cxnSpLocks/>
-          </p:cNvCxnSpPr>
-          <p:nvPr/>
-        </p:nvCxnSpPr>
-        <p:spPr>
-          <a:xfrm>
-            <a:off x="3191965" y="3633228"/>
-            <a:ext cx="2255693" cy="0"/>
-          </a:xfrm>
-          <a:prstGeom prst="straightConnector1">
-            <a:avLst/>
-          </a:prstGeom>
-          <a:ln w="57150">
             <a:solidFill>
-              <a:schemeClr val="tx1"/>
+              <a:srgbClr val="1B1B1B"/>
             </a:solidFill>
-            <a:tailEnd type="triangle"/>
-          </a:ln>
-        </p:spPr>
-        <p:style>
-          <a:lnRef idx="1">
-            <a:schemeClr val="accent1"/>
-          </a:lnRef>
-          <a:fillRef idx="0">
-            <a:schemeClr val="accent1"/>
-          </a:fillRef>
-          <a:effectRef idx="0">
-            <a:schemeClr val="accent1"/>
-          </a:effectRef>
-          <a:fontRef idx="minor">
-            <a:schemeClr val="tx1"/>
-          </a:fontRef>
-        </p:style>
-      </p:cxnSp>
-      <p:pic>
-        <p:nvPicPr>
-          <p:cNvPr id="22" name="グラフィックス 21" descr="コメント: ハート 単色塗りつぶし">
-            <a:extLst>
-              <a:ext uri="{FF2B5EF4-FFF2-40B4-BE49-F238E27FC236}">
-                <a16:creationId xmlns:a16="http://schemas.microsoft.com/office/drawing/2014/main" id="{B88F2DFF-E4E2-61DB-05E6-32C0F63C5BF1}"/>
-              </a:ext>
-            </a:extLst>
-          </p:cNvPr>
-          <p:cNvPicPr>
-            <a:picLocks noChangeAspect="1"/>
-          </p:cNvPicPr>
-          <p:nvPr/>
-        </p:nvPicPr>
-        <p:blipFill>
-          <a:blip r:embed="rId7">
-            <a:extLst>
-              <a:ext uri="{96DAC541-7B7A-43D3-8B79-37D633B846F1}">
-                <asvg:svgBlip xmlns:asvg="http://schemas.microsoft.com/office/drawing/2016/SVG/main" r:embed="rId8"/>
-              </a:ext>
-            </a:extLst>
-          </a:blip>
-          <a:stretch>
-            <a:fillRect/>
-          </a:stretch>
-        </p:blipFill>
-        <p:spPr>
-          <a:xfrm>
-            <a:off x="3897774" y="3129872"/>
-            <a:ext cx="821125" cy="821125"/>
-          </a:xfrm>
-          <a:prstGeom prst="rect">
-            <a:avLst/>
-          </a:prstGeom>
-        </p:spPr>
-      </p:pic>
-      <p:grpSp>
-        <p:nvGrpSpPr>
-          <p:cNvPr id="25" name="グループ化 24">
-            <a:extLst>
-              <a:ext uri="{FF2B5EF4-FFF2-40B4-BE49-F238E27FC236}">
-                <a16:creationId xmlns:a16="http://schemas.microsoft.com/office/drawing/2014/main" id="{4EBCFBFC-6885-A848-172A-FD3F28BFB899}"/>
-              </a:ext>
-            </a:extLst>
-          </p:cNvPr>
-          <p:cNvGrpSpPr/>
-          <p:nvPr/>
-        </p:nvGrpSpPr>
-        <p:grpSpPr>
-          <a:xfrm>
-            <a:off x="3157427" y="6447252"/>
-            <a:ext cx="1162383" cy="1776969"/>
-            <a:chOff x="2197288" y="6628760"/>
-            <a:chExt cx="1278614" cy="1734867"/>
-          </a:xfrm>
-        </p:grpSpPr>
-        <p:sp>
-          <p:nvSpPr>
-            <p:cNvPr id="26" name="Freeform 21">
-              <a:extLst>
-                <a:ext uri="{FF2B5EF4-FFF2-40B4-BE49-F238E27FC236}">
-                  <a16:creationId xmlns:a16="http://schemas.microsoft.com/office/drawing/2014/main" id="{C9067BB2-953E-C7DB-7BDC-3D2B69585094}"/>
-                </a:ext>
-              </a:extLst>
-            </p:cNvPr>
-            <p:cNvSpPr>
-              <a:spLocks noChangeAspect="1"/>
-            </p:cNvSpPr>
-            <p:nvPr/>
-          </p:nvSpPr>
-          <p:spPr>
-            <a:xfrm>
-              <a:off x="2256042" y="6628760"/>
-              <a:ext cx="1219860" cy="1247938"/>
-            </a:xfrm>
-            <a:custGeom>
-              <a:avLst/>
-              <a:gdLst/>
-              <a:ahLst/>
-              <a:cxnLst/>
-              <a:rect l="l" t="t" r="r" b="b"/>
-              <a:pathLst>
-                <a:path w="1341162" h="1372032">
-                  <a:moveTo>
-                    <a:pt x="0" y="0"/>
-                  </a:moveTo>
-                  <a:lnTo>
-                    <a:pt x="1341162" y="0"/>
-                  </a:lnTo>
-                  <a:lnTo>
-                    <a:pt x="1341162" y="1372032"/>
-                  </a:lnTo>
-                  <a:lnTo>
-                    <a:pt x="0" y="1372032"/>
-                  </a:lnTo>
-                  <a:lnTo>
-                    <a:pt x="0" y="0"/>
-                  </a:lnTo>
-                  <a:close/>
-                </a:path>
-              </a:pathLst>
-            </a:custGeom>
-            <a:blipFill>
-              <a:blip r:embed="rId9">
-                <a:extLst>
-                  <a:ext uri="{96DAC541-7B7A-43D3-8B79-37D633B846F1}">
-                    <asvg:svgBlip xmlns:asvg="http://schemas.microsoft.com/office/drawing/2016/SVG/main" r:embed="rId10"/>
-                  </a:ext>
-                </a:extLst>
-              </a:blip>
-              <a:stretch>
-                <a:fillRect/>
-              </a:stretch>
-            </a:blipFill>
           </p:spPr>
           <p:txBody>
             <a:bodyPr/>
@@ -23854,10 +25982,10 @@
         </p:sp>
         <p:sp>
           <p:nvSpPr>
-            <p:cNvPr id="27" name="テキスト ボックス 26">
+            <p:cNvPr id="9" name="TextBox 9">
               <a:extLst>
                 <a:ext uri="{FF2B5EF4-FFF2-40B4-BE49-F238E27FC236}">
-                  <a16:creationId xmlns:a16="http://schemas.microsoft.com/office/drawing/2014/main" id="{6DCD1096-08D3-BB85-72AE-3DDFC9ADF815}"/>
+                  <a16:creationId xmlns:a16="http://schemas.microsoft.com/office/drawing/2014/main" id="{2398E457-CA28-39E5-AB77-1FBD545C76EB}"/>
                 </a:ext>
               </a:extLst>
             </p:cNvPr>
@@ -23866,38 +25994,23 @@
           </p:nvSpPr>
           <p:spPr>
             <a:xfrm>
-              <a:off x="2197288" y="7901962"/>
-              <a:ext cx="1250663" cy="461665"/>
+              <a:off x="0" y="-47625"/>
+              <a:ext cx="319601" cy="500683"/>
             </a:xfrm>
             <a:prstGeom prst="rect">
               <a:avLst/>
             </a:prstGeom>
-            <a:noFill/>
           </p:spPr>
           <p:txBody>
-            <a:bodyPr wrap="none" rtlCol="0">
-              <a:spAutoFit/>
-            </a:bodyPr>
+            <a:bodyPr lIns="50800" tIns="50800" rIns="50800" bIns="50800" rtlCol="0" anchor="ctr"/>
             <a:lstStyle/>
             <a:p>
-              <a:r>
-                <a:rPr kumimoji="1" lang="en-US" altLang="ja-JP" sz="2400" b="1" dirty="0">
-                  <a:solidFill>
-                    <a:schemeClr val="tx2">
-                      <a:lumMod val="75000"/>
-                    </a:schemeClr>
-                  </a:solidFill>
-                  <a:latin typeface="Yu Gothic" panose="020B0400000000000000" pitchFamily="34" charset="-128"/>
-                  <a:ea typeface="Yu Gothic" panose="020B0400000000000000" pitchFamily="34" charset="-128"/>
-                </a:rPr>
-                <a:t>Django</a:t>
-              </a:r>
-              <a:endParaRPr kumimoji="1" lang="ja-JP" altLang="en-US" sz="2400" b="1">
-                <a:solidFill>
-                  <a:schemeClr val="tx2">
-                    <a:lumMod val="75000"/>
-                  </a:schemeClr>
-                </a:solidFill>
+              <a:pPr algn="ctr">
+                <a:lnSpc>
+                  <a:spcPts val="3359"/>
+                </a:lnSpc>
+              </a:pPr>
+              <a:endParaRPr>
                 <a:latin typeface="Yu Gothic" panose="020B0400000000000000" pitchFamily="34" charset="-128"/>
                 <a:ea typeface="Yu Gothic" panose="020B0400000000000000" pitchFamily="34" charset="-128"/>
               </a:endParaRPr>
@@ -23905,265 +26018,186 @@
           </p:txBody>
         </p:sp>
       </p:grpSp>
-      <p:grpSp>
-        <p:nvGrpSpPr>
-          <p:cNvPr id="29" name="グループ化 28">
+      <p:sp>
+        <p:nvSpPr>
+          <p:cNvPr id="12" name="TextBox 12">
             <a:extLst>
               <a:ext uri="{FF2B5EF4-FFF2-40B4-BE49-F238E27FC236}">
-                <a16:creationId xmlns:a16="http://schemas.microsoft.com/office/drawing/2014/main" id="{713099CA-D63C-1982-8136-953F0BAAA39C}"/>
+                <a16:creationId xmlns:a16="http://schemas.microsoft.com/office/drawing/2014/main" id="{7C8E2CE6-5CAA-5455-5767-94520E31FE93}"/>
               </a:ext>
             </a:extLst>
           </p:cNvPr>
-          <p:cNvGrpSpPr/>
+          <p:cNvSpPr txBox="1"/>
           <p:nvPr/>
-        </p:nvGrpSpPr>
-        <p:grpSpPr>
+        </p:nvSpPr>
+        <p:spPr>
           <a:xfrm>
-            <a:off x="383958" y="6283725"/>
-            <a:ext cx="1296468" cy="1956129"/>
-            <a:chOff x="7173083" y="6753785"/>
-            <a:chExt cx="1426106" cy="1909783"/>
+            <a:off x="2949343" y="1371153"/>
+            <a:ext cx="14309957" cy="596317"/>
           </a:xfrm>
-        </p:grpSpPr>
-        <p:pic>
-          <p:nvPicPr>
-            <p:cNvPr id="30" name="グラフィックス 29" descr="データベース 枠線">
-              <a:extLst>
-                <a:ext uri="{FF2B5EF4-FFF2-40B4-BE49-F238E27FC236}">
-                  <a16:creationId xmlns:a16="http://schemas.microsoft.com/office/drawing/2014/main" id="{C4E79F0B-3B02-099E-989F-0C9C609D3877}"/>
-                </a:ext>
-              </a:extLst>
-            </p:cNvPr>
-            <p:cNvPicPr>
-              <a:picLocks noChangeAspect="1"/>
-            </p:cNvPicPr>
-            <p:nvPr/>
-          </p:nvPicPr>
-          <p:blipFill>
-            <a:blip r:embed="rId3">
-              <a:extLst>
-                <a:ext uri="{96DAC541-7B7A-43D3-8B79-37D633B846F1}">
-                  <asvg:svgBlip xmlns:asvg="http://schemas.microsoft.com/office/drawing/2016/SVG/main" r:embed="rId4"/>
-                </a:ext>
-              </a:extLst>
-            </a:blip>
-            <a:stretch>
-              <a:fillRect/>
-            </a:stretch>
-          </p:blipFill>
-          <p:spPr>
-            <a:xfrm>
-              <a:off x="7173083" y="6753785"/>
-              <a:ext cx="1426106" cy="1426106"/>
-            </a:xfrm>
-            <a:prstGeom prst="rect">
-              <a:avLst/>
-            </a:prstGeom>
-          </p:spPr>
-        </p:pic>
-        <p:sp>
-          <p:nvSpPr>
-            <p:cNvPr id="32" name="テキスト ボックス 31">
-              <a:extLst>
-                <a:ext uri="{FF2B5EF4-FFF2-40B4-BE49-F238E27FC236}">
-                  <a16:creationId xmlns:a16="http://schemas.microsoft.com/office/drawing/2014/main" id="{8A5C68BB-0E56-4751-4CCA-B60DA2295282}"/>
-                </a:ext>
-              </a:extLst>
-            </p:cNvPr>
-            <p:cNvSpPr txBox="1"/>
-            <p:nvPr/>
-          </p:nvSpPr>
-          <p:spPr>
-            <a:xfrm>
-              <a:off x="7284849" y="8201903"/>
-              <a:ext cx="1202573" cy="461665"/>
-            </a:xfrm>
-            <a:prstGeom prst="rect">
-              <a:avLst/>
-            </a:prstGeom>
-            <a:noFill/>
-          </p:spPr>
-          <p:txBody>
-            <a:bodyPr wrap="none" rtlCol="0">
-              <a:spAutoFit/>
-            </a:bodyPr>
-            <a:lstStyle/>
-            <a:p>
-              <a:r>
-                <a:rPr kumimoji="1" lang="en-US" altLang="ja-JP" sz="2400" b="1" dirty="0">
-                  <a:solidFill>
-                    <a:schemeClr val="tx2">
-                      <a:lumMod val="75000"/>
-                    </a:schemeClr>
-                  </a:solidFill>
-                  <a:latin typeface="Yu Gothic" panose="020B0400000000000000" pitchFamily="34" charset="-128"/>
-                  <a:ea typeface="Yu Gothic" panose="020B0400000000000000" pitchFamily="34" charset="-128"/>
-                </a:rPr>
-                <a:t>SQLite</a:t>
-              </a:r>
-              <a:endParaRPr kumimoji="1" lang="ja-JP" altLang="en-US" sz="2400" b="1">
+          <a:prstGeom prst="rect">
+            <a:avLst/>
+          </a:prstGeom>
+        </p:spPr>
+        <p:txBody>
+          <a:bodyPr lIns="0" tIns="0" rIns="0" bIns="0" rtlCol="0" anchor="t">
+            <a:spAutoFit/>
+          </a:bodyPr>
+          <a:lstStyle/>
+          <a:p>
+            <a:pPr algn="l">
+              <a:lnSpc>
+                <a:spcPts val="4900"/>
+              </a:lnSpc>
+            </a:pPr>
+            <a:r>
+              <a:rPr lang="ja-JP" altLang="en-US" sz="3500" b="1" spc="175">
                 <a:solidFill>
-                  <a:schemeClr val="tx2">
-                    <a:lumMod val="75000"/>
-                  </a:schemeClr>
+                  <a:srgbClr val="1B1B1B"/>
                 </a:solidFill>
                 <a:latin typeface="Yu Gothic" panose="020B0400000000000000" pitchFamily="34" charset="-128"/>
                 <a:ea typeface="Yu Gothic" panose="020B0400000000000000" pitchFamily="34" charset="-128"/>
-              </a:endParaRPr>
-            </a:p>
-          </p:txBody>
-        </p:sp>
-      </p:grpSp>
-      <p:grpSp>
-        <p:nvGrpSpPr>
-          <p:cNvPr id="33" name="グループ化 32">
+                <a:cs typeface="Noto Sans JP Heavy"/>
+                <a:sym typeface="Noto Sans JP Heavy"/>
+              </a:rPr>
+              <a:t>モックデータでテスト</a:t>
+            </a:r>
+            <a:r>
+              <a:rPr lang="en-US" altLang="ja-JP" sz="3500" b="1" spc="175" dirty="0">
+                <a:solidFill>
+                  <a:srgbClr val="1B1B1B"/>
+                </a:solidFill>
+                <a:latin typeface="Yu Gothic" panose="020B0400000000000000" pitchFamily="34" charset="-128"/>
+                <a:ea typeface="Yu Gothic" panose="020B0400000000000000" pitchFamily="34" charset="-128"/>
+                <a:cs typeface="Noto Sans JP Heavy"/>
+                <a:sym typeface="Noto Sans JP Heavy"/>
+              </a:rPr>
+              <a:t> – </a:t>
+            </a:r>
+            <a:r>
+              <a:rPr lang="ja-JP" altLang="en-US" sz="3500" b="1" spc="175">
+                <a:solidFill>
+                  <a:srgbClr val="1B1B1B"/>
+                </a:solidFill>
+                <a:latin typeface="Yu Gothic" panose="020B0400000000000000" pitchFamily="34" charset="-128"/>
+                <a:ea typeface="Yu Gothic" panose="020B0400000000000000" pitchFamily="34" charset="-128"/>
+                <a:cs typeface="Noto Sans JP Heavy"/>
+                <a:sym typeface="Noto Sans JP Heavy"/>
+              </a:rPr>
+              <a:t>マッチング</a:t>
+            </a:r>
+            <a:endParaRPr lang="en-US" sz="3500" b="1" spc="175" dirty="0">
+              <a:solidFill>
+                <a:srgbClr val="1B1B1B"/>
+              </a:solidFill>
+              <a:latin typeface="Yu Gothic" panose="020B0400000000000000" pitchFamily="34" charset="-128"/>
+              <a:ea typeface="Yu Gothic" panose="020B0400000000000000" pitchFamily="34" charset="-128"/>
+              <a:cs typeface="Noto Sans JP Heavy"/>
+              <a:sym typeface="Noto Sans JP Heavy"/>
+            </a:endParaRPr>
+          </a:p>
+        </p:txBody>
+      </p:sp>
+      <p:sp>
+        <p:nvSpPr>
+          <p:cNvPr id="13" name="TextBox 13">
             <a:extLst>
               <a:ext uri="{FF2B5EF4-FFF2-40B4-BE49-F238E27FC236}">
-                <a16:creationId xmlns:a16="http://schemas.microsoft.com/office/drawing/2014/main" id="{104F69F2-7D08-CA33-568A-FD6FD7C51B71}"/>
+                <a16:creationId xmlns:a16="http://schemas.microsoft.com/office/drawing/2014/main" id="{F71966B6-08DA-5EC8-44FF-CE5BD6AC74CF}"/>
               </a:ext>
             </a:extLst>
           </p:cNvPr>
-          <p:cNvGrpSpPr/>
+          <p:cNvSpPr txBox="1"/>
           <p:nvPr/>
-        </p:nvGrpSpPr>
-        <p:grpSpPr>
-          <a:xfrm>
-            <a:off x="6150174" y="6299613"/>
-            <a:ext cx="1523990" cy="1940241"/>
-            <a:chOff x="14518479" y="5789880"/>
-            <a:chExt cx="1676379" cy="1894271"/>
-          </a:xfrm>
-        </p:grpSpPr>
-        <p:pic>
-          <p:nvPicPr>
-            <p:cNvPr id="34" name="グラフィックス 33" descr="男性のプロフィール 枠線">
-              <a:extLst>
-                <a:ext uri="{FF2B5EF4-FFF2-40B4-BE49-F238E27FC236}">
-                  <a16:creationId xmlns:a16="http://schemas.microsoft.com/office/drawing/2014/main" id="{2B76B076-0064-B991-87A5-C9B9ED83810F}"/>
-                </a:ext>
-              </a:extLst>
-            </p:cNvPr>
-            <p:cNvPicPr>
-              <a:picLocks noChangeAspect="1"/>
-            </p:cNvPicPr>
-            <p:nvPr/>
-          </p:nvPicPr>
-          <p:blipFill>
-            <a:blip r:embed="rId11">
-              <a:extLst>
-                <a:ext uri="{96DAC541-7B7A-43D3-8B79-37D633B846F1}">
-                  <asvg:svgBlip xmlns:asvg="http://schemas.microsoft.com/office/drawing/2016/SVG/main" r:embed="rId12"/>
-                </a:ext>
-              </a:extLst>
-            </a:blip>
-            <a:stretch>
-              <a:fillRect/>
-            </a:stretch>
-          </p:blipFill>
-          <p:spPr>
-            <a:xfrm>
-              <a:off x="14518479" y="5789880"/>
-              <a:ext cx="1676379" cy="1676379"/>
-            </a:xfrm>
-            <a:prstGeom prst="rect">
-              <a:avLst/>
-            </a:prstGeom>
-          </p:spPr>
-        </p:pic>
-        <p:sp>
-          <p:nvSpPr>
-            <p:cNvPr id="35" name="テキスト ボックス 34">
-              <a:extLst>
-                <a:ext uri="{FF2B5EF4-FFF2-40B4-BE49-F238E27FC236}">
-                  <a16:creationId xmlns:a16="http://schemas.microsoft.com/office/drawing/2014/main" id="{6E245590-2FB6-2A12-72A2-10441819AB93}"/>
-                </a:ext>
-              </a:extLst>
-            </p:cNvPr>
-            <p:cNvSpPr txBox="1"/>
-            <p:nvPr/>
-          </p:nvSpPr>
-          <p:spPr>
-            <a:xfrm>
-              <a:off x="14648782" y="7222486"/>
-              <a:ext cx="1415772" cy="461665"/>
-            </a:xfrm>
-            <a:prstGeom prst="rect">
-              <a:avLst/>
-            </a:prstGeom>
-            <a:noFill/>
-          </p:spPr>
-          <p:txBody>
-            <a:bodyPr wrap="none" rtlCol="0">
-              <a:spAutoFit/>
-            </a:bodyPr>
-            <a:lstStyle/>
-            <a:p>
-              <a:r>
-                <a:rPr kumimoji="1" lang="ja-JP" altLang="en-US" sz="2400" b="1">
-                  <a:solidFill>
-                    <a:schemeClr val="tx2">
-                      <a:lumMod val="75000"/>
-                    </a:schemeClr>
-                  </a:solidFill>
-                  <a:latin typeface="Yu Gothic" panose="020B0400000000000000" pitchFamily="34" charset="-128"/>
-                  <a:ea typeface="Yu Gothic" panose="020B0400000000000000" pitchFamily="34" charset="-128"/>
-                </a:rPr>
-                <a:t>ユーザー</a:t>
-              </a:r>
-            </a:p>
-          </p:txBody>
-        </p:sp>
-      </p:grpSp>
-      <p:cxnSp>
-        <p:nvCxnSpPr>
-          <p:cNvPr id="36" name="直線矢印コネクタ 35">
-            <a:extLst>
-              <a:ext uri="{FF2B5EF4-FFF2-40B4-BE49-F238E27FC236}">
-                <a16:creationId xmlns:a16="http://schemas.microsoft.com/office/drawing/2014/main" id="{A60EE49F-2CEF-1609-0E7C-E66B44AD6CD1}"/>
-              </a:ext>
-            </a:extLst>
-          </p:cNvPr>
-          <p:cNvCxnSpPr>
-            <a:cxnSpLocks/>
-          </p:cNvCxnSpPr>
-          <p:nvPr/>
-        </p:nvCxnSpPr>
+        </p:nvSpPr>
         <p:spPr>
           <a:xfrm>
-            <a:off x="1586631" y="7108125"/>
-            <a:ext cx="1413461" cy="0"/>
+            <a:off x="1461953" y="1228278"/>
+            <a:ext cx="854779" cy="733425"/>
           </a:xfrm>
-          <a:prstGeom prst="straightConnector1">
+          <a:prstGeom prst="rect">
             <a:avLst/>
           </a:prstGeom>
-          <a:ln w="57150">
-            <a:solidFill>
-              <a:schemeClr val="tx1"/>
-            </a:solidFill>
-            <a:tailEnd type="triangle"/>
-          </a:ln>
         </p:spPr>
-        <p:style>
-          <a:lnRef idx="1">
-            <a:schemeClr val="accent1"/>
-          </a:lnRef>
-          <a:fillRef idx="0">
-            <a:schemeClr val="accent1"/>
-          </a:fillRef>
-          <a:effectRef idx="0">
-            <a:schemeClr val="accent1"/>
-          </a:effectRef>
-          <a:fontRef idx="minor">
-            <a:schemeClr val="tx1"/>
-          </a:fontRef>
-        </p:style>
-      </p:cxnSp>
+        <p:txBody>
+          <a:bodyPr lIns="0" tIns="0" rIns="0" bIns="0" rtlCol="0" anchor="t">
+            <a:spAutoFit/>
+          </a:bodyPr>
+          <a:lstStyle/>
+          <a:p>
+            <a:pPr marL="0" lvl="0" indent="0" algn="ctr">
+              <a:lnSpc>
+                <a:spcPts val="6300"/>
+              </a:lnSpc>
+              <a:spcBef>
+                <a:spcPct val="0"/>
+              </a:spcBef>
+            </a:pPr>
+            <a:r>
+              <a:rPr lang="en-US" sz="3500" b="1" u="none" strike="noStrike" dirty="0">
+                <a:solidFill>
+                  <a:srgbClr val="FAFAFA"/>
+                </a:solidFill>
+                <a:latin typeface="Yu Gothic" panose="020B0400000000000000" pitchFamily="34" charset="-128"/>
+                <a:ea typeface="Yu Gothic" panose="020B0400000000000000" pitchFamily="34" charset="-128"/>
+                <a:cs typeface="Open Sans Bold"/>
+                <a:sym typeface="Open Sans Bold"/>
+              </a:rPr>
+              <a:t>05</a:t>
+            </a:r>
+          </a:p>
+        </p:txBody>
+      </p:sp>
+      <p:sp>
+        <p:nvSpPr>
+          <p:cNvPr id="19" name="テキスト ボックス 18">
+            <a:extLst>
+              <a:ext uri="{FF2B5EF4-FFF2-40B4-BE49-F238E27FC236}">
+                <a16:creationId xmlns:a16="http://schemas.microsoft.com/office/drawing/2014/main" id="{7286C823-8F3A-C232-8DDA-241142FD2C0C}"/>
+              </a:ext>
+            </a:extLst>
+          </p:cNvPr>
+          <p:cNvSpPr txBox="1"/>
+          <p:nvPr/>
+        </p:nvSpPr>
+        <p:spPr>
+          <a:xfrm>
+            <a:off x="2862960" y="2517856"/>
+            <a:ext cx="13571344" cy="461665"/>
+          </a:xfrm>
+          <a:prstGeom prst="rect">
+            <a:avLst/>
+          </a:prstGeom>
+          <a:noFill/>
+        </p:spPr>
+        <p:txBody>
+          <a:bodyPr wrap="none" rtlCol="0">
+            <a:spAutoFit/>
+          </a:bodyPr>
+          <a:lstStyle/>
+          <a:p>
+            <a:r>
+              <a:rPr kumimoji="1" lang="ja-JP" altLang="en-US" sz="2400"/>
+              <a:t>なんかマッチングできている！</a:t>
+            </a:r>
+            <a:r>
+              <a:rPr kumimoji="1" lang="en-US" altLang="ja-JP" sz="2400" dirty="0"/>
+              <a:t>...</a:t>
+            </a:r>
+            <a:r>
+              <a:rPr kumimoji="1" lang="ja-JP" altLang="en-US" sz="2400"/>
+              <a:t>けどまだどうやってマッチングしているか分かってないので今後理解する</a:t>
+            </a:r>
+            <a:endParaRPr kumimoji="1" lang="en-US" altLang="ja-JP" sz="2400" dirty="0"/>
+          </a:p>
+        </p:txBody>
+      </p:sp>
       <p:pic>
         <p:nvPicPr>
-          <p:cNvPr id="45" name="グラフィックス 44" descr="コメント: ハート 単色塗りつぶし">
+          <p:cNvPr id="15" name="図 14" descr="コンピューターのスクリーンショット&#10;&#10;AI 生成コンテンツは誤りを含む可能性があります。">
             <a:extLst>
               <a:ext uri="{FF2B5EF4-FFF2-40B4-BE49-F238E27FC236}">
-                <a16:creationId xmlns:a16="http://schemas.microsoft.com/office/drawing/2014/main" id="{2DFAEF9F-6478-4B99-E154-6ACC2D198808}"/>
+                <a16:creationId xmlns:a16="http://schemas.microsoft.com/office/drawing/2014/main" id="{13D33C4D-08DD-D4E4-1C58-3DA71EF7E31C}"/>
               </a:ext>
             </a:extLst>
           </p:cNvPr>
@@ -24173,111 +26207,84 @@
           <p:nvPr/>
         </p:nvPicPr>
         <p:blipFill>
-          <a:blip r:embed="rId7">
-            <a:extLst>
-              <a:ext uri="{96DAC541-7B7A-43D3-8B79-37D633B846F1}">
-                <asvg:svgBlip xmlns:asvg="http://schemas.microsoft.com/office/drawing/2016/SVG/main" r:embed="rId13"/>
+          <a:blip r:embed="rId3">
+            <a:extLst>
+              <a:ext uri="{28A0092B-C50C-407E-A947-70E740481C1C}">
+                <a14:useLocalDpi xmlns:a14="http://schemas.microsoft.com/office/drawing/2010/main" val="0"/>
               </a:ext>
             </a:extLst>
           </a:blip>
+          <a:srcRect l="12199" t="30996" r="30873" b="8434"/>
           <a:stretch>
             <a:fillRect/>
           </a:stretch>
         </p:blipFill>
         <p:spPr>
           <a:xfrm>
-            <a:off x="1727181" y="6591300"/>
-            <a:ext cx="841052" cy="841052"/>
+            <a:off x="4615096" y="3363028"/>
+            <a:ext cx="9057808" cy="5421043"/>
           </a:xfrm>
           <a:prstGeom prst="rect">
             <a:avLst/>
           </a:prstGeom>
         </p:spPr>
       </p:pic>
-      <p:cxnSp>
-        <p:nvCxnSpPr>
-          <p:cNvPr id="49" name="直線矢印コネクタ 48">
+      <p:sp>
+        <p:nvSpPr>
+          <p:cNvPr id="17" name="正方形/長方形 16">
             <a:extLst>
               <a:ext uri="{FF2B5EF4-FFF2-40B4-BE49-F238E27FC236}">
-                <a16:creationId xmlns:a16="http://schemas.microsoft.com/office/drawing/2014/main" id="{EF54170A-ABF0-3A56-CF2D-565007252B48}"/>
+                <a16:creationId xmlns:a16="http://schemas.microsoft.com/office/drawing/2014/main" id="{04F3B520-1079-7AE0-7FE6-D39322ADE398}"/>
               </a:ext>
             </a:extLst>
           </p:cNvPr>
-          <p:cNvCxnSpPr>
-            <a:cxnSpLocks/>
-          </p:cNvCxnSpPr>
+          <p:cNvSpPr/>
           <p:nvPr/>
-        </p:nvCxnSpPr>
+        </p:nvSpPr>
         <p:spPr>
           <a:xfrm>
-            <a:off x="4658301" y="7127077"/>
-            <a:ext cx="1413461" cy="0"/>
+            <a:off x="4717532" y="6515099"/>
+            <a:ext cx="3969268" cy="2340643"/>
           </a:xfrm>
-          <a:prstGeom prst="straightConnector1">
+          <a:prstGeom prst="rect">
             <a:avLst/>
           </a:prstGeom>
-          <a:ln w="57150">
+          <a:noFill/>
+          <a:ln w="38100">
             <a:solidFill>
-              <a:schemeClr val="tx1"/>
+              <a:srgbClr val="C00000"/>
             </a:solidFill>
-            <a:tailEnd type="triangle"/>
           </a:ln>
         </p:spPr>
         <p:style>
-          <a:lnRef idx="1">
-            <a:schemeClr val="accent1"/>
+          <a:lnRef idx="2">
+            <a:schemeClr val="accent1">
+              <a:shade val="15000"/>
+            </a:schemeClr>
           </a:lnRef>
-          <a:fillRef idx="0">
+          <a:fillRef idx="1">
             <a:schemeClr val="accent1"/>
           </a:fillRef>
           <a:effectRef idx="0">
             <a:schemeClr val="accent1"/>
           </a:effectRef>
           <a:fontRef idx="minor">
-            <a:schemeClr val="tx1"/>
+            <a:schemeClr val="lt1"/>
           </a:fontRef>
         </p:style>
-      </p:cxnSp>
-      <p:pic>
-        <p:nvPicPr>
-          <p:cNvPr id="50" name="グラフィックス 49" descr="コメント: ハート 単色塗りつぶし">
-            <a:extLst>
-              <a:ext uri="{FF2B5EF4-FFF2-40B4-BE49-F238E27FC236}">
-                <a16:creationId xmlns:a16="http://schemas.microsoft.com/office/drawing/2014/main" id="{D37516AF-3AA1-3637-3457-E28F067917CD}"/>
-              </a:ext>
-            </a:extLst>
-          </p:cNvPr>
-          <p:cNvPicPr>
-            <a:picLocks noChangeAspect="1"/>
-          </p:cNvPicPr>
-          <p:nvPr/>
-        </p:nvPicPr>
-        <p:blipFill>
-          <a:blip r:embed="rId7">
-            <a:extLst>
-              <a:ext uri="{96DAC541-7B7A-43D3-8B79-37D633B846F1}">
-                <asvg:svgBlip xmlns:asvg="http://schemas.microsoft.com/office/drawing/2016/SVG/main" r:embed="rId13"/>
-              </a:ext>
-            </a:extLst>
-          </a:blip>
-          <a:stretch>
-            <a:fillRect/>
-          </a:stretch>
-        </p:blipFill>
-        <p:spPr>
-          <a:xfrm>
-            <a:off x="4798851" y="6591300"/>
-            <a:ext cx="841052" cy="841052"/>
-          </a:xfrm>
-          <a:prstGeom prst="rect">
-            <a:avLst/>
-          </a:prstGeom>
-        </p:spPr>
-      </p:pic>
+        <p:txBody>
+          <a:bodyPr rtlCol="0" anchor="ctr"/>
+          <a:lstStyle/>
+          <a:p>
+            <a:pPr algn="ctr"/>
+            <a:endParaRPr kumimoji="1" lang="ja-JP" altLang="en-US"/>
+          </a:p>
+        </p:txBody>
+      </p:sp>
     </p:spTree>
     <p:extLst>
       <p:ext uri="{BB962C8B-B14F-4D97-AF65-F5344CB8AC3E}">
-        <p14:creationId xmlns:p14="http://schemas.microsoft.com/office/powerpoint/2010/main" val="3390428225"/>
+        <p14:creationId xmlns:p14="http://schemas.microsoft.com/office/powerpoint/2010/main" val="672742266"/>
       </p:ext>
     </p:extLst>
   </p:cSld>

--- a/docs/ミーティング/発表資料/25_0711_進捗.pptx
+++ b/docs/ミーティング/発表資料/25_0711_進捗.pptx
@@ -5766,7 +5766,7 @@
           <a:p>
             <a:r>
               <a:rPr kumimoji="1" lang="ja-JP" altLang="en-US"/>
-              <a:t>　</a:t>
+              <a:t>　ユーザーのアクションでどこまで流れるのかを明記</a:t>
             </a:r>
           </a:p>
         </p:txBody>
@@ -16640,46 +16640,6 @@
           </a:p>
         </p:txBody>
       </p:sp>
-      <p:sp>
-        <p:nvSpPr>
-          <p:cNvPr id="4" name="AutoShape 4">
-            <a:extLst>
-              <a:ext uri="{FF2B5EF4-FFF2-40B4-BE49-F238E27FC236}">
-                <a16:creationId xmlns:a16="http://schemas.microsoft.com/office/drawing/2014/main" id="{E497E7A8-5D36-8923-BACE-D02387AEFBB7}"/>
-              </a:ext>
-            </a:extLst>
-          </p:cNvPr>
-          <p:cNvSpPr/>
-          <p:nvPr/>
-        </p:nvSpPr>
-        <p:spPr>
-          <a:xfrm flipV="1">
-            <a:off x="856856" y="904405"/>
-            <a:ext cx="16574288" cy="0"/>
-          </a:xfrm>
-          <a:prstGeom prst="line">
-            <a:avLst/>
-          </a:prstGeom>
-          <a:ln w="57150" cap="flat">
-            <a:solidFill>
-              <a:srgbClr val="1B1B1B"/>
-            </a:solidFill>
-            <a:prstDash val="solid"/>
-            <a:headEnd type="none" w="sm" len="sm"/>
-            <a:tailEnd type="none" w="sm" len="sm"/>
-          </a:ln>
-        </p:spPr>
-        <p:txBody>
-          <a:bodyPr/>
-          <a:lstStyle/>
-          <a:p>
-            <a:endParaRPr lang="ja-JP" altLang="en-US">
-              <a:latin typeface="Yu Gothic" panose="020B0400000000000000" pitchFamily="34" charset="-128"/>
-              <a:ea typeface="Yu Gothic" panose="020B0400000000000000" pitchFamily="34" charset="-128"/>
-            </a:endParaRPr>
-          </a:p>
-        </p:txBody>
-      </p:sp>
       <p:grpSp>
         <p:nvGrpSpPr>
           <p:cNvPr id="7" name="Group 7">
@@ -19753,7 +19713,9 @@
           </a:prstGeom>
           <a:ln w="57150">
             <a:solidFill>
-              <a:schemeClr val="tx1"/>
+              <a:schemeClr val="bg1">
+                <a:lumMod val="85000"/>
+              </a:schemeClr>
             </a:solidFill>
             <a:tailEnd type="triangle"/>
           </a:ln>
@@ -19809,6 +19771,46 @@
           </a:prstGeom>
         </p:spPr>
       </p:pic>
+      <p:sp>
+        <p:nvSpPr>
+          <p:cNvPr id="23" name="AutoShape 4">
+            <a:extLst>
+              <a:ext uri="{FF2B5EF4-FFF2-40B4-BE49-F238E27FC236}">
+                <a16:creationId xmlns:a16="http://schemas.microsoft.com/office/drawing/2014/main" id="{A4C0C74F-C57D-1EA4-C939-841FA5C5E624}"/>
+              </a:ext>
+            </a:extLst>
+          </p:cNvPr>
+          <p:cNvSpPr/>
+          <p:nvPr/>
+        </p:nvSpPr>
+        <p:spPr>
+          <a:xfrm flipV="1">
+            <a:off x="856856" y="904405"/>
+            <a:ext cx="16574288" cy="0"/>
+          </a:xfrm>
+          <a:prstGeom prst="line">
+            <a:avLst/>
+          </a:prstGeom>
+          <a:ln w="57150" cap="flat">
+            <a:solidFill>
+              <a:srgbClr val="1B1B1B"/>
+            </a:solidFill>
+            <a:prstDash val="solid"/>
+            <a:headEnd type="none" w="sm" len="sm"/>
+            <a:tailEnd type="none" w="sm" len="sm"/>
+          </a:ln>
+        </p:spPr>
+        <p:txBody>
+          <a:bodyPr/>
+          <a:lstStyle/>
+          <a:p>
+            <a:endParaRPr lang="ja-JP" altLang="en-US">
+              <a:latin typeface="Yu Gothic" panose="020B0400000000000000" pitchFamily="34" charset="-128"/>
+              <a:ea typeface="Yu Gothic" panose="020B0400000000000000" pitchFamily="34" charset="-128"/>
+            </a:endParaRPr>
+          </a:p>
+        </p:txBody>
+      </p:sp>
     </p:spTree>
     <p:extLst>
       <p:ext uri="{BB962C8B-B14F-4D97-AF65-F5344CB8AC3E}">

--- a/docs/ミーティング/発表資料/25_0711_進捗.pptx
+++ b/docs/ミーティング/発表資料/25_0711_進捗.pptx
@@ -5403,7 +5403,7 @@
           <a:p>
             <a:fld id="{5315D7B3-D8F9-DB42-9752-C640A49B89F2}" type="datetimeFigureOut">
               <a:rPr kumimoji="1" lang="ja-JP" altLang="en-US" smtClean="0"/>
-              <a:t>2025/7/11</a:t>
+              <a:t>2025/11/19</a:t>
             </a:fld>
             <a:endParaRPr kumimoji="1" lang="ja-JP" altLang="en-US"/>
           </a:p>
@@ -8047,7 +8047,7 @@
             <a:fld id="{1D8BD707-D9CF-40AE-B4C6-C98DA3205C09}" type="datetimeFigureOut">
               <a:rPr lang="en-US" smtClean="0"/>
               <a:pPr/>
-              <a:t>7/11/25</a:t>
+              <a:t>11/19/25</a:t>
             </a:fld>
             <a:endParaRPr lang="en-US"/>
           </a:p>
@@ -8212,7 +8212,7 @@
             <a:fld id="{1D8BD707-D9CF-40AE-B4C6-C98DA3205C09}" type="datetimeFigureOut">
               <a:rPr lang="en-US" smtClean="0"/>
               <a:pPr/>
-              <a:t>7/11/25</a:t>
+              <a:t>11/19/25</a:t>
             </a:fld>
             <a:endParaRPr lang="en-US"/>
           </a:p>
@@ -8387,7 +8387,7 @@
             <a:fld id="{1D8BD707-D9CF-40AE-B4C6-C98DA3205C09}" type="datetimeFigureOut">
               <a:rPr lang="en-US" smtClean="0"/>
               <a:pPr/>
-              <a:t>7/11/25</a:t>
+              <a:t>11/19/25</a:t>
             </a:fld>
             <a:endParaRPr lang="en-US"/>
           </a:p>
@@ -8552,7 +8552,7 @@
             <a:fld id="{1D8BD707-D9CF-40AE-B4C6-C98DA3205C09}" type="datetimeFigureOut">
               <a:rPr lang="en-US" smtClean="0"/>
               <a:pPr/>
-              <a:t>7/11/25</a:t>
+              <a:t>11/19/25</a:t>
             </a:fld>
             <a:endParaRPr lang="en-US"/>
           </a:p>
@@ -8794,7 +8794,7 @@
             <a:fld id="{1D8BD707-D9CF-40AE-B4C6-C98DA3205C09}" type="datetimeFigureOut">
               <a:rPr lang="en-US" smtClean="0"/>
               <a:pPr/>
-              <a:t>7/11/25</a:t>
+              <a:t>11/19/25</a:t>
             </a:fld>
             <a:endParaRPr lang="en-US"/>
           </a:p>
@@ -9076,7 +9076,7 @@
             <a:fld id="{1D8BD707-D9CF-40AE-B4C6-C98DA3205C09}" type="datetimeFigureOut">
               <a:rPr lang="en-US" smtClean="0"/>
               <a:pPr/>
-              <a:t>7/11/25</a:t>
+              <a:t>11/19/25</a:t>
             </a:fld>
             <a:endParaRPr lang="en-US"/>
           </a:p>
@@ -9492,7 +9492,7 @@
             <a:fld id="{1D8BD707-D9CF-40AE-B4C6-C98DA3205C09}" type="datetimeFigureOut">
               <a:rPr lang="en-US" smtClean="0"/>
               <a:pPr/>
-              <a:t>7/11/25</a:t>
+              <a:t>11/19/25</a:t>
             </a:fld>
             <a:endParaRPr lang="en-US"/>
           </a:p>
@@ -9606,7 +9606,7 @@
             <a:fld id="{1D8BD707-D9CF-40AE-B4C6-C98DA3205C09}" type="datetimeFigureOut">
               <a:rPr lang="en-US" smtClean="0"/>
               <a:pPr/>
-              <a:t>7/11/25</a:t>
+              <a:t>11/19/25</a:t>
             </a:fld>
             <a:endParaRPr lang="en-US"/>
           </a:p>
@@ -9698,7 +9698,7 @@
             <a:fld id="{1D8BD707-D9CF-40AE-B4C6-C98DA3205C09}" type="datetimeFigureOut">
               <a:rPr lang="en-US" smtClean="0"/>
               <a:pPr/>
-              <a:t>7/11/25</a:t>
+              <a:t>11/19/25</a:t>
             </a:fld>
             <a:endParaRPr lang="en-US"/>
           </a:p>
@@ -9970,7 +9970,7 @@
             <a:fld id="{1D8BD707-D9CF-40AE-B4C6-C98DA3205C09}" type="datetimeFigureOut">
               <a:rPr lang="en-US" smtClean="0"/>
               <a:pPr/>
-              <a:t>7/11/25</a:t>
+              <a:t>11/19/25</a:t>
             </a:fld>
             <a:endParaRPr lang="en-US"/>
           </a:p>
@@ -10219,7 +10219,7 @@
             <a:fld id="{1D8BD707-D9CF-40AE-B4C6-C98DA3205C09}" type="datetimeFigureOut">
               <a:rPr lang="en-US" smtClean="0"/>
               <a:pPr/>
-              <a:t>7/11/25</a:t>
+              <a:t>11/19/25</a:t>
             </a:fld>
             <a:endParaRPr lang="en-US"/>
           </a:p>
@@ -10427,7 +10427,7 @@
             <a:fld id="{1D8BD707-D9CF-40AE-B4C6-C98DA3205C09}" type="datetimeFigureOut">
               <a:rPr lang="en-US" smtClean="0"/>
               <a:pPr/>
-              <a:t>7/11/25</a:t>
+              <a:t>11/19/25</a:t>
             </a:fld>
             <a:endParaRPr lang="en-US"/>
           </a:p>
